--- a/IKM.pptx
+++ b/IKM.pptx
@@ -4,14 +4,14 @@
   <p:sldMasterIdLst>
     <p:sldMasterId id="2147483648" r:id="rId2"/>
     <p:sldMasterId id="2147483650" r:id="rId3"/>
-    <p:sldMasterId id="2147483652" r:id="rId4"/>
-    <p:sldMasterId id="2147483654" r:id="rId5"/>
-    <p:sldMasterId id="2147483656" r:id="rId6"/>
-    <p:sldMasterId id="2147483658" r:id="rId7"/>
-    <p:sldMasterId id="2147483660" r:id="rId8"/>
-    <p:sldMasterId id="2147483662" r:id="rId9"/>
-    <p:sldMasterId id="2147483664" r:id="rId10"/>
-    <p:sldMasterId id="2147483666" r:id="rId11"/>
+    <p:sldMasterId id="2147483654" r:id="rId4"/>
+    <p:sldMasterId id="2147483656" r:id="rId5"/>
+    <p:sldMasterId id="2147483658" r:id="rId6"/>
+    <p:sldMasterId id="2147483660" r:id="rId7"/>
+    <p:sldMasterId id="2147483662" r:id="rId8"/>
+    <p:sldMasterId id="2147483664" r:id="rId9"/>
+    <p:sldMasterId id="2147483666" r:id="rId10"/>
+    <p:sldMasterId id="2147483668" r:id="rId11"/>
   </p:sldMasterIdLst>
   <p:sldIdLst>
     <p:sldId id="256" r:id="rId12"/>
@@ -22,8 +22,6 @@
     <p:sldId id="261" r:id="rId17"/>
     <p:sldId id="262" r:id="rId18"/>
     <p:sldId id="263" r:id="rId19"/>
-    <p:sldId id="264" r:id="rId20"/>
-    <p:sldId id="265" r:id="rId21"/>
   </p:sldIdLst>
   <p:sldSz cx="10080625" cy="5670550"/>
   <p:notesSz cx="7559675" cy="10691813"/>
@@ -59,8 +57,8 @@
         </p:nvSpPr>
         <p:spPr>
           <a:xfrm>
-            <a:off x="929520" y="433800"/>
-            <a:ext cx="3016440" cy="1694520"/>
+            <a:off x="929520" y="661680"/>
+            <a:ext cx="3016080" cy="1238040"/>
           </a:xfrm>
           <a:prstGeom prst="rect">
             <a:avLst/>
@@ -84,7 +82,7 @@
               </a:solidFill>
               <a:effectLst/>
               <a:uFillTx/>
-              <a:latin typeface="FreeSerif"/>
+              <a:latin typeface="Times New Roman"/>
             </a:endParaRPr>
           </a:p>
         </p:txBody>
@@ -126,7 +124,7 @@
               </a:solidFill>
               <a:effectLst/>
               <a:uFillTx/>
-              <a:latin typeface="FreeSerif"/>
+              <a:latin typeface="Times New Roman"/>
             </a:endParaRPr>
           </a:p>
         </p:txBody>
@@ -165,7 +163,7 @@
         <p:txBody>
           <a:bodyPr/>
           <a:p>
-            <a:fld id="{2BBD4747-5B74-405B-B5AB-EDAB7A0290CA}" type="slidenum">
+            <a:fld id="{DD507CD6-D9CB-4F96-82A4-59B6F9DEAB64}" type="slidenum">
               <a:t>&lt;#&gt;</a:t>
             </a:fld>
           </a:p>
@@ -198,6 +196,261 @@
 </file>
 
 <file path=ppt/slideLayouts/slideLayout10.xml><?xml version="1.0" encoding="utf-8"?>
+<p:sldLayout xmlns:a="http://schemas.openxmlformats.org/drawingml/2006/main" xmlns:p="http://schemas.openxmlformats.org/presentationml/2006/main" xmlns:r="http://schemas.openxmlformats.org/officeDocument/2006/relationships" xmlns:p14="http://schemas.microsoft.com/office/powerpoint/2010/main" xmlns:p15="http://schemas.microsoft.com/office/powerpoint/2012/main" xmlns:mc="http://schemas.openxmlformats.org/markup-compatibility/2006" type="tx" preserve="1">
+  <p:cSld name="Default 5">
+    <p:spTree>
+      <p:nvGrpSpPr>
+        <p:cNvPr id="1" name=""/>
+        <p:cNvGrpSpPr/>
+        <p:nvPr/>
+      </p:nvGrpSpPr>
+      <p:grpSpPr>
+        <a:xfrm>
+          <a:off x="0" y="0"/>
+          <a:ext cx="0" cy="0"/>
+          <a:chOff x="0" y="0"/>
+          <a:chExt cx="0" cy="0"/>
+        </a:xfrm>
+      </p:grpSpPr>
+      <p:sp>
+        <p:nvSpPr>
+          <p:cNvPr id="121" name="PlaceHolder 1"/>
+          <p:cNvSpPr>
+            <a:spLocks noGrp="1"/>
+          </p:cNvSpPr>
+          <p:nvPr>
+            <p:ph type="title"/>
+          </p:nvPr>
+        </p:nvSpPr>
+        <p:spPr>
+          <a:xfrm>
+            <a:off x="929520" y="661680"/>
+            <a:ext cx="3016080" cy="1238040"/>
+          </a:xfrm>
+          <a:prstGeom prst="rect">
+            <a:avLst/>
+          </a:prstGeom>
+          <a:noFill/>
+          <a:ln w="0">
+            <a:noFill/>
+          </a:ln>
+        </p:spPr>
+        <p:txBody>
+          <a:bodyPr lIns="0" rIns="0" tIns="0" bIns="0" anchor="ctr">
+            <a:spAutoFit/>
+          </a:bodyPr>
+          <a:p>
+            <a:pPr indent="0" algn="ctr">
+              <a:buNone/>
+            </a:pPr>
+            <a:endParaRPr b="0" lang="en-US" sz="4400" strike="noStrike" u="none">
+              <a:solidFill>
+                <a:srgbClr val="000000"/>
+              </a:solidFill>
+              <a:effectLst/>
+              <a:uFillTx/>
+              <a:latin typeface="Times New Roman"/>
+            </a:endParaRPr>
+          </a:p>
+        </p:txBody>
+      </p:sp>
+      <p:sp>
+        <p:nvSpPr>
+          <p:cNvPr id="122" name="PlaceHolder 2"/>
+          <p:cNvSpPr>
+            <a:spLocks noGrp="1"/>
+          </p:cNvSpPr>
+          <p:nvPr>
+            <p:ph/>
+          </p:nvPr>
+        </p:nvSpPr>
+        <p:spPr>
+          <a:xfrm>
+            <a:off x="504000" y="1326600"/>
+            <a:ext cx="9072000" cy="3288600"/>
+          </a:xfrm>
+          <a:prstGeom prst="rect">
+            <a:avLst/>
+          </a:prstGeom>
+          <a:noFill/>
+          <a:ln w="0">
+            <a:noFill/>
+          </a:ln>
+        </p:spPr>
+        <p:txBody>
+          <a:bodyPr lIns="0" rIns="0" tIns="0" bIns="0" anchor="t">
+            <a:normAutofit/>
+          </a:bodyPr>
+          <a:p>
+            <a:pPr indent="0">
+              <a:spcBef>
+                <a:spcPts val="1417"/>
+              </a:spcBef>
+              <a:buNone/>
+            </a:pPr>
+            <a:endParaRPr b="0" lang="en-US" sz="3200" strike="noStrike" u="none">
+              <a:solidFill>
+                <a:srgbClr val="000000"/>
+              </a:solidFill>
+              <a:effectLst/>
+              <a:uFillTx/>
+              <a:latin typeface="Times New Roman"/>
+            </a:endParaRPr>
+          </a:p>
+        </p:txBody>
+      </p:sp>
+      <p:sp>
+        <p:nvSpPr>
+          <p:cNvPr id="4" name="PlaceHolder 3"/>
+          <p:cNvSpPr>
+            <a:spLocks noGrp="1"/>
+          </p:cNvSpPr>
+          <p:nvPr>
+            <p:ph type="sldNum" idx="10"/>
+          </p:nvPr>
+        </p:nvSpPr>
+        <p:spPr/>
+        <p:txBody>
+          <a:bodyPr/>
+          <a:p>
+            <a:fld id="{DAAFD44F-7FDD-431F-B6F7-A60865DA08F8}" type="slidenum">
+              <a:t>&lt;#&gt;</a:t>
+            </a:fld>
+          </a:p>
+        </p:txBody>
+      </p:sp>
+    </p:spTree>
+  </p:cSld>
+</p:sldLayout>
+</file>
+
+<file path=ppt/slideLayouts/slideLayout11.xml><?xml version="1.0" encoding="utf-8"?>
+<p:sldLayout xmlns:a="http://schemas.openxmlformats.org/drawingml/2006/main" xmlns:p="http://schemas.openxmlformats.org/presentationml/2006/main" xmlns:r="http://schemas.openxmlformats.org/officeDocument/2006/relationships" xmlns:p14="http://schemas.microsoft.com/office/powerpoint/2010/main" xmlns:p15="http://schemas.microsoft.com/office/powerpoint/2012/main" xmlns:mc="http://schemas.openxmlformats.org/markup-compatibility/2006" type="title" preserve="1">
+  <p:cSld name="Default 6">
+    <p:spTree>
+      <p:nvGrpSpPr>
+        <p:cNvPr id="1" name=""/>
+        <p:cNvGrpSpPr/>
+        <p:nvPr/>
+      </p:nvGrpSpPr>
+      <p:grpSpPr>
+        <a:xfrm>
+          <a:off x="0" y="0"/>
+          <a:ext cx="0" cy="0"/>
+          <a:chOff x="0" y="0"/>
+          <a:chExt cx="0" cy="0"/>
+        </a:xfrm>
+      </p:grpSpPr>
+      <p:sp>
+        <p:nvSpPr>
+          <p:cNvPr id="130" name="PlaceHolder 1"/>
+          <p:cNvSpPr>
+            <a:spLocks noGrp="1"/>
+          </p:cNvSpPr>
+          <p:nvPr>
+            <p:ph type="title"/>
+          </p:nvPr>
+        </p:nvSpPr>
+        <p:spPr>
+          <a:xfrm>
+            <a:off x="929520" y="661680"/>
+            <a:ext cx="3016080" cy="1238040"/>
+          </a:xfrm>
+          <a:prstGeom prst="rect">
+            <a:avLst/>
+          </a:prstGeom>
+          <a:noFill/>
+          <a:ln w="0">
+            <a:noFill/>
+          </a:ln>
+        </p:spPr>
+        <p:txBody>
+          <a:bodyPr lIns="0" rIns="0" tIns="0" bIns="0" anchor="ctr">
+            <a:spAutoFit/>
+          </a:bodyPr>
+          <a:p>
+            <a:pPr indent="0" algn="ctr">
+              <a:buNone/>
+            </a:pPr>
+            <a:endParaRPr b="0" lang="en-US" sz="4400" strike="noStrike" u="none">
+              <a:solidFill>
+                <a:srgbClr val="000000"/>
+              </a:solidFill>
+              <a:effectLst/>
+              <a:uFillTx/>
+              <a:latin typeface="Times New Roman"/>
+            </a:endParaRPr>
+          </a:p>
+        </p:txBody>
+      </p:sp>
+      <p:sp>
+        <p:nvSpPr>
+          <p:cNvPr id="131" name="PlaceHolder 2"/>
+          <p:cNvSpPr>
+            <a:spLocks noGrp="1"/>
+          </p:cNvSpPr>
+          <p:nvPr>
+            <p:ph type="subTitle"/>
+          </p:nvPr>
+        </p:nvSpPr>
+        <p:spPr>
+          <a:xfrm>
+            <a:off x="504000" y="1326600"/>
+            <a:ext cx="9072000" cy="3288600"/>
+          </a:xfrm>
+          <a:prstGeom prst="rect">
+            <a:avLst/>
+          </a:prstGeom>
+          <a:noFill/>
+          <a:ln w="0">
+            <a:noFill/>
+          </a:ln>
+        </p:spPr>
+        <p:txBody>
+          <a:bodyPr lIns="0" rIns="0" tIns="0" bIns="0" anchor="ctr">
+            <a:spAutoFit/>
+          </a:bodyPr>
+          <a:p>
+            <a:pPr indent="0" algn="ctr">
+              <a:buNone/>
+            </a:pPr>
+            <a:endParaRPr b="0" lang="en-US" sz="3200" strike="noStrike" u="none">
+              <a:solidFill>
+                <a:srgbClr val="000000"/>
+              </a:solidFill>
+              <a:effectLst/>
+              <a:uFillTx/>
+              <a:latin typeface="Times New Roman"/>
+            </a:endParaRPr>
+          </a:p>
+        </p:txBody>
+      </p:sp>
+      <p:sp>
+        <p:nvSpPr>
+          <p:cNvPr id="4" name="PlaceHolder 3"/>
+          <p:cNvSpPr>
+            <a:spLocks noGrp="1"/>
+          </p:cNvSpPr>
+          <p:nvPr>
+            <p:ph type="sldNum" idx="11"/>
+          </p:nvPr>
+        </p:nvSpPr>
+        <p:spPr/>
+        <p:txBody>
+          <a:bodyPr/>
+          <a:p>
+            <a:fld id="{06E87FE7-5D1C-4B45-BD4F-70B3BC15BD40}" type="slidenum">
+              <a:t>&lt;#&gt;</a:t>
+            </a:fld>
+          </a:p>
+        </p:txBody>
+      </p:sp>
+    </p:spTree>
+  </p:cSld>
+</p:sldLayout>
+</file>
+
+<file path=ppt/slideLayouts/slideLayout12.xml><?xml version="1.0" encoding="utf-8"?>
 <p:sldLayout xmlns:a="http://schemas.openxmlformats.org/drawingml/2006/main" xmlns:p="http://schemas.openxmlformats.org/presentationml/2006/main" xmlns:r="http://schemas.openxmlformats.org/officeDocument/2006/relationships" xmlns:p14="http://schemas.microsoft.com/office/powerpoint/2010/main" xmlns:p15="http://schemas.microsoft.com/office/powerpoint/2012/main" xmlns:mc="http://schemas.openxmlformats.org/markup-compatibility/2006" type="tx" preserve="1">
   <p:cSld name="Пользовательский макет">
     <p:spTree>
@@ -216,7 +469,7 @@
       </p:grpSpPr>
       <p:sp>
         <p:nvSpPr>
-          <p:cNvPr id="134" name="PlaceHolder 1"/>
+          <p:cNvPr id="136" name="PlaceHolder 1"/>
           <p:cNvSpPr>
             <a:spLocks noGrp="1"/>
           </p:cNvSpPr>
@@ -226,8 +479,8 @@
         </p:nvSpPr>
         <p:spPr>
           <a:xfrm>
-            <a:off x="929520" y="433800"/>
-            <a:ext cx="3016440" cy="1694520"/>
+            <a:off x="929520" y="661680"/>
+            <a:ext cx="3016080" cy="1238040"/>
           </a:xfrm>
           <a:prstGeom prst="rect">
             <a:avLst/>
@@ -251,14 +504,14 @@
               </a:solidFill>
               <a:effectLst/>
               <a:uFillTx/>
-              <a:latin typeface="FreeSerif"/>
-            </a:endParaRPr>
-          </a:p>
-        </p:txBody>
-      </p:sp>
-      <p:sp>
-        <p:nvSpPr>
-          <p:cNvPr id="135" name="PlaceHolder 2"/>
+              <a:latin typeface="Times New Roman"/>
+            </a:endParaRPr>
+          </a:p>
+        </p:txBody>
+      </p:sp>
+      <p:sp>
+        <p:nvSpPr>
+          <p:cNvPr id="137" name="PlaceHolder 2"/>
           <p:cNvSpPr>
             <a:spLocks noGrp="1"/>
           </p:cNvSpPr>
@@ -296,7 +549,7 @@
               </a:solidFill>
               <a:effectLst/>
               <a:uFillTx/>
-              <a:latin typeface="FreeSerif"/>
+              <a:latin typeface="Times New Roman"/>
             </a:endParaRPr>
           </a:p>
         </p:txBody>
@@ -315,7 +568,7 @@
         <p:txBody>
           <a:bodyPr/>
           <a:p>
-            <a:fld id="{5B8A0E2E-FC5E-4068-A3FB-E1419AEAE543}" type="slidenum">
+            <a:fld id="{5135C6AA-F3B5-4922-AA0A-24395BFF1177}" type="slidenum">
               <a:t>&lt;#&gt;</a:t>
             </a:fld>
           </a:p>
@@ -327,6 +580,177 @@
 </file>
 
 <file path=ppt/slideLayouts/slideLayout2.xml><?xml version="1.0" encoding="utf-8"?>
+<p:sldLayout xmlns:a="http://schemas.openxmlformats.org/drawingml/2006/main" xmlns:p="http://schemas.openxmlformats.org/presentationml/2006/main" xmlns:r="http://schemas.openxmlformats.org/officeDocument/2006/relationships" xmlns:p14="http://schemas.microsoft.com/office/powerpoint/2010/main" xmlns:p15="http://schemas.microsoft.com/office/powerpoint/2012/main" xmlns:mc="http://schemas.openxmlformats.org/markup-compatibility/2006" type="tx" preserve="1">
+  <p:cSld name="Титульный слайд">
+    <p:spTree>
+      <p:nvGrpSpPr>
+        <p:cNvPr id="1" name=""/>
+        <p:cNvGrpSpPr/>
+        <p:nvPr/>
+      </p:nvGrpSpPr>
+      <p:grpSpPr>
+        <a:xfrm>
+          <a:off x="0" y="0"/>
+          <a:ext cx="0" cy="0"/>
+          <a:chOff x="0" y="0"/>
+          <a:chExt cx="0" cy="0"/>
+        </a:xfrm>
+      </p:grpSpPr>
+      <p:sp>
+        <p:nvSpPr>
+          <p:cNvPr id="25" name="PlaceHolder 1"/>
+          <p:cNvSpPr>
+            <a:spLocks noGrp="1"/>
+          </p:cNvSpPr>
+          <p:nvPr>
+            <p:ph type="title"/>
+          </p:nvPr>
+        </p:nvSpPr>
+        <p:spPr>
+          <a:xfrm>
+            <a:off x="929520" y="661680"/>
+            <a:ext cx="3016080" cy="1238040"/>
+          </a:xfrm>
+          <a:prstGeom prst="rect">
+            <a:avLst/>
+          </a:prstGeom>
+          <a:noFill/>
+          <a:ln w="0">
+            <a:noFill/>
+          </a:ln>
+        </p:spPr>
+        <p:txBody>
+          <a:bodyPr lIns="0" rIns="0" tIns="0" bIns="0" anchor="ctr">
+            <a:spAutoFit/>
+          </a:bodyPr>
+          <a:p>
+            <a:pPr indent="0" algn="ctr">
+              <a:buNone/>
+            </a:pPr>
+            <a:endParaRPr b="0" lang="en-US" sz="4400" strike="noStrike" u="none">
+              <a:solidFill>
+                <a:srgbClr val="000000"/>
+              </a:solidFill>
+              <a:effectLst/>
+              <a:uFillTx/>
+              <a:latin typeface="Times New Roman"/>
+            </a:endParaRPr>
+          </a:p>
+        </p:txBody>
+      </p:sp>
+      <p:sp>
+        <p:nvSpPr>
+          <p:cNvPr id="26" name="PlaceHolder 2"/>
+          <p:cNvSpPr>
+            <a:spLocks noGrp="1"/>
+          </p:cNvSpPr>
+          <p:nvPr>
+            <p:ph/>
+          </p:nvPr>
+        </p:nvSpPr>
+        <p:spPr>
+          <a:xfrm>
+            <a:off x="504000" y="1326600"/>
+            <a:ext cx="9072000" cy="3288600"/>
+          </a:xfrm>
+          <a:prstGeom prst="rect">
+            <a:avLst/>
+          </a:prstGeom>
+          <a:noFill/>
+          <a:ln w="0">
+            <a:noFill/>
+          </a:ln>
+        </p:spPr>
+        <p:txBody>
+          <a:bodyPr lIns="0" rIns="0" tIns="0" bIns="0" anchor="t">
+            <a:normAutofit/>
+          </a:bodyPr>
+          <a:p>
+            <a:pPr indent="0">
+              <a:spcBef>
+                <a:spcPts val="1417"/>
+              </a:spcBef>
+              <a:buNone/>
+            </a:pPr>
+            <a:endParaRPr b="0" lang="en-US" sz="3200" strike="noStrike" u="none">
+              <a:solidFill>
+                <a:srgbClr val="000000"/>
+              </a:solidFill>
+              <a:effectLst/>
+              <a:uFillTx/>
+              <a:latin typeface="Times New Roman"/>
+            </a:endParaRPr>
+          </a:p>
+        </p:txBody>
+      </p:sp>
+      <p:sp>
+        <p:nvSpPr>
+          <p:cNvPr id="4" name="PlaceHolder 3"/>
+          <p:cNvSpPr>
+            <a:spLocks noGrp="1"/>
+          </p:cNvSpPr>
+          <p:nvPr>
+            <p:ph type="sldNum" idx="4"/>
+          </p:nvPr>
+        </p:nvSpPr>
+        <p:spPr/>
+        <p:txBody>
+          <a:bodyPr/>
+          <a:p>
+            <a:fld id="{9ABACBAB-939D-4381-8E50-B99215BB2929}" type="slidenum">
+              <a:t>&lt;#&gt;</a:t>
+            </a:fld>
+          </a:p>
+        </p:txBody>
+      </p:sp>
+    </p:spTree>
+  </p:cSld>
+</p:sldLayout>
+</file>
+
+<file path=ppt/slideLayouts/slideLayout3.xml><?xml version="1.0" encoding="utf-8"?>
+<p:sldLayout xmlns:a="http://schemas.openxmlformats.org/drawingml/2006/main" xmlns:p="http://schemas.openxmlformats.org/presentationml/2006/main" xmlns:r="http://schemas.openxmlformats.org/officeDocument/2006/relationships" xmlns:p14="http://schemas.microsoft.com/office/powerpoint/2010/main" xmlns:p15="http://schemas.microsoft.com/office/powerpoint/2012/main" xmlns:mc="http://schemas.openxmlformats.org/markup-compatibility/2006" type="blank" preserve="1">
+  <p:cSld name="Титульный слайд">
+    <p:spTree>
+      <p:nvGrpSpPr>
+        <p:cNvPr id="1" name=""/>
+        <p:cNvGrpSpPr/>
+        <p:nvPr/>
+      </p:nvGrpSpPr>
+      <p:grpSpPr>
+        <a:xfrm>
+          <a:off x="0" y="0"/>
+          <a:ext cx="0" cy="0"/>
+          <a:chOff x="0" y="0"/>
+          <a:chExt cx="0" cy="0"/>
+        </a:xfrm>
+      </p:grpSpPr>
+      <p:sp>
+        <p:nvSpPr>
+          <p:cNvPr id="2" name="PlaceHolder 1"/>
+          <p:cNvSpPr>
+            <a:spLocks noGrp="1"/>
+          </p:cNvSpPr>
+          <p:nvPr>
+            <p:ph type="sldNum" idx="4"/>
+          </p:nvPr>
+        </p:nvSpPr>
+        <p:spPr/>
+        <p:txBody>
+          <a:bodyPr/>
+          <a:p>
+            <a:fld id="{240B595F-0F79-4606-A8B0-51C27589BD2A}" type="slidenum">
+              <a:t>&lt;#&gt;</a:t>
+            </a:fld>
+          </a:p>
+        </p:txBody>
+      </p:sp>
+    </p:spTree>
+  </p:cSld>
+</p:sldLayout>
+</file>
+
+<file path=ppt/slideLayouts/slideLayout4.xml><?xml version="1.0" encoding="utf-8"?>
 <p:sldLayout xmlns:a="http://schemas.openxmlformats.org/drawingml/2006/main" xmlns:p="http://schemas.openxmlformats.org/presentationml/2006/main" xmlns:r="http://schemas.openxmlformats.org/officeDocument/2006/relationships" xmlns:p14="http://schemas.microsoft.com/office/powerpoint/2010/main" xmlns:p15="http://schemas.microsoft.com/office/powerpoint/2012/main" xmlns:mc="http://schemas.openxmlformats.org/markup-compatibility/2006" type="title" preserve="1">
   <p:cSld name="Титульный слайд">
     <p:spTree>
@@ -345,7 +769,7 @@
       </p:grpSpPr>
       <p:sp>
         <p:nvSpPr>
-          <p:cNvPr id="25" name="PlaceHolder 1"/>
+          <p:cNvPr id="27" name="PlaceHolder 1"/>
           <p:cNvSpPr>
             <a:spLocks noGrp="1"/>
           </p:cNvSpPr>
@@ -355,8 +779,8 @@
         </p:nvSpPr>
         <p:spPr>
           <a:xfrm>
-            <a:off x="929520" y="433800"/>
-            <a:ext cx="3016440" cy="1694520"/>
+            <a:off x="929520" y="661680"/>
+            <a:ext cx="3016080" cy="1238040"/>
           </a:xfrm>
           <a:prstGeom prst="rect">
             <a:avLst/>
@@ -380,14 +804,14 @@
               </a:solidFill>
               <a:effectLst/>
               <a:uFillTx/>
-              <a:latin typeface="FreeSerif"/>
-            </a:endParaRPr>
-          </a:p>
-        </p:txBody>
-      </p:sp>
-      <p:sp>
-        <p:nvSpPr>
-          <p:cNvPr id="26" name="PlaceHolder 2"/>
+              <a:latin typeface="Times New Roman"/>
+            </a:endParaRPr>
+          </a:p>
+        </p:txBody>
+      </p:sp>
+      <p:sp>
+        <p:nvSpPr>
+          <p:cNvPr id="28" name="PlaceHolder 2"/>
           <p:cNvSpPr>
             <a:spLocks noGrp="1"/>
           </p:cNvSpPr>
@@ -422,7 +846,7 @@
               </a:solidFill>
               <a:effectLst/>
               <a:uFillTx/>
-              <a:latin typeface="FreeSerif"/>
+              <a:latin typeface="Times New Roman"/>
             </a:endParaRPr>
           </a:p>
         </p:txBody>
@@ -441,7 +865,7 @@
         <p:txBody>
           <a:bodyPr/>
           <a:p>
-            <a:fld id="{4FB0DF58-43B8-40C1-A3F0-C80296993FA9}" type="slidenum">
+            <a:fld id="{A5D90760-0B38-43B4-807E-332739716A5F}" type="slidenum">
               <a:t>&lt;#&gt;</a:t>
             </a:fld>
           </a:p>
@@ -452,7 +876,7 @@
 </p:sldLayout>
 </file>
 
-<file path=ppt/slideLayouts/slideLayout3.xml><?xml version="1.0" encoding="utf-8"?>
+<file path=ppt/slideLayouts/slideLayout5.xml><?xml version="1.0" encoding="utf-8"?>
 <p:sldLayout xmlns:a="http://schemas.openxmlformats.org/drawingml/2006/main" xmlns:p="http://schemas.openxmlformats.org/presentationml/2006/main" xmlns:r="http://schemas.openxmlformats.org/officeDocument/2006/relationships" xmlns:p14="http://schemas.microsoft.com/office/powerpoint/2010/main" xmlns:p15="http://schemas.microsoft.com/office/powerpoint/2012/main" xmlns:mc="http://schemas.openxmlformats.org/markup-compatibility/2006" type="blank" preserve="1">
   <p:cSld name="Default 1">
     <p:spTree>
@@ -483,7 +907,7 @@
         <p:txBody>
           <a:bodyPr/>
           <a:p>
-            <a:fld id="{2D835F74-7DE4-40C9-9EDF-0E2C8A415F34}" type="slidenum">
+            <a:fld id="{6836FB66-1FBC-4B74-81BF-D7CE44625AF2}" type="slidenum">
               <a:t>&lt;#&gt;</a:t>
             </a:fld>
           </a:p>
@@ -494,7 +918,7 @@
 </p:sldLayout>
 </file>
 
-<file path=ppt/slideLayouts/slideLayout4.xml><?xml version="1.0" encoding="utf-8"?>
+<file path=ppt/slideLayouts/slideLayout6.xml><?xml version="1.0" encoding="utf-8"?>
 <p:sldLayout xmlns:a="http://schemas.openxmlformats.org/drawingml/2006/main" xmlns:p="http://schemas.openxmlformats.org/presentationml/2006/main" xmlns:r="http://schemas.openxmlformats.org/officeDocument/2006/relationships" xmlns:p14="http://schemas.microsoft.com/office/powerpoint/2010/main" xmlns:p15="http://schemas.microsoft.com/office/powerpoint/2012/main" xmlns:mc="http://schemas.openxmlformats.org/markup-compatibility/2006" type="tx" preserve="1">
   <p:cSld name="Default 2">
     <p:spTree>
@@ -513,7 +937,7 @@
       </p:grpSpPr>
       <p:sp>
         <p:nvSpPr>
-          <p:cNvPr id="63" name="PlaceHolder 1"/>
+          <p:cNvPr id="65" name="PlaceHolder 1"/>
           <p:cNvSpPr>
             <a:spLocks noGrp="1"/>
           </p:cNvSpPr>
@@ -523,8 +947,8 @@
         </p:nvSpPr>
         <p:spPr>
           <a:xfrm>
-            <a:off x="929520" y="433800"/>
-            <a:ext cx="3016440" cy="1694520"/>
+            <a:off x="929520" y="661680"/>
+            <a:ext cx="3016080" cy="1238040"/>
           </a:xfrm>
           <a:prstGeom prst="rect">
             <a:avLst/>
@@ -548,14 +972,14 @@
               </a:solidFill>
               <a:effectLst/>
               <a:uFillTx/>
-              <a:latin typeface="FreeSerif"/>
-            </a:endParaRPr>
-          </a:p>
-        </p:txBody>
-      </p:sp>
-      <p:sp>
-        <p:nvSpPr>
-          <p:cNvPr id="64" name="PlaceHolder 2"/>
+              <a:latin typeface="Times New Roman"/>
+            </a:endParaRPr>
+          </a:p>
+        </p:txBody>
+      </p:sp>
+      <p:sp>
+        <p:nvSpPr>
+          <p:cNvPr id="66" name="PlaceHolder 2"/>
           <p:cNvSpPr>
             <a:spLocks noGrp="1"/>
           </p:cNvSpPr>
@@ -593,7 +1017,7 @@
               </a:solidFill>
               <a:effectLst/>
               <a:uFillTx/>
-              <a:latin typeface="FreeSerif"/>
+              <a:latin typeface="Times New Roman"/>
             </a:endParaRPr>
           </a:p>
         </p:txBody>
@@ -612,7 +1036,7 @@
         <p:txBody>
           <a:bodyPr/>
           <a:p>
-            <a:fld id="{DF70677A-0908-46E1-9BB5-865CAF291B26}" type="slidenum">
+            <a:fld id="{C9EFF7C9-E6B6-46DA-AEFE-5222FB1C860A}" type="slidenum">
               <a:t>&lt;#&gt;</a:t>
             </a:fld>
           </a:p>
@@ -623,7 +1047,7 @@
 </p:sldLayout>
 </file>
 
-<file path=ppt/slideLayouts/slideLayout5.xml><?xml version="1.0" encoding="utf-8"?>
+<file path=ppt/slideLayouts/slideLayout7.xml><?xml version="1.0" encoding="utf-8"?>
 <p:sldLayout xmlns:a="http://schemas.openxmlformats.org/drawingml/2006/main" xmlns:p="http://schemas.openxmlformats.org/presentationml/2006/main" xmlns:r="http://schemas.openxmlformats.org/officeDocument/2006/relationships" xmlns:p14="http://schemas.microsoft.com/office/powerpoint/2010/main" xmlns:p15="http://schemas.microsoft.com/office/powerpoint/2012/main" xmlns:mc="http://schemas.openxmlformats.org/markup-compatibility/2006" type="blank" preserve="1">
   <p:cSld name="Default 3">
     <p:spTree>
@@ -654,7 +1078,7 @@
         <p:txBody>
           <a:bodyPr/>
           <a:p>
-            <a:fld id="{20FC39D6-98BD-4C85-A22A-591006A98EC7}" type="slidenum">
+            <a:fld id="{24D601CB-C5EA-4DEB-ADCE-92F7B78CFE0A}" type="slidenum">
               <a:t>&lt;#&gt;</a:t>
             </a:fld>
           </a:p>
@@ -665,7 +1089,7 @@
 </p:sldLayout>
 </file>
 
-<file path=ppt/slideLayouts/slideLayout6.xml><?xml version="1.0" encoding="utf-8"?>
+<file path=ppt/slideLayouts/slideLayout8.xml><?xml version="1.0" encoding="utf-8"?>
 <p:sldLayout xmlns:a="http://schemas.openxmlformats.org/drawingml/2006/main" xmlns:p="http://schemas.openxmlformats.org/presentationml/2006/main" xmlns:r="http://schemas.openxmlformats.org/officeDocument/2006/relationships" xmlns:p14="http://schemas.microsoft.com/office/powerpoint/2010/main" xmlns:p15="http://schemas.microsoft.com/office/powerpoint/2012/main" xmlns:mc="http://schemas.openxmlformats.org/markup-compatibility/2006" type="tx" preserve="1">
   <p:cSld name="Default 4">
     <p:spTree>
@@ -684,7 +1108,7 @@
       </p:grpSpPr>
       <p:sp>
         <p:nvSpPr>
-          <p:cNvPr id="101" name="PlaceHolder 1"/>
+          <p:cNvPr id="103" name="PlaceHolder 1"/>
           <p:cNvSpPr>
             <a:spLocks noGrp="1"/>
           </p:cNvSpPr>
@@ -694,8 +1118,8 @@
         </p:nvSpPr>
         <p:spPr>
           <a:xfrm>
-            <a:off x="929520" y="433800"/>
-            <a:ext cx="3016440" cy="1694520"/>
+            <a:off x="929520" y="661680"/>
+            <a:ext cx="3016080" cy="1238040"/>
           </a:xfrm>
           <a:prstGeom prst="rect">
             <a:avLst/>
@@ -719,14 +1143,14 @@
               </a:solidFill>
               <a:effectLst/>
               <a:uFillTx/>
-              <a:latin typeface="FreeSerif"/>
-            </a:endParaRPr>
-          </a:p>
-        </p:txBody>
-      </p:sp>
-      <p:sp>
-        <p:nvSpPr>
-          <p:cNvPr id="102" name="PlaceHolder 2"/>
+              <a:latin typeface="Times New Roman"/>
+            </a:endParaRPr>
+          </a:p>
+        </p:txBody>
+      </p:sp>
+      <p:sp>
+        <p:nvSpPr>
+          <p:cNvPr id="104" name="PlaceHolder 2"/>
           <p:cNvSpPr>
             <a:spLocks noGrp="1"/>
           </p:cNvSpPr>
@@ -764,7 +1188,7 @@
               </a:solidFill>
               <a:effectLst/>
               <a:uFillTx/>
-              <a:latin typeface="FreeSerif"/>
+              <a:latin typeface="Times New Roman"/>
             </a:endParaRPr>
           </a:p>
         </p:txBody>
@@ -783,7 +1207,7 @@
         <p:txBody>
           <a:bodyPr/>
           <a:p>
-            <a:fld id="{6CE8002E-EC2A-4EEB-BA15-946BB7D06738}" type="slidenum">
+            <a:fld id="{C874D401-CBC2-43DA-A8C7-019076803C24}" type="slidenum">
               <a:t>&lt;#&gt;</a:t>
             </a:fld>
           </a:p>
@@ -794,7 +1218,7 @@
 </p:sldLayout>
 </file>
 
-<file path=ppt/slideLayouts/slideLayout7.xml><?xml version="1.0" encoding="utf-8"?>
+<file path=ppt/slideLayouts/slideLayout9.xml><?xml version="1.0" encoding="utf-8"?>
 <p:sldLayout xmlns:a="http://schemas.openxmlformats.org/drawingml/2006/main" xmlns:p="http://schemas.openxmlformats.org/presentationml/2006/main" xmlns:r="http://schemas.openxmlformats.org/officeDocument/2006/relationships" xmlns:p14="http://schemas.microsoft.com/office/powerpoint/2010/main" xmlns:p15="http://schemas.microsoft.com/office/powerpoint/2012/main" xmlns:mc="http://schemas.openxmlformats.org/markup-compatibility/2006" type="blank" preserve="1">
   <p:cSld name="1_Заголовок раздела">
     <p:spTree>
@@ -825,262 +1249,7 @@
         <p:txBody>
           <a:bodyPr/>
           <a:p>
-            <a:fld id="{BCC36319-2864-4A51-9D0A-8C08D6EF143B}" type="slidenum">
-              <a:t>&lt;#&gt;</a:t>
-            </a:fld>
-          </a:p>
-        </p:txBody>
-      </p:sp>
-    </p:spTree>
-  </p:cSld>
-</p:sldLayout>
-</file>
-
-<file path=ppt/slideLayouts/slideLayout8.xml><?xml version="1.0" encoding="utf-8"?>
-<p:sldLayout xmlns:a="http://schemas.openxmlformats.org/drawingml/2006/main" xmlns:p="http://schemas.openxmlformats.org/presentationml/2006/main" xmlns:r="http://schemas.openxmlformats.org/officeDocument/2006/relationships" xmlns:p14="http://schemas.microsoft.com/office/powerpoint/2010/main" xmlns:p15="http://schemas.microsoft.com/office/powerpoint/2012/main" xmlns:mc="http://schemas.openxmlformats.org/markup-compatibility/2006" type="tx" preserve="1">
-  <p:cSld name="Default 5">
-    <p:spTree>
-      <p:nvGrpSpPr>
-        <p:cNvPr id="1" name=""/>
-        <p:cNvGrpSpPr/>
-        <p:nvPr/>
-      </p:nvGrpSpPr>
-      <p:grpSpPr>
-        <a:xfrm>
-          <a:off x="0" y="0"/>
-          <a:ext cx="0" cy="0"/>
-          <a:chOff x="0" y="0"/>
-          <a:chExt cx="0" cy="0"/>
-        </a:xfrm>
-      </p:grpSpPr>
-      <p:sp>
-        <p:nvSpPr>
-          <p:cNvPr id="119" name="PlaceHolder 1"/>
-          <p:cNvSpPr>
-            <a:spLocks noGrp="1"/>
-          </p:cNvSpPr>
-          <p:nvPr>
-            <p:ph type="title"/>
-          </p:nvPr>
-        </p:nvSpPr>
-        <p:spPr>
-          <a:xfrm>
-            <a:off x="929520" y="433800"/>
-            <a:ext cx="3016440" cy="1694520"/>
-          </a:xfrm>
-          <a:prstGeom prst="rect">
-            <a:avLst/>
-          </a:prstGeom>
-          <a:noFill/>
-          <a:ln w="0">
-            <a:noFill/>
-          </a:ln>
-        </p:spPr>
-        <p:txBody>
-          <a:bodyPr lIns="0" rIns="0" tIns="0" bIns="0" anchor="ctr">
-            <a:spAutoFit/>
-          </a:bodyPr>
-          <a:p>
-            <a:pPr indent="0" algn="ctr">
-              <a:buNone/>
-            </a:pPr>
-            <a:endParaRPr b="0" lang="en-US" sz="4400" strike="noStrike" u="none">
-              <a:solidFill>
-                <a:srgbClr val="000000"/>
-              </a:solidFill>
-              <a:effectLst/>
-              <a:uFillTx/>
-              <a:latin typeface="FreeSerif"/>
-            </a:endParaRPr>
-          </a:p>
-        </p:txBody>
-      </p:sp>
-      <p:sp>
-        <p:nvSpPr>
-          <p:cNvPr id="120" name="PlaceHolder 2"/>
-          <p:cNvSpPr>
-            <a:spLocks noGrp="1"/>
-          </p:cNvSpPr>
-          <p:nvPr>
-            <p:ph/>
-          </p:nvPr>
-        </p:nvSpPr>
-        <p:spPr>
-          <a:xfrm>
-            <a:off x="504000" y="1326600"/>
-            <a:ext cx="9072000" cy="3288600"/>
-          </a:xfrm>
-          <a:prstGeom prst="rect">
-            <a:avLst/>
-          </a:prstGeom>
-          <a:noFill/>
-          <a:ln w="0">
-            <a:noFill/>
-          </a:ln>
-        </p:spPr>
-        <p:txBody>
-          <a:bodyPr lIns="0" rIns="0" tIns="0" bIns="0" anchor="t">
-            <a:normAutofit/>
-          </a:bodyPr>
-          <a:p>
-            <a:pPr indent="0">
-              <a:spcBef>
-                <a:spcPts val="1417"/>
-              </a:spcBef>
-              <a:buNone/>
-            </a:pPr>
-            <a:endParaRPr b="0" lang="en-US" sz="3200" strike="noStrike" u="none">
-              <a:solidFill>
-                <a:srgbClr val="000000"/>
-              </a:solidFill>
-              <a:effectLst/>
-              <a:uFillTx/>
-              <a:latin typeface="FreeSerif"/>
-            </a:endParaRPr>
-          </a:p>
-        </p:txBody>
-      </p:sp>
-      <p:sp>
-        <p:nvSpPr>
-          <p:cNvPr id="4" name="PlaceHolder 3"/>
-          <p:cNvSpPr>
-            <a:spLocks noGrp="1"/>
-          </p:cNvSpPr>
-          <p:nvPr>
-            <p:ph type="sldNum" idx="10"/>
-          </p:nvPr>
-        </p:nvSpPr>
-        <p:spPr/>
-        <p:txBody>
-          <a:bodyPr/>
-          <a:p>
-            <a:fld id="{59744E89-B8A4-43DB-A24C-D504BC43D7F4}" type="slidenum">
-              <a:t>&lt;#&gt;</a:t>
-            </a:fld>
-          </a:p>
-        </p:txBody>
-      </p:sp>
-    </p:spTree>
-  </p:cSld>
-</p:sldLayout>
-</file>
-
-<file path=ppt/slideLayouts/slideLayout9.xml><?xml version="1.0" encoding="utf-8"?>
-<p:sldLayout xmlns:a="http://schemas.openxmlformats.org/drawingml/2006/main" xmlns:p="http://schemas.openxmlformats.org/presentationml/2006/main" xmlns:r="http://schemas.openxmlformats.org/officeDocument/2006/relationships" xmlns:p14="http://schemas.microsoft.com/office/powerpoint/2010/main" xmlns:p15="http://schemas.microsoft.com/office/powerpoint/2012/main" xmlns:mc="http://schemas.openxmlformats.org/markup-compatibility/2006" type="title" preserve="1">
-  <p:cSld name="Default 6">
-    <p:spTree>
-      <p:nvGrpSpPr>
-        <p:cNvPr id="1" name=""/>
-        <p:cNvGrpSpPr/>
-        <p:nvPr/>
-      </p:nvGrpSpPr>
-      <p:grpSpPr>
-        <a:xfrm>
-          <a:off x="0" y="0"/>
-          <a:ext cx="0" cy="0"/>
-          <a:chOff x="0" y="0"/>
-          <a:chExt cx="0" cy="0"/>
-        </a:xfrm>
-      </p:grpSpPr>
-      <p:sp>
-        <p:nvSpPr>
-          <p:cNvPr id="128" name="PlaceHolder 1"/>
-          <p:cNvSpPr>
-            <a:spLocks noGrp="1"/>
-          </p:cNvSpPr>
-          <p:nvPr>
-            <p:ph type="title"/>
-          </p:nvPr>
-        </p:nvSpPr>
-        <p:spPr>
-          <a:xfrm>
-            <a:off x="929520" y="433800"/>
-            <a:ext cx="3016440" cy="1694520"/>
-          </a:xfrm>
-          <a:prstGeom prst="rect">
-            <a:avLst/>
-          </a:prstGeom>
-          <a:noFill/>
-          <a:ln w="0">
-            <a:noFill/>
-          </a:ln>
-        </p:spPr>
-        <p:txBody>
-          <a:bodyPr lIns="0" rIns="0" tIns="0" bIns="0" anchor="ctr">
-            <a:spAutoFit/>
-          </a:bodyPr>
-          <a:p>
-            <a:pPr indent="0" algn="ctr">
-              <a:buNone/>
-            </a:pPr>
-            <a:endParaRPr b="0" lang="en-US" sz="4400" strike="noStrike" u="none">
-              <a:solidFill>
-                <a:srgbClr val="000000"/>
-              </a:solidFill>
-              <a:effectLst/>
-              <a:uFillTx/>
-              <a:latin typeface="FreeSerif"/>
-            </a:endParaRPr>
-          </a:p>
-        </p:txBody>
-      </p:sp>
-      <p:sp>
-        <p:nvSpPr>
-          <p:cNvPr id="129" name="PlaceHolder 2"/>
-          <p:cNvSpPr>
-            <a:spLocks noGrp="1"/>
-          </p:cNvSpPr>
-          <p:nvPr>
-            <p:ph type="subTitle"/>
-          </p:nvPr>
-        </p:nvSpPr>
-        <p:spPr>
-          <a:xfrm>
-            <a:off x="504000" y="1326600"/>
-            <a:ext cx="9072000" cy="3288600"/>
-          </a:xfrm>
-          <a:prstGeom prst="rect">
-            <a:avLst/>
-          </a:prstGeom>
-          <a:noFill/>
-          <a:ln w="0">
-            <a:noFill/>
-          </a:ln>
-        </p:spPr>
-        <p:txBody>
-          <a:bodyPr lIns="0" rIns="0" tIns="0" bIns="0" anchor="ctr">
-            <a:spAutoFit/>
-          </a:bodyPr>
-          <a:p>
-            <a:pPr indent="0" algn="ctr">
-              <a:buNone/>
-            </a:pPr>
-            <a:endParaRPr b="0" lang="en-US" sz="3200" strike="noStrike" u="none">
-              <a:solidFill>
-                <a:srgbClr val="000000"/>
-              </a:solidFill>
-              <a:effectLst/>
-              <a:uFillTx/>
-              <a:latin typeface="FreeSerif"/>
-            </a:endParaRPr>
-          </a:p>
-        </p:txBody>
-      </p:sp>
-      <p:sp>
-        <p:nvSpPr>
-          <p:cNvPr id="4" name="PlaceHolder 3"/>
-          <p:cNvSpPr>
-            <a:spLocks noGrp="1"/>
-          </p:cNvSpPr>
-          <p:nvPr>
-            <p:ph type="sldNum" idx="11"/>
-          </p:nvPr>
-        </p:nvSpPr>
-        <p:spPr/>
-        <p:txBody>
-          <a:bodyPr/>
-          <a:p>
-            <a:fld id="{1C963711-62FA-4352-8494-6B3AE086F7F7}" type="slidenum">
+            <a:fld id="{C4C757F3-C060-489F-BB3F-11D2B689A9BC}" type="slidenum">
               <a:t>&lt;#&gt;</a:t>
             </a:fld>
           </a:p>
@@ -1120,8 +1289,8 @@
         </p:nvSpPr>
         <p:spPr>
           <a:xfrm>
-            <a:off x="929520" y="433800"/>
-            <a:ext cx="3016440" cy="1694520"/>
+            <a:off x="929520" y="1143360"/>
+            <a:ext cx="3016080" cy="274680"/>
           </a:xfrm>
           <a:prstGeom prst="rect">
             <a:avLst/>
@@ -1133,7 +1302,7 @@
         </p:spPr>
         <p:txBody>
           <a:bodyPr lIns="0" rIns="0" tIns="0" bIns="0" anchor="ctr">
-            <a:noAutofit/>
+            <a:spAutoFit/>
           </a:bodyPr>
           <a:p>
             <a:pPr indent="0">
@@ -1146,7 +1315,7 @@
                 </a:solidFill>
                 <a:effectLst/>
                 <a:uFillTx/>
-                <a:latin typeface="FreeSerif"/>
+                <a:latin typeface="Times New Roman"/>
               </a:rPr>
               <a:t>Click to edit the title text format</a:t>
             </a:r>
@@ -1156,7 +1325,7 @@
               </a:solidFill>
               <a:effectLst/>
               <a:uFillTx/>
-              <a:latin typeface="FreeSerif"/>
+              <a:latin typeface="Times New Roman"/>
             </a:endParaRPr>
           </a:p>
         </p:txBody>
@@ -1174,7 +1343,7 @@
         <p:spPr>
           <a:xfrm>
             <a:off x="3447360" y="5165280"/>
-            <a:ext cx="3192840" cy="388440"/>
+            <a:ext cx="3192480" cy="388080"/>
           </a:xfrm>
           <a:prstGeom prst="rect">
             <a:avLst/>
@@ -1234,7 +1403,7 @@
               </a:solidFill>
               <a:effectLst/>
               <a:uFillTx/>
-              <a:latin typeface="FreeSerif"/>
+              <a:latin typeface="Times New Roman"/>
             </a:endParaRPr>
           </a:p>
         </p:txBody>
@@ -1252,7 +1421,7 @@
         <p:spPr>
           <a:xfrm>
             <a:off x="7227360" y="5165280"/>
-            <a:ext cx="2346120" cy="388440"/>
+            <a:ext cx="2345760" cy="388080"/>
           </a:xfrm>
           <a:prstGeom prst="rect">
             <a:avLst/>
@@ -1295,7 +1464,7 @@
                 <a:tab algn="l" pos="0"/>
               </a:tabLst>
             </a:pPr>
-            <a:fld id="{9698F615-C578-4EF5-A66C-BC209552949D}" type="slidenum">
+            <a:fld id="{2A02346B-20B8-4093-B3EC-BFF124A80A94}" type="slidenum">
               <a:rPr b="0" lang="en-US" sz="1400" strike="noStrike" u="none">
                 <a:solidFill>
                   <a:srgbClr val="000000"/>
@@ -1312,7 +1481,7 @@
               </a:solidFill>
               <a:effectLst/>
               <a:uFillTx/>
-              <a:latin typeface="FreeSerif"/>
+              <a:latin typeface="Times New Roman"/>
             </a:endParaRPr>
           </a:p>
         </p:txBody>
@@ -1330,7 +1499,7 @@
         <p:spPr>
           <a:xfrm>
             <a:off x="504000" y="5165280"/>
-            <a:ext cx="2346120" cy="388440"/>
+            <a:ext cx="2345760" cy="388080"/>
           </a:xfrm>
           <a:prstGeom prst="rect">
             <a:avLst/>
@@ -1353,7 +1522,7 @@
                 </a:solidFill>
                 <a:effectLst/>
                 <a:uFillTx/>
-                <a:latin typeface="FreeSerif"/>
+                <a:latin typeface="Times New Roman"/>
               </a:defRPr>
             </a:lvl1pPr>
           </a:lstStyle>
@@ -1368,7 +1537,7 @@
                 </a:solidFill>
                 <a:effectLst/>
                 <a:uFillTx/>
-                <a:latin typeface="FreeSerif"/>
+                <a:latin typeface="Times New Roman"/>
               </a:rPr>
               <a:t>&lt;date/time&gt;</a:t>
             </a:r>
@@ -1378,7 +1547,7 @@
               </a:solidFill>
               <a:effectLst/>
               <a:uFillTx/>
-              <a:latin typeface="FreeSerif"/>
+              <a:latin typeface="Times New Roman"/>
             </a:endParaRPr>
           </a:p>
         </p:txBody>
@@ -1418,14 +1587,14 @@
       </p:grpSpPr>
       <p:sp>
         <p:nvSpPr>
-          <p:cNvPr id="130" name="Прямоугольник 5"/>
+          <p:cNvPr id="132" name="Прямоугольник 5"/>
           <p:cNvSpPr/>
           <p:nvPr/>
         </p:nvSpPr>
         <p:spPr>
           <a:xfrm>
             <a:off x="0" y="301680"/>
-            <a:ext cx="10078560" cy="1094040"/>
+            <a:ext cx="10078200" cy="1093680"/>
           </a:xfrm>
           <a:prstGeom prst="rect">
             <a:avLst/>
@@ -1467,7 +1636,7 @@
       </p:sp>
       <p:sp>
         <p:nvSpPr>
-          <p:cNvPr id="131" name="PlaceHolder 1"/>
+          <p:cNvPr id="133" name="PlaceHolder 1"/>
           <p:cNvSpPr>
             <a:spLocks noGrp="1"/>
           </p:cNvSpPr>
@@ -1477,8 +1646,8 @@
         </p:nvSpPr>
         <p:spPr>
           <a:xfrm>
-            <a:off x="929520" y="433800"/>
-            <a:ext cx="3016440" cy="1694520"/>
+            <a:off x="929520" y="1143360"/>
+            <a:ext cx="3016080" cy="274680"/>
           </a:xfrm>
           <a:prstGeom prst="rect">
             <a:avLst/>
@@ -1490,7 +1659,7 @@
         </p:spPr>
         <p:txBody>
           <a:bodyPr lIns="0" rIns="0" tIns="0" bIns="0" anchor="ctr">
-            <a:noAutofit/>
+            <a:spAutoFit/>
           </a:bodyPr>
           <a:p>
             <a:pPr indent="0">
@@ -1503,7 +1672,7 @@
                 </a:solidFill>
                 <a:effectLst/>
                 <a:uFillTx/>
-                <a:latin typeface="FreeSerif"/>
+                <a:latin typeface="Times New Roman"/>
               </a:rPr>
               <a:t>Click to edit the title text format</a:t>
             </a:r>
@@ -1513,14 +1682,14 @@
               </a:solidFill>
               <a:effectLst/>
               <a:uFillTx/>
-              <a:latin typeface="FreeSerif"/>
-            </a:endParaRPr>
-          </a:p>
-        </p:txBody>
-      </p:sp>
-      <p:sp>
-        <p:nvSpPr>
-          <p:cNvPr id="132" name="PlaceHolder 2"/>
+              <a:latin typeface="Times New Roman"/>
+            </a:endParaRPr>
+          </a:p>
+        </p:txBody>
+      </p:sp>
+      <p:sp>
+        <p:nvSpPr>
+          <p:cNvPr id="134" name="PlaceHolder 2"/>
           <p:cNvSpPr>
             <a:spLocks noGrp="1"/>
           </p:cNvSpPr>
@@ -1564,7 +1733,7 @@
                 </a:solidFill>
                 <a:effectLst/>
                 <a:uFillTx/>
-                <a:latin typeface="FreeSerif"/>
+                <a:latin typeface="Times New Roman"/>
               </a:rPr>
               <a:t>Click to edit the outline text format</a:t>
             </a:r>
@@ -1574,7 +1743,7 @@
               </a:solidFill>
               <a:effectLst/>
               <a:uFillTx/>
-              <a:latin typeface="FreeSerif"/>
+              <a:latin typeface="Times New Roman"/>
             </a:endParaRPr>
           </a:p>
           <a:p>
@@ -1596,7 +1765,7 @@
                 </a:solidFill>
                 <a:effectLst/>
                 <a:uFillTx/>
-                <a:latin typeface="FreeSerif"/>
+                <a:latin typeface="Times New Roman"/>
               </a:rPr>
               <a:t>Second Outline Level</a:t>
             </a:r>
@@ -1606,7 +1775,7 @@
               </a:solidFill>
               <a:effectLst/>
               <a:uFillTx/>
-              <a:latin typeface="FreeSerif"/>
+              <a:latin typeface="Times New Roman"/>
             </a:endParaRPr>
           </a:p>
           <a:p>
@@ -1628,7 +1797,7 @@
                 </a:solidFill>
                 <a:effectLst/>
                 <a:uFillTx/>
-                <a:latin typeface="FreeSerif"/>
+                <a:latin typeface="Times New Roman"/>
               </a:rPr>
               <a:t>Third Outline Level</a:t>
             </a:r>
@@ -1638,7 +1807,7 @@
               </a:solidFill>
               <a:effectLst/>
               <a:uFillTx/>
-              <a:latin typeface="FreeSerif"/>
+              <a:latin typeface="Times New Roman"/>
             </a:endParaRPr>
           </a:p>
           <a:p>
@@ -1660,7 +1829,7 @@
                 </a:solidFill>
                 <a:effectLst/>
                 <a:uFillTx/>
-                <a:latin typeface="FreeSerif"/>
+                <a:latin typeface="Times New Roman"/>
               </a:rPr>
               <a:t>Fourth Outline Level</a:t>
             </a:r>
@@ -1670,7 +1839,7 @@
               </a:solidFill>
               <a:effectLst/>
               <a:uFillTx/>
-              <a:latin typeface="FreeSerif"/>
+              <a:latin typeface="Times New Roman"/>
             </a:endParaRPr>
           </a:p>
           <a:p>
@@ -1692,7 +1861,7 @@
                 </a:solidFill>
                 <a:effectLst/>
                 <a:uFillTx/>
-                <a:latin typeface="FreeSerif"/>
+                <a:latin typeface="Times New Roman"/>
               </a:rPr>
               <a:t>Fifth Outline Level</a:t>
             </a:r>
@@ -1702,7 +1871,7 @@
               </a:solidFill>
               <a:effectLst/>
               <a:uFillTx/>
-              <a:latin typeface="FreeSerif"/>
+              <a:latin typeface="Times New Roman"/>
             </a:endParaRPr>
           </a:p>
           <a:p>
@@ -1724,7 +1893,7 @@
                 </a:solidFill>
                 <a:effectLst/>
                 <a:uFillTx/>
-                <a:latin typeface="FreeSerif"/>
+                <a:latin typeface="Times New Roman"/>
               </a:rPr>
               <a:t>Sixth Outline Level</a:t>
             </a:r>
@@ -1734,7 +1903,7 @@
               </a:solidFill>
               <a:effectLst/>
               <a:uFillTx/>
-              <a:latin typeface="FreeSerif"/>
+              <a:latin typeface="Times New Roman"/>
             </a:endParaRPr>
           </a:p>
           <a:p>
@@ -1756,7 +1925,7 @@
                 </a:solidFill>
                 <a:effectLst/>
                 <a:uFillTx/>
-                <a:latin typeface="FreeSerif"/>
+                <a:latin typeface="Times New Roman"/>
               </a:rPr>
               <a:t>Seventh Outline Level</a:t>
             </a:r>
@@ -1766,14 +1935,14 @@
               </a:solidFill>
               <a:effectLst/>
               <a:uFillTx/>
-              <a:latin typeface="FreeSerif"/>
-            </a:endParaRPr>
-          </a:p>
-        </p:txBody>
-      </p:sp>
-      <p:sp>
-        <p:nvSpPr>
-          <p:cNvPr id="133" name="PlaceHolder 3"/>
+              <a:latin typeface="Times New Roman"/>
+            </a:endParaRPr>
+          </a:p>
+        </p:txBody>
+      </p:sp>
+      <p:sp>
+        <p:nvSpPr>
+          <p:cNvPr id="135" name="PlaceHolder 3"/>
           <p:cNvSpPr>
             <a:spLocks noGrp="1"/>
           </p:cNvSpPr>
@@ -1784,7 +1953,7 @@
         <p:spPr>
           <a:xfrm>
             <a:off x="7008120" y="5218920"/>
-            <a:ext cx="254880" cy="283680"/>
+            <a:ext cx="254520" cy="283320"/>
           </a:xfrm>
           <a:prstGeom prst="rect">
             <a:avLst/>
@@ -1827,7 +1996,7 @@
                 <a:tab algn="l" pos="0"/>
               </a:tabLst>
             </a:pPr>
-            <a:fld id="{D73C4ACC-5F2C-4C78-AD8A-93FA7FDC3FAC}" type="slidenum">
+            <a:fld id="{D49EA6EF-996F-4561-B0C0-EBDB7F319155}" type="slidenum">
               <a:rPr b="0" lang="en-US" sz="1400" strike="noStrike" u="none">
                 <a:solidFill>
                   <a:srgbClr val="000000"/>
@@ -1844,7 +2013,7 @@
               </a:solidFill>
               <a:effectLst/>
               <a:uFillTx/>
-              <a:latin typeface="FreeSerif"/>
+              <a:latin typeface="Times New Roman"/>
             </a:endParaRPr>
           </a:p>
         </p:txBody>
@@ -1853,7 +2022,7 @@
   </p:cSld>
   <p:clrMap bg1="lt1" tx1="dk1" bg2="lt2" tx2="dk2" accent1="accent1" accent2="accent2" accent3="accent3" accent4="accent4" accent5="accent5" accent6="accent6" hlink="hlink" folHlink="folHlink"/>
   <p:sldLayoutIdLst>
-    <p:sldLayoutId id="2147483667" r:id="rId2"/>
+    <p:sldLayoutId id="2147483669" r:id="rId2"/>
   </p:sldLayoutIdLst>
 </p:sldMaster>
 </file>
@@ -1891,7 +2060,7 @@
         <p:spPr>
           <a:xfrm>
             <a:off x="0" y="301680"/>
-            <a:ext cx="10077480" cy="1093320"/>
+            <a:ext cx="10077120" cy="1092960"/>
           </a:xfrm>
           <a:prstGeom prst="rect">
             <a:avLst/>
@@ -1940,7 +2109,7 @@
         <p:spPr>
           <a:xfrm>
             <a:off x="0" y="360"/>
-            <a:ext cx="10077480" cy="5667480"/>
+            <a:ext cx="10077120" cy="5667120"/>
           </a:xfrm>
           <a:prstGeom prst="rect">
             <a:avLst/>
@@ -1993,7 +2162,7 @@
         <p:spPr>
           <a:xfrm>
             <a:off x="803880" y="632160"/>
-            <a:ext cx="1020240" cy="1020240"/>
+            <a:ext cx="1019880" cy="1019880"/>
           </a:xfrm>
           <a:prstGeom prst="rect">
             <a:avLst/>
@@ -2013,7 +2182,7 @@
         <p:spPr>
           <a:xfrm>
             <a:off x="803880" y="2115360"/>
-            <a:ext cx="87840" cy="2329560"/>
+            <a:ext cx="87480" cy="2329200"/>
           </a:xfrm>
           <a:prstGeom prst="rect">
             <a:avLst/>
@@ -2062,7 +2231,7 @@
         <p:spPr>
           <a:xfrm>
             <a:off x="8533440" y="189360"/>
-            <a:ext cx="545040" cy="572040"/>
+            <a:ext cx="544680" cy="571680"/>
           </a:xfrm>
           <a:prstGeom prst="rect">
             <a:avLst/>
@@ -2113,7 +2282,7 @@
         <p:spPr>
           <a:xfrm>
             <a:off x="9068760" y="-23040"/>
-            <a:ext cx="1008720" cy="1058760"/>
+            <a:ext cx="1008360" cy="1058400"/>
           </a:xfrm>
           <a:prstGeom prst="rect">
             <a:avLst/>
@@ -2164,7 +2333,7 @@
         <p:spPr>
           <a:xfrm>
             <a:off x="8740800" y="532440"/>
-            <a:ext cx="786600" cy="825480"/>
+            <a:ext cx="786240" cy="825120"/>
           </a:xfrm>
           <a:prstGeom prst="rect">
             <a:avLst/>
@@ -2215,7 +2384,7 @@
         <p:spPr>
           <a:xfrm>
             <a:off x="9203760" y="4273560"/>
-            <a:ext cx="873360" cy="916920"/>
+            <a:ext cx="873000" cy="916560"/>
           </a:xfrm>
           <a:prstGeom prst="rect">
             <a:avLst/>
@@ -2266,7 +2435,7 @@
         <p:spPr>
           <a:xfrm>
             <a:off x="9453240" y="3841560"/>
-            <a:ext cx="471960" cy="495360"/>
+            <a:ext cx="471600" cy="495000"/>
           </a:xfrm>
           <a:prstGeom prst="rect">
             <a:avLst/>
@@ -2317,7 +2486,7 @@
         <p:spPr>
           <a:xfrm>
             <a:off x="8954280" y="4683240"/>
-            <a:ext cx="818280" cy="859320"/>
+            <a:ext cx="817920" cy="858960"/>
           </a:xfrm>
           <a:prstGeom prst="rect">
             <a:avLst/>
@@ -2368,7 +2537,7 @@
         <p:spPr>
           <a:xfrm>
             <a:off x="8308440" y="3264120"/>
-            <a:ext cx="489600" cy="514080"/>
+            <a:ext cx="489240" cy="513720"/>
           </a:xfrm>
           <a:prstGeom prst="rect">
             <a:avLst/>
@@ -2419,7 +2588,7 @@
         <p:spPr>
           <a:xfrm>
             <a:off x="8647920" y="3103920"/>
-            <a:ext cx="302760" cy="317880"/>
+            <a:ext cx="302400" cy="317520"/>
           </a:xfrm>
           <a:prstGeom prst="rect">
             <a:avLst/>
@@ -2470,7 +2639,7 @@
         <p:spPr>
           <a:xfrm>
             <a:off x="9336600" y="2078640"/>
-            <a:ext cx="302760" cy="317880"/>
+            <a:ext cx="302400" cy="317520"/>
           </a:xfrm>
           <a:prstGeom prst="rect">
             <a:avLst/>
@@ -2521,7 +2690,7 @@
         <p:spPr>
           <a:xfrm>
             <a:off x="309960" y="4934880"/>
-            <a:ext cx="302760" cy="317880"/>
+            <a:ext cx="302400" cy="317520"/>
           </a:xfrm>
           <a:prstGeom prst="rect">
             <a:avLst/>
@@ -2572,7 +2741,7 @@
         <p:spPr>
           <a:xfrm>
             <a:off x="-150120" y="5015520"/>
-            <a:ext cx="545040" cy="572040"/>
+            <a:ext cx="544680" cy="571680"/>
           </a:xfrm>
           <a:prstGeom prst="rect">
             <a:avLst/>
@@ -2623,7 +2792,7 @@
         <p:spPr>
           <a:xfrm>
             <a:off x="8736120" y="5038200"/>
-            <a:ext cx="302760" cy="317880"/>
+            <a:ext cx="302400" cy="317520"/>
           </a:xfrm>
           <a:prstGeom prst="rect">
             <a:avLst/>
@@ -2677,8 +2846,8 @@
         </p:nvSpPr>
         <p:spPr>
           <a:xfrm>
-            <a:off x="929520" y="433800"/>
-            <a:ext cx="3016440" cy="1694520"/>
+            <a:off x="929520" y="1143360"/>
+            <a:ext cx="3016080" cy="274680"/>
           </a:xfrm>
           <a:prstGeom prst="rect">
             <a:avLst/>
@@ -2690,7 +2859,7 @@
         </p:spPr>
         <p:txBody>
           <a:bodyPr lIns="0" rIns="0" tIns="0" bIns="0" anchor="ctr">
-            <a:noAutofit/>
+            <a:spAutoFit/>
           </a:bodyPr>
           <a:p>
             <a:pPr indent="0">
@@ -2703,7 +2872,7 @@
                 </a:solidFill>
                 <a:effectLst/>
                 <a:uFillTx/>
-                <a:latin typeface="FreeSerif"/>
+                <a:latin typeface="Times New Roman"/>
               </a:rPr>
               <a:t>Click to edit the title text format</a:t>
             </a:r>
@@ -2713,7 +2882,7 @@
               </a:solidFill>
               <a:effectLst/>
               <a:uFillTx/>
-              <a:latin typeface="FreeSerif"/>
+              <a:latin typeface="Times New Roman"/>
             </a:endParaRPr>
           </a:p>
         </p:txBody>
@@ -2731,7 +2900,7 @@
         <p:spPr>
           <a:xfrm>
             <a:off x="7118640" y="5255280"/>
-            <a:ext cx="254520" cy="283320"/>
+            <a:ext cx="254160" cy="282960"/>
           </a:xfrm>
           <a:prstGeom prst="rect">
             <a:avLst/>
@@ -2774,7 +2943,7 @@
                 <a:tab algn="l" pos="0"/>
               </a:tabLst>
             </a:pPr>
-            <a:fld id="{9233024B-6FE3-4593-9979-F7F7FDCB9621}" type="slidenum">
+            <a:fld id="{007E0B0F-DD0F-4DC1-A4E2-4AE1D4FBCF0A}" type="slidenum">
               <a:rPr b="0" lang="en-US" sz="1400" strike="noStrike" u="none">
                 <a:solidFill>
                   <a:srgbClr val="000000"/>
@@ -2791,7 +2960,7 @@
               </a:solidFill>
               <a:effectLst/>
               <a:uFillTx/>
-              <a:latin typeface="FreeSerif"/>
+              <a:latin typeface="Times New Roman"/>
             </a:endParaRPr>
           </a:p>
         </p:txBody>
@@ -2842,7 +3011,7 @@
                 </a:solidFill>
                 <a:effectLst/>
                 <a:uFillTx/>
-                <a:latin typeface="FreeSerif"/>
+                <a:latin typeface="Times New Roman"/>
               </a:rPr>
               <a:t>Click to edit the outline text format</a:t>
             </a:r>
@@ -2852,7 +3021,7 @@
               </a:solidFill>
               <a:effectLst/>
               <a:uFillTx/>
-              <a:latin typeface="FreeSerif"/>
+              <a:latin typeface="Times New Roman"/>
             </a:endParaRPr>
           </a:p>
           <a:p>
@@ -2874,7 +3043,7 @@
                 </a:solidFill>
                 <a:effectLst/>
                 <a:uFillTx/>
-                <a:latin typeface="FreeSerif"/>
+                <a:latin typeface="Times New Roman"/>
               </a:rPr>
               <a:t>Second Outline Level</a:t>
             </a:r>
@@ -2884,7 +3053,7 @@
               </a:solidFill>
               <a:effectLst/>
               <a:uFillTx/>
-              <a:latin typeface="FreeSerif"/>
+              <a:latin typeface="Times New Roman"/>
             </a:endParaRPr>
           </a:p>
           <a:p>
@@ -2906,7 +3075,7 @@
                 </a:solidFill>
                 <a:effectLst/>
                 <a:uFillTx/>
-                <a:latin typeface="FreeSerif"/>
+                <a:latin typeface="Times New Roman"/>
               </a:rPr>
               <a:t>Third Outline Level</a:t>
             </a:r>
@@ -2916,7 +3085,7 @@
               </a:solidFill>
               <a:effectLst/>
               <a:uFillTx/>
-              <a:latin typeface="FreeSerif"/>
+              <a:latin typeface="Times New Roman"/>
             </a:endParaRPr>
           </a:p>
           <a:p>
@@ -2938,7 +3107,7 @@
                 </a:solidFill>
                 <a:effectLst/>
                 <a:uFillTx/>
-                <a:latin typeface="FreeSerif"/>
+                <a:latin typeface="Times New Roman"/>
               </a:rPr>
               <a:t>Fourth Outline Level</a:t>
             </a:r>
@@ -2948,7 +3117,7 @@
               </a:solidFill>
               <a:effectLst/>
               <a:uFillTx/>
-              <a:latin typeface="FreeSerif"/>
+              <a:latin typeface="Times New Roman"/>
             </a:endParaRPr>
           </a:p>
           <a:p>
@@ -2970,7 +3139,7 @@
                 </a:solidFill>
                 <a:effectLst/>
                 <a:uFillTx/>
-                <a:latin typeface="FreeSerif"/>
+                <a:latin typeface="Times New Roman"/>
               </a:rPr>
               <a:t>Fifth Outline Level</a:t>
             </a:r>
@@ -2980,7 +3149,7 @@
               </a:solidFill>
               <a:effectLst/>
               <a:uFillTx/>
-              <a:latin typeface="FreeSerif"/>
+              <a:latin typeface="Times New Roman"/>
             </a:endParaRPr>
           </a:p>
           <a:p>
@@ -3002,7 +3171,7 @@
                 </a:solidFill>
                 <a:effectLst/>
                 <a:uFillTx/>
-                <a:latin typeface="FreeSerif"/>
+                <a:latin typeface="Times New Roman"/>
               </a:rPr>
               <a:t>Sixth Outline Level</a:t>
             </a:r>
@@ -3012,7 +3181,7 @@
               </a:solidFill>
               <a:effectLst/>
               <a:uFillTx/>
-              <a:latin typeface="FreeSerif"/>
+              <a:latin typeface="Times New Roman"/>
             </a:endParaRPr>
           </a:p>
           <a:p>
@@ -3034,7 +3203,7 @@
                 </a:solidFill>
                 <a:effectLst/>
                 <a:uFillTx/>
-                <a:latin typeface="FreeSerif"/>
+                <a:latin typeface="Times New Roman"/>
               </a:rPr>
               <a:t>Seventh Outline Level</a:t>
             </a:r>
@@ -3044,7 +3213,7 @@
               </a:solidFill>
               <a:effectLst/>
               <a:uFillTx/>
-              <a:latin typeface="FreeSerif"/>
+              <a:latin typeface="Times New Roman"/>
             </a:endParaRPr>
           </a:p>
         </p:txBody>
@@ -3054,6 +3223,8 @@
   <p:clrMap bg1="lt1" tx1="dk1" bg2="lt2" tx2="dk2" accent1="accent1" accent2="accent2" accent3="accent3" accent4="accent4" accent5="accent5" accent6="accent6" hlink="hlink" folHlink="folHlink"/>
   <p:sldLayoutIdLst>
     <p:sldLayoutId id="2147483651" r:id="rId3"/>
+    <p:sldLayoutId id="2147483652" r:id="rId4"/>
+    <p:sldLayoutId id="2147483653" r:id="rId5"/>
   </p:sldLayoutIdLst>
 </p:sldMaster>
 </file>
@@ -3084,14 +3255,14 @@
       </p:grpSpPr>
       <p:sp>
         <p:nvSpPr>
-          <p:cNvPr id="27" name="Прямоугольник 5" hidden="1"/>
+          <p:cNvPr id="29" name="Прямоугольник 5" hidden="1"/>
           <p:cNvSpPr/>
           <p:nvPr/>
         </p:nvSpPr>
         <p:spPr>
           <a:xfrm>
             <a:off x="0" y="301680"/>
-            <a:ext cx="10077480" cy="1093320"/>
+            <a:ext cx="10077120" cy="1092960"/>
           </a:xfrm>
           <a:prstGeom prst="rect">
             <a:avLst/>
@@ -3133,14 +3304,14 @@
       </p:sp>
       <p:sp>
         <p:nvSpPr>
-          <p:cNvPr id="28" name="Прямоугольник 6"/>
+          <p:cNvPr id="30" name="Прямоугольник 6"/>
           <p:cNvSpPr/>
           <p:nvPr/>
         </p:nvSpPr>
         <p:spPr>
           <a:xfrm>
             <a:off x="0" y="360"/>
-            <a:ext cx="10077480" cy="5667480"/>
+            <a:ext cx="10077120" cy="5667120"/>
           </a:xfrm>
           <a:prstGeom prst="rect">
             <a:avLst/>
@@ -3182,7 +3353,7 @@
       </p:sp>
       <p:pic>
         <p:nvPicPr>
-          <p:cNvPr id="29" name="Рисунок 8" descr="Рисунок 8"/>
+          <p:cNvPr id="31" name="Рисунок 8" descr="Рисунок 8"/>
           <p:cNvPicPr/>
           <p:nvPr/>
         </p:nvPicPr>
@@ -3193,7 +3364,7 @@
         <p:spPr>
           <a:xfrm>
             <a:off x="803880" y="632160"/>
-            <a:ext cx="1020240" cy="1020240"/>
+            <a:ext cx="1019880" cy="1019880"/>
           </a:xfrm>
           <a:prstGeom prst="rect">
             <a:avLst/>
@@ -3206,14 +3377,14 @@
       </p:pic>
       <p:sp>
         <p:nvSpPr>
-          <p:cNvPr id="30" name="Прямоугольник 9"/>
+          <p:cNvPr id="32" name="Прямоугольник 9"/>
           <p:cNvSpPr/>
           <p:nvPr/>
         </p:nvSpPr>
         <p:spPr>
           <a:xfrm>
             <a:off x="803880" y="2115360"/>
-            <a:ext cx="87840" cy="2329560"/>
+            <a:ext cx="87480" cy="2329200"/>
           </a:xfrm>
           <a:prstGeom prst="rect">
             <a:avLst/>
@@ -3255,14 +3426,14 @@
       </p:sp>
       <p:sp>
         <p:nvSpPr>
-          <p:cNvPr id="31" name="Прямоугольник 10"/>
+          <p:cNvPr id="33" name="Прямоугольник 10"/>
           <p:cNvSpPr/>
           <p:nvPr/>
         </p:nvSpPr>
         <p:spPr>
           <a:xfrm>
             <a:off x="8533440" y="189360"/>
-            <a:ext cx="545040" cy="572040"/>
+            <a:ext cx="544680" cy="571680"/>
           </a:xfrm>
           <a:prstGeom prst="rect">
             <a:avLst/>
@@ -3306,14 +3477,14 @@
       </p:sp>
       <p:sp>
         <p:nvSpPr>
-          <p:cNvPr id="32" name="Прямоугольник 11"/>
+          <p:cNvPr id="34" name="Прямоугольник 11"/>
           <p:cNvSpPr/>
           <p:nvPr/>
         </p:nvSpPr>
         <p:spPr>
           <a:xfrm>
             <a:off x="9068760" y="-23040"/>
-            <a:ext cx="1008720" cy="1058760"/>
+            <a:ext cx="1008360" cy="1058400"/>
           </a:xfrm>
           <a:prstGeom prst="rect">
             <a:avLst/>
@@ -3357,14 +3528,14 @@
       </p:sp>
       <p:sp>
         <p:nvSpPr>
-          <p:cNvPr id="33" name="Прямоугольник 12"/>
+          <p:cNvPr id="35" name="Прямоугольник 12"/>
           <p:cNvSpPr/>
           <p:nvPr/>
         </p:nvSpPr>
         <p:spPr>
           <a:xfrm>
             <a:off x="8740800" y="532440"/>
-            <a:ext cx="786600" cy="825480"/>
+            <a:ext cx="786240" cy="825120"/>
           </a:xfrm>
           <a:prstGeom prst="rect">
             <a:avLst/>
@@ -3408,14 +3579,14 @@
       </p:sp>
       <p:sp>
         <p:nvSpPr>
-          <p:cNvPr id="34" name="Прямоугольник 13"/>
+          <p:cNvPr id="36" name="Прямоугольник 13"/>
           <p:cNvSpPr/>
           <p:nvPr/>
         </p:nvSpPr>
         <p:spPr>
           <a:xfrm>
             <a:off x="9203760" y="4273560"/>
-            <a:ext cx="873360" cy="916920"/>
+            <a:ext cx="873000" cy="916560"/>
           </a:xfrm>
           <a:prstGeom prst="rect">
             <a:avLst/>
@@ -3459,14 +3630,14 @@
       </p:sp>
       <p:sp>
         <p:nvSpPr>
-          <p:cNvPr id="35" name="Прямоугольник 14"/>
+          <p:cNvPr id="37" name="Прямоугольник 14"/>
           <p:cNvSpPr/>
           <p:nvPr/>
         </p:nvSpPr>
         <p:spPr>
           <a:xfrm>
             <a:off x="9453240" y="3841560"/>
-            <a:ext cx="471960" cy="495360"/>
+            <a:ext cx="471600" cy="495000"/>
           </a:xfrm>
           <a:prstGeom prst="rect">
             <a:avLst/>
@@ -3510,14 +3681,14 @@
       </p:sp>
       <p:sp>
         <p:nvSpPr>
-          <p:cNvPr id="36" name="Прямоугольник 15"/>
+          <p:cNvPr id="38" name="Прямоугольник 15"/>
           <p:cNvSpPr/>
           <p:nvPr/>
         </p:nvSpPr>
         <p:spPr>
           <a:xfrm>
             <a:off x="8954280" y="4683240"/>
-            <a:ext cx="818280" cy="859320"/>
+            <a:ext cx="817920" cy="858960"/>
           </a:xfrm>
           <a:prstGeom prst="rect">
             <a:avLst/>
@@ -3561,14 +3732,14 @@
       </p:sp>
       <p:sp>
         <p:nvSpPr>
-          <p:cNvPr id="37" name="Прямоугольник 16"/>
+          <p:cNvPr id="39" name="Прямоугольник 16"/>
           <p:cNvSpPr/>
           <p:nvPr/>
         </p:nvSpPr>
         <p:spPr>
           <a:xfrm>
             <a:off x="8308440" y="3264120"/>
-            <a:ext cx="489600" cy="514080"/>
+            <a:ext cx="489240" cy="513720"/>
           </a:xfrm>
           <a:prstGeom prst="rect">
             <a:avLst/>
@@ -3612,14 +3783,14 @@
       </p:sp>
       <p:sp>
         <p:nvSpPr>
-          <p:cNvPr id="38" name="Прямоугольник 17"/>
+          <p:cNvPr id="40" name="Прямоугольник 17"/>
           <p:cNvSpPr/>
           <p:nvPr/>
         </p:nvSpPr>
         <p:spPr>
           <a:xfrm>
             <a:off x="8647920" y="3103920"/>
-            <a:ext cx="302760" cy="317880"/>
+            <a:ext cx="302400" cy="317520"/>
           </a:xfrm>
           <a:prstGeom prst="rect">
             <a:avLst/>
@@ -3663,14 +3834,14 @@
       </p:sp>
       <p:sp>
         <p:nvSpPr>
-          <p:cNvPr id="39" name="Прямоугольник 18"/>
+          <p:cNvPr id="41" name="Прямоугольник 18"/>
           <p:cNvSpPr/>
           <p:nvPr/>
         </p:nvSpPr>
         <p:spPr>
           <a:xfrm>
             <a:off x="9336600" y="2078640"/>
-            <a:ext cx="302760" cy="317880"/>
+            <a:ext cx="302400" cy="317520"/>
           </a:xfrm>
           <a:prstGeom prst="rect">
             <a:avLst/>
@@ -3714,14 +3885,14 @@
       </p:sp>
       <p:sp>
         <p:nvSpPr>
-          <p:cNvPr id="40" name="Прямоугольник 19"/>
+          <p:cNvPr id="42" name="Прямоугольник 19"/>
           <p:cNvSpPr/>
           <p:nvPr/>
         </p:nvSpPr>
         <p:spPr>
           <a:xfrm>
             <a:off x="309960" y="4934880"/>
-            <a:ext cx="302760" cy="317880"/>
+            <a:ext cx="302400" cy="317520"/>
           </a:xfrm>
           <a:prstGeom prst="rect">
             <a:avLst/>
@@ -3765,14 +3936,14 @@
       </p:sp>
       <p:sp>
         <p:nvSpPr>
-          <p:cNvPr id="41" name="Прямоугольник 20"/>
+          <p:cNvPr id="43" name="Прямоугольник 20"/>
           <p:cNvSpPr/>
           <p:nvPr/>
         </p:nvSpPr>
         <p:spPr>
           <a:xfrm>
             <a:off x="-150120" y="5015520"/>
-            <a:ext cx="545040" cy="572040"/>
+            <a:ext cx="544680" cy="571680"/>
           </a:xfrm>
           <a:prstGeom prst="rect">
             <a:avLst/>
@@ -3816,14 +3987,14 @@
       </p:sp>
       <p:sp>
         <p:nvSpPr>
-          <p:cNvPr id="42" name="Прямоугольник 21"/>
+          <p:cNvPr id="44" name="Прямоугольник 21"/>
           <p:cNvSpPr/>
           <p:nvPr/>
         </p:nvSpPr>
         <p:spPr>
           <a:xfrm>
             <a:off x="8736120" y="5038200"/>
-            <a:ext cx="302760" cy="317880"/>
+            <a:ext cx="302400" cy="317520"/>
           </a:xfrm>
           <a:prstGeom prst="rect">
             <a:avLst/>
@@ -3867,7 +4038,7 @@
       </p:sp>
       <p:sp>
         <p:nvSpPr>
-          <p:cNvPr id="43" name="PlaceHolder 1"/>
+          <p:cNvPr id="45" name="PlaceHolder 1"/>
           <p:cNvSpPr>
             <a:spLocks noGrp="1"/>
           </p:cNvSpPr>
@@ -3878,7 +4049,7 @@
         <p:spPr>
           <a:xfrm>
             <a:off x="7118640" y="5255280"/>
-            <a:ext cx="254520" cy="283320"/>
+            <a:ext cx="254160" cy="282960"/>
           </a:xfrm>
           <a:prstGeom prst="rect">
             <a:avLst/>
@@ -3921,7 +4092,7 @@
                 <a:tab algn="l" pos="0"/>
               </a:tabLst>
             </a:pPr>
-            <a:fld id="{4590C7FC-81F8-497B-AED6-A4F3F8347D67}" type="slidenum">
+            <a:fld id="{8FAFA784-AA26-4392-8DDF-257700037A2D}" type="slidenum">
               <a:rPr b="0" lang="en-US" sz="1400" strike="noStrike" u="none">
                 <a:solidFill>
                   <a:srgbClr val="000000"/>
@@ -3938,7 +4109,7 @@
               </a:solidFill>
               <a:effectLst/>
               <a:uFillTx/>
-              <a:latin typeface="FreeSerif"/>
+              <a:latin typeface="Times New Roman"/>
             </a:endParaRPr>
           </a:p>
         </p:txBody>
@@ -3947,7 +4118,7 @@
   </p:cSld>
   <p:clrMap bg1="lt1" tx1="dk1" bg2="lt2" tx2="dk2" accent1="accent1" accent2="accent2" accent3="accent3" accent4="accent4" accent5="accent5" accent6="accent6" hlink="hlink" folHlink="folHlink"/>
   <p:sldLayoutIdLst>
-    <p:sldLayoutId id="2147483653" r:id="rId3"/>
+    <p:sldLayoutId id="2147483655" r:id="rId3"/>
   </p:sldLayoutIdLst>
 </p:sldMaster>
 </file>
@@ -3978,14 +4149,14 @@
       </p:grpSpPr>
       <p:sp>
         <p:nvSpPr>
-          <p:cNvPr id="44" name="Прямоугольник 5" hidden="1"/>
+          <p:cNvPr id="46" name="Прямоугольник 5" hidden="1"/>
           <p:cNvSpPr/>
           <p:nvPr/>
         </p:nvSpPr>
         <p:spPr>
           <a:xfrm>
             <a:off x="0" y="301680"/>
-            <a:ext cx="10077480" cy="1093320"/>
+            <a:ext cx="10077120" cy="1092960"/>
           </a:xfrm>
           <a:prstGeom prst="rect">
             <a:avLst/>
@@ -4027,14 +4198,14 @@
       </p:sp>
       <p:sp>
         <p:nvSpPr>
-          <p:cNvPr id="45" name="Прямоугольник 6"/>
+          <p:cNvPr id="47" name="Прямоугольник 6"/>
           <p:cNvSpPr/>
           <p:nvPr/>
         </p:nvSpPr>
         <p:spPr>
           <a:xfrm>
             <a:off x="0" y="360"/>
-            <a:ext cx="10077480" cy="5667480"/>
+            <a:ext cx="10077120" cy="5667120"/>
           </a:xfrm>
           <a:prstGeom prst="rect">
             <a:avLst/>
@@ -4076,7 +4247,7 @@
       </p:sp>
       <p:pic>
         <p:nvPicPr>
-          <p:cNvPr id="46" name="Рисунок 8" descr="Рисунок 8"/>
+          <p:cNvPr id="48" name="Рисунок 8" descr="Рисунок 8"/>
           <p:cNvPicPr/>
           <p:nvPr/>
         </p:nvPicPr>
@@ -4087,7 +4258,7 @@
         <p:spPr>
           <a:xfrm>
             <a:off x="803880" y="632160"/>
-            <a:ext cx="1020240" cy="1020240"/>
+            <a:ext cx="1019880" cy="1019880"/>
           </a:xfrm>
           <a:prstGeom prst="rect">
             <a:avLst/>
@@ -4100,14 +4271,14 @@
       </p:pic>
       <p:sp>
         <p:nvSpPr>
-          <p:cNvPr id="47" name="Прямоугольник 9"/>
+          <p:cNvPr id="49" name="Прямоугольник 9"/>
           <p:cNvSpPr/>
           <p:nvPr/>
         </p:nvSpPr>
         <p:spPr>
           <a:xfrm>
             <a:off x="803880" y="2115360"/>
-            <a:ext cx="87840" cy="2329560"/>
+            <a:ext cx="87480" cy="2329200"/>
           </a:xfrm>
           <a:prstGeom prst="rect">
             <a:avLst/>
@@ -4149,14 +4320,14 @@
       </p:sp>
       <p:sp>
         <p:nvSpPr>
-          <p:cNvPr id="48" name="Прямоугольник 10"/>
+          <p:cNvPr id="50" name="Прямоугольник 10"/>
           <p:cNvSpPr/>
           <p:nvPr/>
         </p:nvSpPr>
         <p:spPr>
           <a:xfrm>
             <a:off x="8533440" y="189360"/>
-            <a:ext cx="545040" cy="572040"/>
+            <a:ext cx="544680" cy="571680"/>
           </a:xfrm>
           <a:prstGeom prst="rect">
             <a:avLst/>
@@ -4200,14 +4371,14 @@
       </p:sp>
       <p:sp>
         <p:nvSpPr>
-          <p:cNvPr id="49" name="Прямоугольник 11"/>
+          <p:cNvPr id="51" name="Прямоугольник 11"/>
           <p:cNvSpPr/>
           <p:nvPr/>
         </p:nvSpPr>
         <p:spPr>
           <a:xfrm>
             <a:off x="9068760" y="-23040"/>
-            <a:ext cx="1008720" cy="1058760"/>
+            <a:ext cx="1008360" cy="1058400"/>
           </a:xfrm>
           <a:prstGeom prst="rect">
             <a:avLst/>
@@ -4251,14 +4422,14 @@
       </p:sp>
       <p:sp>
         <p:nvSpPr>
-          <p:cNvPr id="50" name="Прямоугольник 12"/>
+          <p:cNvPr id="52" name="Прямоугольник 12"/>
           <p:cNvSpPr/>
           <p:nvPr/>
         </p:nvSpPr>
         <p:spPr>
           <a:xfrm>
             <a:off x="8740800" y="532440"/>
-            <a:ext cx="786600" cy="825480"/>
+            <a:ext cx="786240" cy="825120"/>
           </a:xfrm>
           <a:prstGeom prst="rect">
             <a:avLst/>
@@ -4302,14 +4473,14 @@
       </p:sp>
       <p:sp>
         <p:nvSpPr>
-          <p:cNvPr id="51" name="Прямоугольник 13"/>
+          <p:cNvPr id="53" name="Прямоугольник 13"/>
           <p:cNvSpPr/>
           <p:nvPr/>
         </p:nvSpPr>
         <p:spPr>
           <a:xfrm>
             <a:off x="9203760" y="4273560"/>
-            <a:ext cx="873360" cy="916920"/>
+            <a:ext cx="873000" cy="916560"/>
           </a:xfrm>
           <a:prstGeom prst="rect">
             <a:avLst/>
@@ -4353,14 +4524,14 @@
       </p:sp>
       <p:sp>
         <p:nvSpPr>
-          <p:cNvPr id="52" name="Прямоугольник 14"/>
+          <p:cNvPr id="54" name="Прямоугольник 14"/>
           <p:cNvSpPr/>
           <p:nvPr/>
         </p:nvSpPr>
         <p:spPr>
           <a:xfrm>
             <a:off x="9453240" y="3841560"/>
-            <a:ext cx="471960" cy="495360"/>
+            <a:ext cx="471600" cy="495000"/>
           </a:xfrm>
           <a:prstGeom prst="rect">
             <a:avLst/>
@@ -4404,14 +4575,14 @@
       </p:sp>
       <p:sp>
         <p:nvSpPr>
-          <p:cNvPr id="53" name="Прямоугольник 15"/>
+          <p:cNvPr id="55" name="Прямоугольник 15"/>
           <p:cNvSpPr/>
           <p:nvPr/>
         </p:nvSpPr>
         <p:spPr>
           <a:xfrm>
             <a:off x="8954280" y="4683240"/>
-            <a:ext cx="818280" cy="859320"/>
+            <a:ext cx="817920" cy="858960"/>
           </a:xfrm>
           <a:prstGeom prst="rect">
             <a:avLst/>
@@ -4455,14 +4626,14 @@
       </p:sp>
       <p:sp>
         <p:nvSpPr>
-          <p:cNvPr id="54" name="Прямоугольник 16"/>
+          <p:cNvPr id="56" name="Прямоугольник 16"/>
           <p:cNvSpPr/>
           <p:nvPr/>
         </p:nvSpPr>
         <p:spPr>
           <a:xfrm>
             <a:off x="8308440" y="3264120"/>
-            <a:ext cx="489600" cy="514080"/>
+            <a:ext cx="489240" cy="513720"/>
           </a:xfrm>
           <a:prstGeom prst="rect">
             <a:avLst/>
@@ -4506,14 +4677,14 @@
       </p:sp>
       <p:sp>
         <p:nvSpPr>
-          <p:cNvPr id="55" name="Прямоугольник 17"/>
+          <p:cNvPr id="57" name="Прямоугольник 17"/>
           <p:cNvSpPr/>
           <p:nvPr/>
         </p:nvSpPr>
         <p:spPr>
           <a:xfrm>
             <a:off x="8647920" y="3103920"/>
-            <a:ext cx="302760" cy="317880"/>
+            <a:ext cx="302400" cy="317520"/>
           </a:xfrm>
           <a:prstGeom prst="rect">
             <a:avLst/>
@@ -4557,14 +4728,14 @@
       </p:sp>
       <p:sp>
         <p:nvSpPr>
-          <p:cNvPr id="56" name="Прямоугольник 18"/>
+          <p:cNvPr id="58" name="Прямоугольник 18"/>
           <p:cNvSpPr/>
           <p:nvPr/>
         </p:nvSpPr>
         <p:spPr>
           <a:xfrm>
             <a:off x="9336600" y="2078640"/>
-            <a:ext cx="302760" cy="317880"/>
+            <a:ext cx="302400" cy="317520"/>
           </a:xfrm>
           <a:prstGeom prst="rect">
             <a:avLst/>
@@ -4608,14 +4779,14 @@
       </p:sp>
       <p:sp>
         <p:nvSpPr>
-          <p:cNvPr id="57" name="Прямоугольник 19"/>
+          <p:cNvPr id="59" name="Прямоугольник 19"/>
           <p:cNvSpPr/>
           <p:nvPr/>
         </p:nvSpPr>
         <p:spPr>
           <a:xfrm>
             <a:off x="309960" y="4934880"/>
-            <a:ext cx="302760" cy="317880"/>
+            <a:ext cx="302400" cy="317520"/>
           </a:xfrm>
           <a:prstGeom prst="rect">
             <a:avLst/>
@@ -4659,14 +4830,14 @@
       </p:sp>
       <p:sp>
         <p:nvSpPr>
-          <p:cNvPr id="58" name="Прямоугольник 20"/>
+          <p:cNvPr id="60" name="Прямоугольник 20"/>
           <p:cNvSpPr/>
           <p:nvPr/>
         </p:nvSpPr>
         <p:spPr>
           <a:xfrm>
             <a:off x="-150120" y="5015520"/>
-            <a:ext cx="545040" cy="572040"/>
+            <a:ext cx="544680" cy="571680"/>
           </a:xfrm>
           <a:prstGeom prst="rect">
             <a:avLst/>
@@ -4710,14 +4881,14 @@
       </p:sp>
       <p:sp>
         <p:nvSpPr>
-          <p:cNvPr id="59" name="Прямоугольник 21"/>
+          <p:cNvPr id="61" name="Прямоугольник 21"/>
           <p:cNvSpPr/>
           <p:nvPr/>
         </p:nvSpPr>
         <p:spPr>
           <a:xfrm>
             <a:off x="8736120" y="5038200"/>
-            <a:ext cx="302760" cy="317880"/>
+            <a:ext cx="302400" cy="317520"/>
           </a:xfrm>
           <a:prstGeom prst="rect">
             <a:avLst/>
@@ -4761,7 +4932,7 @@
       </p:sp>
       <p:sp>
         <p:nvSpPr>
-          <p:cNvPr id="60" name="PlaceHolder 1"/>
+          <p:cNvPr id="62" name="PlaceHolder 1"/>
           <p:cNvSpPr>
             <a:spLocks noGrp="1"/>
           </p:cNvSpPr>
@@ -4771,8 +4942,8 @@
         </p:nvSpPr>
         <p:spPr>
           <a:xfrm>
-            <a:off x="929520" y="433800"/>
-            <a:ext cx="3016440" cy="1694520"/>
+            <a:off x="929520" y="1143360"/>
+            <a:ext cx="3016080" cy="274680"/>
           </a:xfrm>
           <a:prstGeom prst="rect">
             <a:avLst/>
@@ -4784,7 +4955,7 @@
         </p:spPr>
         <p:txBody>
           <a:bodyPr lIns="0" rIns="0" tIns="0" bIns="0" anchor="ctr">
-            <a:noAutofit/>
+            <a:spAutoFit/>
           </a:bodyPr>
           <a:p>
             <a:pPr indent="0">
@@ -4797,7 +4968,7 @@
                 </a:solidFill>
                 <a:effectLst/>
                 <a:uFillTx/>
-                <a:latin typeface="FreeSerif"/>
+                <a:latin typeface="Times New Roman"/>
               </a:rPr>
               <a:t>Click to edit the title text format</a:t>
             </a:r>
@@ -4807,14 +4978,14 @@
               </a:solidFill>
               <a:effectLst/>
               <a:uFillTx/>
-              <a:latin typeface="FreeSerif"/>
-            </a:endParaRPr>
-          </a:p>
-        </p:txBody>
-      </p:sp>
-      <p:sp>
-        <p:nvSpPr>
-          <p:cNvPr id="61" name="PlaceHolder 2"/>
+              <a:latin typeface="Times New Roman"/>
+            </a:endParaRPr>
+          </a:p>
+        </p:txBody>
+      </p:sp>
+      <p:sp>
+        <p:nvSpPr>
+          <p:cNvPr id="63" name="PlaceHolder 2"/>
           <p:cNvSpPr>
             <a:spLocks noGrp="1"/>
           </p:cNvSpPr>
@@ -4858,7 +5029,7 @@
                 </a:solidFill>
                 <a:effectLst/>
                 <a:uFillTx/>
-                <a:latin typeface="FreeSerif"/>
+                <a:latin typeface="Times New Roman"/>
               </a:rPr>
               <a:t>Click to edit the outline text format</a:t>
             </a:r>
@@ -4868,7 +5039,7 @@
               </a:solidFill>
               <a:effectLst/>
               <a:uFillTx/>
-              <a:latin typeface="FreeSerif"/>
+              <a:latin typeface="Times New Roman"/>
             </a:endParaRPr>
           </a:p>
           <a:p>
@@ -4890,7 +5061,7 @@
                 </a:solidFill>
                 <a:effectLst/>
                 <a:uFillTx/>
-                <a:latin typeface="FreeSerif"/>
+                <a:latin typeface="Times New Roman"/>
               </a:rPr>
               <a:t>Second Outline Level</a:t>
             </a:r>
@@ -4900,7 +5071,7 @@
               </a:solidFill>
               <a:effectLst/>
               <a:uFillTx/>
-              <a:latin typeface="FreeSerif"/>
+              <a:latin typeface="Times New Roman"/>
             </a:endParaRPr>
           </a:p>
           <a:p>
@@ -4922,7 +5093,7 @@
                 </a:solidFill>
                 <a:effectLst/>
                 <a:uFillTx/>
-                <a:latin typeface="FreeSerif"/>
+                <a:latin typeface="Times New Roman"/>
               </a:rPr>
               <a:t>Third Outline Level</a:t>
             </a:r>
@@ -4932,7 +5103,7 @@
               </a:solidFill>
               <a:effectLst/>
               <a:uFillTx/>
-              <a:latin typeface="FreeSerif"/>
+              <a:latin typeface="Times New Roman"/>
             </a:endParaRPr>
           </a:p>
           <a:p>
@@ -4954,7 +5125,7 @@
                 </a:solidFill>
                 <a:effectLst/>
                 <a:uFillTx/>
-                <a:latin typeface="FreeSerif"/>
+                <a:latin typeface="Times New Roman"/>
               </a:rPr>
               <a:t>Fourth Outline Level</a:t>
             </a:r>
@@ -4964,7 +5135,7 @@
               </a:solidFill>
               <a:effectLst/>
               <a:uFillTx/>
-              <a:latin typeface="FreeSerif"/>
+              <a:latin typeface="Times New Roman"/>
             </a:endParaRPr>
           </a:p>
           <a:p>
@@ -4986,7 +5157,7 @@
                 </a:solidFill>
                 <a:effectLst/>
                 <a:uFillTx/>
-                <a:latin typeface="FreeSerif"/>
+                <a:latin typeface="Times New Roman"/>
               </a:rPr>
               <a:t>Fifth Outline Level</a:t>
             </a:r>
@@ -4996,7 +5167,7 @@
               </a:solidFill>
               <a:effectLst/>
               <a:uFillTx/>
-              <a:latin typeface="FreeSerif"/>
+              <a:latin typeface="Times New Roman"/>
             </a:endParaRPr>
           </a:p>
           <a:p>
@@ -5018,7 +5189,7 @@
                 </a:solidFill>
                 <a:effectLst/>
                 <a:uFillTx/>
-                <a:latin typeface="FreeSerif"/>
+                <a:latin typeface="Times New Roman"/>
               </a:rPr>
               <a:t>Sixth Outline Level</a:t>
             </a:r>
@@ -5028,7 +5199,7 @@
               </a:solidFill>
               <a:effectLst/>
               <a:uFillTx/>
-              <a:latin typeface="FreeSerif"/>
+              <a:latin typeface="Times New Roman"/>
             </a:endParaRPr>
           </a:p>
           <a:p>
@@ -5050,7 +5221,7 @@
                 </a:solidFill>
                 <a:effectLst/>
                 <a:uFillTx/>
-                <a:latin typeface="FreeSerif"/>
+                <a:latin typeface="Times New Roman"/>
               </a:rPr>
               <a:t>Seventh Outline Level</a:t>
             </a:r>
@@ -5060,14 +5231,14 @@
               </a:solidFill>
               <a:effectLst/>
               <a:uFillTx/>
-              <a:latin typeface="FreeSerif"/>
-            </a:endParaRPr>
-          </a:p>
-        </p:txBody>
-      </p:sp>
-      <p:sp>
-        <p:nvSpPr>
-          <p:cNvPr id="62" name="PlaceHolder 3"/>
+              <a:latin typeface="Times New Roman"/>
+            </a:endParaRPr>
+          </a:p>
+        </p:txBody>
+      </p:sp>
+      <p:sp>
+        <p:nvSpPr>
+          <p:cNvPr id="64" name="PlaceHolder 3"/>
           <p:cNvSpPr>
             <a:spLocks noGrp="1"/>
           </p:cNvSpPr>
@@ -5078,7 +5249,7 @@
         <p:spPr>
           <a:xfrm>
             <a:off x="7118640" y="5255280"/>
-            <a:ext cx="254520" cy="283320"/>
+            <a:ext cx="254160" cy="282960"/>
           </a:xfrm>
           <a:prstGeom prst="rect">
             <a:avLst/>
@@ -5121,7 +5292,7 @@
                 <a:tab algn="l" pos="0"/>
               </a:tabLst>
             </a:pPr>
-            <a:fld id="{B4385575-4EAF-4215-9C68-583BED5E4542}" type="slidenum">
+            <a:fld id="{2D05C540-B588-4F66-957F-B097E440036F}" type="slidenum">
               <a:rPr b="0" lang="en-US" sz="1400" strike="noStrike" u="none">
                 <a:solidFill>
                   <a:srgbClr val="000000"/>
@@ -5138,7 +5309,7 @@
               </a:solidFill>
               <a:effectLst/>
               <a:uFillTx/>
-              <a:latin typeface="FreeSerif"/>
+              <a:latin typeface="Times New Roman"/>
             </a:endParaRPr>
           </a:p>
         </p:txBody>
@@ -5147,7 +5318,7 @@
   </p:cSld>
   <p:clrMap bg1="lt1" tx1="dk1" bg2="lt2" tx2="dk2" accent1="accent1" accent2="accent2" accent3="accent3" accent4="accent4" accent5="accent5" accent6="accent6" hlink="hlink" folHlink="folHlink"/>
   <p:sldLayoutIdLst>
-    <p:sldLayoutId id="2147483655" r:id="rId3"/>
+    <p:sldLayoutId id="2147483657" r:id="rId3"/>
   </p:sldLayoutIdLst>
 </p:sldMaster>
 </file>
@@ -5178,14 +5349,14 @@
       </p:grpSpPr>
       <p:sp>
         <p:nvSpPr>
-          <p:cNvPr id="65" name="Прямоугольник 5" hidden="1"/>
+          <p:cNvPr id="67" name="Прямоугольник 5" hidden="1"/>
           <p:cNvSpPr/>
           <p:nvPr/>
         </p:nvSpPr>
         <p:spPr>
           <a:xfrm>
             <a:off x="0" y="301680"/>
-            <a:ext cx="10077480" cy="1093320"/>
+            <a:ext cx="10077120" cy="1092960"/>
           </a:xfrm>
           <a:prstGeom prst="rect">
             <a:avLst/>
@@ -5227,14 +5398,14 @@
       </p:sp>
       <p:sp>
         <p:nvSpPr>
-          <p:cNvPr id="66" name="Прямоугольник 6"/>
+          <p:cNvPr id="68" name="Прямоугольник 6"/>
           <p:cNvSpPr/>
           <p:nvPr/>
         </p:nvSpPr>
         <p:spPr>
           <a:xfrm>
             <a:off x="0" y="360"/>
-            <a:ext cx="10077480" cy="5667480"/>
+            <a:ext cx="10077120" cy="5667120"/>
           </a:xfrm>
           <a:prstGeom prst="rect">
             <a:avLst/>
@@ -5276,7 +5447,7 @@
       </p:sp>
       <p:pic>
         <p:nvPicPr>
-          <p:cNvPr id="67" name="Рисунок 8" descr="Рисунок 8"/>
+          <p:cNvPr id="69" name="Рисунок 8" descr="Рисунок 8"/>
           <p:cNvPicPr/>
           <p:nvPr/>
         </p:nvPicPr>
@@ -5287,7 +5458,7 @@
         <p:spPr>
           <a:xfrm>
             <a:off x="803880" y="632160"/>
-            <a:ext cx="1020240" cy="1020240"/>
+            <a:ext cx="1019880" cy="1019880"/>
           </a:xfrm>
           <a:prstGeom prst="rect">
             <a:avLst/>
@@ -5300,14 +5471,14 @@
       </p:pic>
       <p:sp>
         <p:nvSpPr>
-          <p:cNvPr id="68" name="Прямоугольник 9"/>
+          <p:cNvPr id="70" name="Прямоугольник 9"/>
           <p:cNvSpPr/>
           <p:nvPr/>
         </p:nvSpPr>
         <p:spPr>
           <a:xfrm>
             <a:off x="803880" y="2115360"/>
-            <a:ext cx="87840" cy="2329560"/>
+            <a:ext cx="87480" cy="2329200"/>
           </a:xfrm>
           <a:prstGeom prst="rect">
             <a:avLst/>
@@ -5349,14 +5520,14 @@
       </p:sp>
       <p:sp>
         <p:nvSpPr>
-          <p:cNvPr id="69" name="Прямоугольник 10"/>
+          <p:cNvPr id="71" name="Прямоугольник 10"/>
           <p:cNvSpPr/>
           <p:nvPr/>
         </p:nvSpPr>
         <p:spPr>
           <a:xfrm>
             <a:off x="8533440" y="189360"/>
-            <a:ext cx="545040" cy="572040"/>
+            <a:ext cx="544680" cy="571680"/>
           </a:xfrm>
           <a:prstGeom prst="rect">
             <a:avLst/>
@@ -5400,14 +5571,14 @@
       </p:sp>
       <p:sp>
         <p:nvSpPr>
-          <p:cNvPr id="70" name="Прямоугольник 11"/>
+          <p:cNvPr id="72" name="Прямоугольник 11"/>
           <p:cNvSpPr/>
           <p:nvPr/>
         </p:nvSpPr>
         <p:spPr>
           <a:xfrm>
             <a:off x="9068760" y="-23040"/>
-            <a:ext cx="1008720" cy="1058760"/>
+            <a:ext cx="1008360" cy="1058400"/>
           </a:xfrm>
           <a:prstGeom prst="rect">
             <a:avLst/>
@@ -5451,14 +5622,14 @@
       </p:sp>
       <p:sp>
         <p:nvSpPr>
-          <p:cNvPr id="71" name="Прямоугольник 12"/>
+          <p:cNvPr id="73" name="Прямоугольник 12"/>
           <p:cNvSpPr/>
           <p:nvPr/>
         </p:nvSpPr>
         <p:spPr>
           <a:xfrm>
             <a:off x="8740800" y="532440"/>
-            <a:ext cx="786600" cy="825480"/>
+            <a:ext cx="786240" cy="825120"/>
           </a:xfrm>
           <a:prstGeom prst="rect">
             <a:avLst/>
@@ -5502,14 +5673,14 @@
       </p:sp>
       <p:sp>
         <p:nvSpPr>
-          <p:cNvPr id="72" name="Прямоугольник 13"/>
+          <p:cNvPr id="74" name="Прямоугольник 13"/>
           <p:cNvSpPr/>
           <p:nvPr/>
         </p:nvSpPr>
         <p:spPr>
           <a:xfrm>
             <a:off x="9203760" y="4273560"/>
-            <a:ext cx="873360" cy="916920"/>
+            <a:ext cx="873000" cy="916560"/>
           </a:xfrm>
           <a:prstGeom prst="rect">
             <a:avLst/>
@@ -5553,14 +5724,14 @@
       </p:sp>
       <p:sp>
         <p:nvSpPr>
-          <p:cNvPr id="73" name="Прямоугольник 14"/>
+          <p:cNvPr id="75" name="Прямоугольник 14"/>
           <p:cNvSpPr/>
           <p:nvPr/>
         </p:nvSpPr>
         <p:spPr>
           <a:xfrm>
             <a:off x="9453240" y="3841560"/>
-            <a:ext cx="471960" cy="495360"/>
+            <a:ext cx="471600" cy="495000"/>
           </a:xfrm>
           <a:prstGeom prst="rect">
             <a:avLst/>
@@ -5604,14 +5775,14 @@
       </p:sp>
       <p:sp>
         <p:nvSpPr>
-          <p:cNvPr id="74" name="Прямоугольник 15"/>
+          <p:cNvPr id="76" name="Прямоугольник 15"/>
           <p:cNvSpPr/>
           <p:nvPr/>
         </p:nvSpPr>
         <p:spPr>
           <a:xfrm>
             <a:off x="8954280" y="4683240"/>
-            <a:ext cx="818280" cy="859320"/>
+            <a:ext cx="817920" cy="858960"/>
           </a:xfrm>
           <a:prstGeom prst="rect">
             <a:avLst/>
@@ -5655,14 +5826,14 @@
       </p:sp>
       <p:sp>
         <p:nvSpPr>
-          <p:cNvPr id="75" name="Прямоугольник 16"/>
+          <p:cNvPr id="77" name="Прямоугольник 16"/>
           <p:cNvSpPr/>
           <p:nvPr/>
         </p:nvSpPr>
         <p:spPr>
           <a:xfrm>
             <a:off x="8308440" y="3264120"/>
-            <a:ext cx="489600" cy="514080"/>
+            <a:ext cx="489240" cy="513720"/>
           </a:xfrm>
           <a:prstGeom prst="rect">
             <a:avLst/>
@@ -5706,14 +5877,14 @@
       </p:sp>
       <p:sp>
         <p:nvSpPr>
-          <p:cNvPr id="76" name="Прямоугольник 17"/>
+          <p:cNvPr id="78" name="Прямоугольник 17"/>
           <p:cNvSpPr/>
           <p:nvPr/>
         </p:nvSpPr>
         <p:spPr>
           <a:xfrm>
             <a:off x="8647920" y="3103920"/>
-            <a:ext cx="302760" cy="317880"/>
+            <a:ext cx="302400" cy="317520"/>
           </a:xfrm>
           <a:prstGeom prst="rect">
             <a:avLst/>
@@ -5757,14 +5928,14 @@
       </p:sp>
       <p:sp>
         <p:nvSpPr>
-          <p:cNvPr id="77" name="Прямоугольник 18"/>
+          <p:cNvPr id="79" name="Прямоугольник 18"/>
           <p:cNvSpPr/>
           <p:nvPr/>
         </p:nvSpPr>
         <p:spPr>
           <a:xfrm>
             <a:off x="9336600" y="2078640"/>
-            <a:ext cx="302760" cy="317880"/>
+            <a:ext cx="302400" cy="317520"/>
           </a:xfrm>
           <a:prstGeom prst="rect">
             <a:avLst/>
@@ -5808,14 +5979,14 @@
       </p:sp>
       <p:sp>
         <p:nvSpPr>
-          <p:cNvPr id="78" name="Прямоугольник 19"/>
+          <p:cNvPr id="80" name="Прямоугольник 19"/>
           <p:cNvSpPr/>
           <p:nvPr/>
         </p:nvSpPr>
         <p:spPr>
           <a:xfrm>
             <a:off x="309960" y="4934880"/>
-            <a:ext cx="302760" cy="317880"/>
+            <a:ext cx="302400" cy="317520"/>
           </a:xfrm>
           <a:prstGeom prst="rect">
             <a:avLst/>
@@ -5859,14 +6030,14 @@
       </p:sp>
       <p:sp>
         <p:nvSpPr>
-          <p:cNvPr id="79" name="Прямоугольник 20"/>
+          <p:cNvPr id="81" name="Прямоугольник 20"/>
           <p:cNvSpPr/>
           <p:nvPr/>
         </p:nvSpPr>
         <p:spPr>
           <a:xfrm>
             <a:off x="-150120" y="5015520"/>
-            <a:ext cx="545040" cy="572040"/>
+            <a:ext cx="544680" cy="571680"/>
           </a:xfrm>
           <a:prstGeom prst="rect">
             <a:avLst/>
@@ -5910,14 +6081,14 @@
       </p:sp>
       <p:sp>
         <p:nvSpPr>
-          <p:cNvPr id="80" name="Прямоугольник 21"/>
+          <p:cNvPr id="82" name="Прямоугольник 21"/>
           <p:cNvSpPr/>
           <p:nvPr/>
         </p:nvSpPr>
         <p:spPr>
           <a:xfrm>
             <a:off x="8736120" y="5038200"/>
-            <a:ext cx="302760" cy="317880"/>
+            <a:ext cx="302400" cy="317520"/>
           </a:xfrm>
           <a:prstGeom prst="rect">
             <a:avLst/>
@@ -5961,7 +6132,7 @@
       </p:sp>
       <p:sp>
         <p:nvSpPr>
-          <p:cNvPr id="81" name="PlaceHolder 1"/>
+          <p:cNvPr id="83" name="PlaceHolder 1"/>
           <p:cNvSpPr>
             <a:spLocks noGrp="1"/>
           </p:cNvSpPr>
@@ -5972,7 +6143,7 @@
         <p:spPr>
           <a:xfrm>
             <a:off x="7118640" y="5255280"/>
-            <a:ext cx="254520" cy="283320"/>
+            <a:ext cx="254160" cy="282960"/>
           </a:xfrm>
           <a:prstGeom prst="rect">
             <a:avLst/>
@@ -6015,7 +6186,7 @@
                 <a:tab algn="l" pos="0"/>
               </a:tabLst>
             </a:pPr>
-            <a:fld id="{4D34830C-4C59-4462-9836-EEBFAE83E314}" type="slidenum">
+            <a:fld id="{CAB40594-F45D-4167-BEE8-401ED8398551}" type="slidenum">
               <a:rPr b="0" lang="en-US" sz="1400" strike="noStrike" u="none">
                 <a:solidFill>
                   <a:srgbClr val="000000"/>
@@ -6024,7 +6195,7 @@
                 <a:uFillTx/>
                 <a:latin typeface="Times New Roman"/>
               </a:rPr>
-              <a:t>&lt;number&gt;</a:t>
+              <a:t>1</a:t>
             </a:fld>
             <a:endParaRPr b="0" lang="en-US" sz="1400" strike="noStrike" u="none">
               <a:solidFill>
@@ -6032,7 +6203,7 @@
               </a:solidFill>
               <a:effectLst/>
               <a:uFillTx/>
-              <a:latin typeface="FreeSerif"/>
+              <a:latin typeface="Times New Roman"/>
             </a:endParaRPr>
           </a:p>
         </p:txBody>
@@ -6041,7 +6212,7 @@
   </p:cSld>
   <p:clrMap bg1="lt1" tx1="dk1" bg2="lt2" tx2="dk2" accent1="accent1" accent2="accent2" accent3="accent3" accent4="accent4" accent5="accent5" accent6="accent6" hlink="hlink" folHlink="folHlink"/>
   <p:sldLayoutIdLst>
-    <p:sldLayoutId id="2147483657" r:id="rId3"/>
+    <p:sldLayoutId id="2147483659" r:id="rId3"/>
   </p:sldLayoutIdLst>
 </p:sldMaster>
 </file>
@@ -6072,14 +6243,14 @@
       </p:grpSpPr>
       <p:sp>
         <p:nvSpPr>
-          <p:cNvPr id="82" name="Прямоугольник 5" hidden="1"/>
+          <p:cNvPr id="84" name="Прямоугольник 5" hidden="1"/>
           <p:cNvSpPr/>
           <p:nvPr/>
         </p:nvSpPr>
         <p:spPr>
           <a:xfrm>
             <a:off x="0" y="301680"/>
-            <a:ext cx="10077480" cy="1093320"/>
+            <a:ext cx="10077120" cy="1092960"/>
           </a:xfrm>
           <a:prstGeom prst="rect">
             <a:avLst/>
@@ -6121,14 +6292,14 @@
       </p:sp>
       <p:sp>
         <p:nvSpPr>
-          <p:cNvPr id="83" name="Прямоугольник 6"/>
+          <p:cNvPr id="85" name="Прямоугольник 6"/>
           <p:cNvSpPr/>
           <p:nvPr/>
         </p:nvSpPr>
         <p:spPr>
           <a:xfrm>
             <a:off x="0" y="360"/>
-            <a:ext cx="10077480" cy="5667480"/>
+            <a:ext cx="10077120" cy="5667120"/>
           </a:xfrm>
           <a:prstGeom prst="rect">
             <a:avLst/>
@@ -6170,7 +6341,7 @@
       </p:sp>
       <p:pic>
         <p:nvPicPr>
-          <p:cNvPr id="84" name="Рисунок 8" descr="Рисунок 8"/>
+          <p:cNvPr id="86" name="Рисунок 8" descr="Рисунок 8"/>
           <p:cNvPicPr/>
           <p:nvPr/>
         </p:nvPicPr>
@@ -6181,7 +6352,7 @@
         <p:spPr>
           <a:xfrm>
             <a:off x="803880" y="632160"/>
-            <a:ext cx="1020240" cy="1020240"/>
+            <a:ext cx="1019880" cy="1019880"/>
           </a:xfrm>
           <a:prstGeom prst="rect">
             <a:avLst/>
@@ -6194,14 +6365,14 @@
       </p:pic>
       <p:sp>
         <p:nvSpPr>
-          <p:cNvPr id="85" name="Прямоугольник 9"/>
+          <p:cNvPr id="87" name="Прямоугольник 9"/>
           <p:cNvSpPr/>
           <p:nvPr/>
         </p:nvSpPr>
         <p:spPr>
           <a:xfrm>
             <a:off x="803880" y="2115360"/>
-            <a:ext cx="87840" cy="2329560"/>
+            <a:ext cx="87480" cy="2329200"/>
           </a:xfrm>
           <a:prstGeom prst="rect">
             <a:avLst/>
@@ -6243,14 +6414,14 @@
       </p:sp>
       <p:sp>
         <p:nvSpPr>
-          <p:cNvPr id="86" name="Прямоугольник 10"/>
+          <p:cNvPr id="88" name="Прямоугольник 10"/>
           <p:cNvSpPr/>
           <p:nvPr/>
         </p:nvSpPr>
         <p:spPr>
           <a:xfrm>
             <a:off x="8533440" y="189360"/>
-            <a:ext cx="545040" cy="572040"/>
+            <a:ext cx="544680" cy="571680"/>
           </a:xfrm>
           <a:prstGeom prst="rect">
             <a:avLst/>
@@ -6294,14 +6465,14 @@
       </p:sp>
       <p:sp>
         <p:nvSpPr>
-          <p:cNvPr id="87" name="Прямоугольник 11"/>
+          <p:cNvPr id="89" name="Прямоугольник 11"/>
           <p:cNvSpPr/>
           <p:nvPr/>
         </p:nvSpPr>
         <p:spPr>
           <a:xfrm>
             <a:off x="9068760" y="-23040"/>
-            <a:ext cx="1008720" cy="1058760"/>
+            <a:ext cx="1008360" cy="1058400"/>
           </a:xfrm>
           <a:prstGeom prst="rect">
             <a:avLst/>
@@ -6345,14 +6516,14 @@
       </p:sp>
       <p:sp>
         <p:nvSpPr>
-          <p:cNvPr id="88" name="Прямоугольник 12"/>
+          <p:cNvPr id="90" name="Прямоугольник 12"/>
           <p:cNvSpPr/>
           <p:nvPr/>
         </p:nvSpPr>
         <p:spPr>
           <a:xfrm>
             <a:off x="8740800" y="532440"/>
-            <a:ext cx="786600" cy="825480"/>
+            <a:ext cx="786240" cy="825120"/>
           </a:xfrm>
           <a:prstGeom prst="rect">
             <a:avLst/>
@@ -6396,14 +6567,14 @@
       </p:sp>
       <p:sp>
         <p:nvSpPr>
-          <p:cNvPr id="89" name="Прямоугольник 13"/>
+          <p:cNvPr id="91" name="Прямоугольник 13"/>
           <p:cNvSpPr/>
           <p:nvPr/>
         </p:nvSpPr>
         <p:spPr>
           <a:xfrm>
             <a:off x="9203760" y="4273560"/>
-            <a:ext cx="873360" cy="916920"/>
+            <a:ext cx="873000" cy="916560"/>
           </a:xfrm>
           <a:prstGeom prst="rect">
             <a:avLst/>
@@ -6447,14 +6618,14 @@
       </p:sp>
       <p:sp>
         <p:nvSpPr>
-          <p:cNvPr id="90" name="Прямоугольник 14"/>
+          <p:cNvPr id="92" name="Прямоугольник 14"/>
           <p:cNvSpPr/>
           <p:nvPr/>
         </p:nvSpPr>
         <p:spPr>
           <a:xfrm>
             <a:off x="9453240" y="3841560"/>
-            <a:ext cx="471960" cy="495360"/>
+            <a:ext cx="471600" cy="495000"/>
           </a:xfrm>
           <a:prstGeom prst="rect">
             <a:avLst/>
@@ -6498,14 +6669,14 @@
       </p:sp>
       <p:sp>
         <p:nvSpPr>
-          <p:cNvPr id="91" name="Прямоугольник 15"/>
+          <p:cNvPr id="93" name="Прямоугольник 15"/>
           <p:cNvSpPr/>
           <p:nvPr/>
         </p:nvSpPr>
         <p:spPr>
           <a:xfrm>
             <a:off x="8954280" y="4683240"/>
-            <a:ext cx="818280" cy="859320"/>
+            <a:ext cx="817920" cy="858960"/>
           </a:xfrm>
           <a:prstGeom prst="rect">
             <a:avLst/>
@@ -6549,14 +6720,14 @@
       </p:sp>
       <p:sp>
         <p:nvSpPr>
-          <p:cNvPr id="92" name="Прямоугольник 16"/>
+          <p:cNvPr id="94" name="Прямоугольник 16"/>
           <p:cNvSpPr/>
           <p:nvPr/>
         </p:nvSpPr>
         <p:spPr>
           <a:xfrm>
             <a:off x="8308440" y="3264120"/>
-            <a:ext cx="489600" cy="514080"/>
+            <a:ext cx="489240" cy="513720"/>
           </a:xfrm>
           <a:prstGeom prst="rect">
             <a:avLst/>
@@ -6600,14 +6771,14 @@
       </p:sp>
       <p:sp>
         <p:nvSpPr>
-          <p:cNvPr id="93" name="Прямоугольник 17"/>
+          <p:cNvPr id="95" name="Прямоугольник 17"/>
           <p:cNvSpPr/>
           <p:nvPr/>
         </p:nvSpPr>
         <p:spPr>
           <a:xfrm>
             <a:off x="8647920" y="3103920"/>
-            <a:ext cx="302760" cy="317880"/>
+            <a:ext cx="302400" cy="317520"/>
           </a:xfrm>
           <a:prstGeom prst="rect">
             <a:avLst/>
@@ -6651,14 +6822,14 @@
       </p:sp>
       <p:sp>
         <p:nvSpPr>
-          <p:cNvPr id="94" name="Прямоугольник 18"/>
+          <p:cNvPr id="96" name="Прямоугольник 18"/>
           <p:cNvSpPr/>
           <p:nvPr/>
         </p:nvSpPr>
         <p:spPr>
           <a:xfrm>
             <a:off x="9336600" y="2078640"/>
-            <a:ext cx="302760" cy="317880"/>
+            <a:ext cx="302400" cy="317520"/>
           </a:xfrm>
           <a:prstGeom prst="rect">
             <a:avLst/>
@@ -6702,14 +6873,14 @@
       </p:sp>
       <p:sp>
         <p:nvSpPr>
-          <p:cNvPr id="95" name="Прямоугольник 19"/>
+          <p:cNvPr id="97" name="Прямоугольник 19"/>
           <p:cNvSpPr/>
           <p:nvPr/>
         </p:nvSpPr>
         <p:spPr>
           <a:xfrm>
             <a:off x="309960" y="4934880"/>
-            <a:ext cx="302760" cy="317880"/>
+            <a:ext cx="302400" cy="317520"/>
           </a:xfrm>
           <a:prstGeom prst="rect">
             <a:avLst/>
@@ -6753,14 +6924,14 @@
       </p:sp>
       <p:sp>
         <p:nvSpPr>
-          <p:cNvPr id="96" name="Прямоугольник 20"/>
+          <p:cNvPr id="98" name="Прямоугольник 20"/>
           <p:cNvSpPr/>
           <p:nvPr/>
         </p:nvSpPr>
         <p:spPr>
           <a:xfrm>
             <a:off x="-150120" y="5015520"/>
-            <a:ext cx="545040" cy="572040"/>
+            <a:ext cx="544680" cy="571680"/>
           </a:xfrm>
           <a:prstGeom prst="rect">
             <a:avLst/>
@@ -6804,14 +6975,14 @@
       </p:sp>
       <p:sp>
         <p:nvSpPr>
-          <p:cNvPr id="97" name="Прямоугольник 21"/>
+          <p:cNvPr id="99" name="Прямоугольник 21"/>
           <p:cNvSpPr/>
           <p:nvPr/>
         </p:nvSpPr>
         <p:spPr>
           <a:xfrm>
             <a:off x="8736120" y="5038200"/>
-            <a:ext cx="302760" cy="317880"/>
+            <a:ext cx="302400" cy="317520"/>
           </a:xfrm>
           <a:prstGeom prst="rect">
             <a:avLst/>
@@ -6855,7 +7026,7 @@
       </p:sp>
       <p:sp>
         <p:nvSpPr>
-          <p:cNvPr id="98" name="PlaceHolder 1"/>
+          <p:cNvPr id="100" name="PlaceHolder 1"/>
           <p:cNvSpPr>
             <a:spLocks noGrp="1"/>
           </p:cNvSpPr>
@@ -6865,8 +7036,8 @@
         </p:nvSpPr>
         <p:spPr>
           <a:xfrm>
-            <a:off x="929520" y="433800"/>
-            <a:ext cx="3016440" cy="1694520"/>
+            <a:off x="929520" y="1143360"/>
+            <a:ext cx="3016080" cy="274680"/>
           </a:xfrm>
           <a:prstGeom prst="rect">
             <a:avLst/>
@@ -6878,7 +7049,7 @@
         </p:spPr>
         <p:txBody>
           <a:bodyPr lIns="0" rIns="0" tIns="0" bIns="0" anchor="ctr">
-            <a:noAutofit/>
+            <a:spAutoFit/>
           </a:bodyPr>
           <a:p>
             <a:pPr indent="0">
@@ -6891,7 +7062,7 @@
                 </a:solidFill>
                 <a:effectLst/>
                 <a:uFillTx/>
-                <a:latin typeface="FreeSerif"/>
+                <a:latin typeface="Times New Roman"/>
               </a:rPr>
               <a:t>Click to edit the title text format</a:t>
             </a:r>
@@ -6901,14 +7072,14 @@
               </a:solidFill>
               <a:effectLst/>
               <a:uFillTx/>
-              <a:latin typeface="FreeSerif"/>
-            </a:endParaRPr>
-          </a:p>
-        </p:txBody>
-      </p:sp>
-      <p:sp>
-        <p:nvSpPr>
-          <p:cNvPr id="99" name="PlaceHolder 2"/>
+              <a:latin typeface="Times New Roman"/>
+            </a:endParaRPr>
+          </a:p>
+        </p:txBody>
+      </p:sp>
+      <p:sp>
+        <p:nvSpPr>
+          <p:cNvPr id="101" name="PlaceHolder 2"/>
           <p:cNvSpPr>
             <a:spLocks noGrp="1"/>
           </p:cNvSpPr>
@@ -6952,7 +7123,7 @@
                 </a:solidFill>
                 <a:effectLst/>
                 <a:uFillTx/>
-                <a:latin typeface="FreeSerif"/>
+                <a:latin typeface="Times New Roman"/>
               </a:rPr>
               <a:t>Click to edit the outline text format</a:t>
             </a:r>
@@ -6962,7 +7133,7 @@
               </a:solidFill>
               <a:effectLst/>
               <a:uFillTx/>
-              <a:latin typeface="FreeSerif"/>
+              <a:latin typeface="Times New Roman"/>
             </a:endParaRPr>
           </a:p>
           <a:p>
@@ -6984,7 +7155,7 @@
                 </a:solidFill>
                 <a:effectLst/>
                 <a:uFillTx/>
-                <a:latin typeface="FreeSerif"/>
+                <a:latin typeface="Times New Roman"/>
               </a:rPr>
               <a:t>Second Outline Level</a:t>
             </a:r>
@@ -6994,7 +7165,7 @@
               </a:solidFill>
               <a:effectLst/>
               <a:uFillTx/>
-              <a:latin typeface="FreeSerif"/>
+              <a:latin typeface="Times New Roman"/>
             </a:endParaRPr>
           </a:p>
           <a:p>
@@ -7016,7 +7187,7 @@
                 </a:solidFill>
                 <a:effectLst/>
                 <a:uFillTx/>
-                <a:latin typeface="FreeSerif"/>
+                <a:latin typeface="Times New Roman"/>
               </a:rPr>
               <a:t>Third Outline Level</a:t>
             </a:r>
@@ -7026,7 +7197,7 @@
               </a:solidFill>
               <a:effectLst/>
               <a:uFillTx/>
-              <a:latin typeface="FreeSerif"/>
+              <a:latin typeface="Times New Roman"/>
             </a:endParaRPr>
           </a:p>
           <a:p>
@@ -7048,7 +7219,7 @@
                 </a:solidFill>
                 <a:effectLst/>
                 <a:uFillTx/>
-                <a:latin typeface="FreeSerif"/>
+                <a:latin typeface="Times New Roman"/>
               </a:rPr>
               <a:t>Fourth Outline Level</a:t>
             </a:r>
@@ -7058,7 +7229,7 @@
               </a:solidFill>
               <a:effectLst/>
               <a:uFillTx/>
-              <a:latin typeface="FreeSerif"/>
+              <a:latin typeface="Times New Roman"/>
             </a:endParaRPr>
           </a:p>
           <a:p>
@@ -7080,7 +7251,7 @@
                 </a:solidFill>
                 <a:effectLst/>
                 <a:uFillTx/>
-                <a:latin typeface="FreeSerif"/>
+                <a:latin typeface="Times New Roman"/>
               </a:rPr>
               <a:t>Fifth Outline Level</a:t>
             </a:r>
@@ -7090,7 +7261,7 @@
               </a:solidFill>
               <a:effectLst/>
               <a:uFillTx/>
-              <a:latin typeface="FreeSerif"/>
+              <a:latin typeface="Times New Roman"/>
             </a:endParaRPr>
           </a:p>
           <a:p>
@@ -7112,7 +7283,7 @@
                 </a:solidFill>
                 <a:effectLst/>
                 <a:uFillTx/>
-                <a:latin typeface="FreeSerif"/>
+                <a:latin typeface="Times New Roman"/>
               </a:rPr>
               <a:t>Sixth Outline Level</a:t>
             </a:r>
@@ -7122,7 +7293,7 @@
               </a:solidFill>
               <a:effectLst/>
               <a:uFillTx/>
-              <a:latin typeface="FreeSerif"/>
+              <a:latin typeface="Times New Roman"/>
             </a:endParaRPr>
           </a:p>
           <a:p>
@@ -7144,7 +7315,7 @@
                 </a:solidFill>
                 <a:effectLst/>
                 <a:uFillTx/>
-                <a:latin typeface="FreeSerif"/>
+                <a:latin typeface="Times New Roman"/>
               </a:rPr>
               <a:t>Seventh Outline Level</a:t>
             </a:r>
@@ -7154,14 +7325,14 @@
               </a:solidFill>
               <a:effectLst/>
               <a:uFillTx/>
-              <a:latin typeface="FreeSerif"/>
-            </a:endParaRPr>
-          </a:p>
-        </p:txBody>
-      </p:sp>
-      <p:sp>
-        <p:nvSpPr>
-          <p:cNvPr id="100" name="PlaceHolder 3"/>
+              <a:latin typeface="Times New Roman"/>
+            </a:endParaRPr>
+          </a:p>
+        </p:txBody>
+      </p:sp>
+      <p:sp>
+        <p:nvSpPr>
+          <p:cNvPr id="102" name="PlaceHolder 3"/>
           <p:cNvSpPr>
             <a:spLocks noGrp="1"/>
           </p:cNvSpPr>
@@ -7172,7 +7343,7 @@
         <p:spPr>
           <a:xfrm>
             <a:off x="7118640" y="5255280"/>
-            <a:ext cx="254520" cy="283320"/>
+            <a:ext cx="254160" cy="282960"/>
           </a:xfrm>
           <a:prstGeom prst="rect">
             <a:avLst/>
@@ -7215,7 +7386,7 @@
                 <a:tab algn="l" pos="0"/>
               </a:tabLst>
             </a:pPr>
-            <a:fld id="{A068F39D-7060-424C-839A-EF7AE8628D52}" type="slidenum">
+            <a:fld id="{94047707-D0EE-4F5A-A8A2-2D0089CFB38E}" type="slidenum">
               <a:rPr b="0" lang="en-US" sz="1400" strike="noStrike" u="none">
                 <a:solidFill>
                   <a:srgbClr val="000000"/>
@@ -7232,7 +7403,7 @@
               </a:solidFill>
               <a:effectLst/>
               <a:uFillTx/>
-              <a:latin typeface="FreeSerif"/>
+              <a:latin typeface="Times New Roman"/>
             </a:endParaRPr>
           </a:p>
         </p:txBody>
@@ -7241,7 +7412,7 @@
   </p:cSld>
   <p:clrMap bg1="lt1" tx1="dk1" bg2="lt2" tx2="dk2" accent1="accent1" accent2="accent2" accent3="accent3" accent4="accent4" accent5="accent5" accent6="accent6" hlink="hlink" folHlink="folHlink"/>
   <p:sldLayoutIdLst>
-    <p:sldLayoutId id="2147483659" r:id="rId3"/>
+    <p:sldLayoutId id="2147483661" r:id="rId3"/>
   </p:sldLayoutIdLst>
 </p:sldMaster>
 </file>
@@ -7272,14 +7443,14 @@
       </p:grpSpPr>
       <p:sp>
         <p:nvSpPr>
-          <p:cNvPr id="103" name="Прямоугольник 5" hidden="1"/>
+          <p:cNvPr id="105" name="Прямоугольник 5" hidden="1"/>
           <p:cNvSpPr/>
           <p:nvPr/>
         </p:nvSpPr>
         <p:spPr>
           <a:xfrm>
             <a:off x="0" y="301680"/>
-            <a:ext cx="10078560" cy="1094040"/>
+            <a:ext cx="10078200" cy="1093680"/>
           </a:xfrm>
           <a:prstGeom prst="rect">
             <a:avLst/>
@@ -7321,14 +7492,14 @@
       </p:sp>
       <p:sp>
         <p:nvSpPr>
-          <p:cNvPr id="104" name="Прямоугольник 8"/>
+          <p:cNvPr id="106" name="Прямоугольник 8"/>
           <p:cNvSpPr/>
           <p:nvPr/>
         </p:nvSpPr>
         <p:spPr>
           <a:xfrm>
             <a:off x="360" y="360"/>
-            <a:ext cx="137880" cy="5668560"/>
+            <a:ext cx="137520" cy="5668200"/>
           </a:xfrm>
           <a:prstGeom prst="rect">
             <a:avLst/>
@@ -7370,14 +7541,14 @@
       </p:sp>
       <p:sp>
         <p:nvSpPr>
-          <p:cNvPr id="105" name="Прямоугольник 11"/>
+          <p:cNvPr id="107" name="Прямоугольник 11"/>
           <p:cNvSpPr/>
           <p:nvPr/>
         </p:nvSpPr>
         <p:spPr>
           <a:xfrm>
             <a:off x="9606240" y="433800"/>
-            <a:ext cx="472320" cy="496080"/>
+            <a:ext cx="471960" cy="495720"/>
           </a:xfrm>
           <a:prstGeom prst="rect">
             <a:avLst/>
@@ -7419,14 +7590,14 @@
       </p:sp>
       <p:sp>
         <p:nvSpPr>
-          <p:cNvPr id="106" name="Прямоугольник 12"/>
+          <p:cNvPr id="108" name="Прямоугольник 12"/>
           <p:cNvSpPr/>
           <p:nvPr/>
         </p:nvSpPr>
         <p:spPr>
           <a:xfrm>
             <a:off x="9073440" y="189720"/>
-            <a:ext cx="230400" cy="241920"/>
+            <a:ext cx="230040" cy="241560"/>
           </a:xfrm>
           <a:prstGeom prst="rect">
             <a:avLst/>
@@ -7468,14 +7639,14 @@
       </p:sp>
       <p:sp>
         <p:nvSpPr>
-          <p:cNvPr id="107" name="Прямоугольник 13"/>
+          <p:cNvPr id="109" name="Прямоугольник 13"/>
           <p:cNvSpPr/>
           <p:nvPr/>
         </p:nvSpPr>
         <p:spPr>
           <a:xfrm>
             <a:off x="304200" y="4889520"/>
-            <a:ext cx="318960" cy="334800"/>
+            <a:ext cx="318600" cy="334440"/>
           </a:xfrm>
           <a:prstGeom prst="rect">
             <a:avLst/>
@@ -7517,7 +7688,7 @@
       </p:sp>
       <p:sp>
         <p:nvSpPr>
-          <p:cNvPr id="108" name="PlaceHolder 1"/>
+          <p:cNvPr id="110" name="PlaceHolder 1"/>
           <p:cNvSpPr>
             <a:spLocks noGrp="1"/>
           </p:cNvSpPr>
@@ -7528,7 +7699,7 @@
         <p:spPr>
           <a:xfrm>
             <a:off x="7224120" y="5256000"/>
-            <a:ext cx="2350080" cy="302400"/>
+            <a:ext cx="2349720" cy="302040"/>
           </a:xfrm>
           <a:prstGeom prst="rect">
             <a:avLst/>
@@ -7571,7 +7742,7 @@
                 <a:tab algn="l" pos="0"/>
               </a:tabLst>
             </a:pPr>
-            <a:fld id="{071F1763-9071-4CA4-B289-01ABC43944A4}" type="slidenum">
+            <a:fld id="{7224364D-3506-4809-830C-C4003CF3DB49}" type="slidenum">
               <a:rPr b="0" lang="en-US" sz="1400" strike="noStrike" u="none">
                 <a:solidFill>
                   <a:srgbClr val="000000"/>
@@ -7580,7 +7751,7 @@
                 <a:uFillTx/>
                 <a:latin typeface="Times New Roman"/>
               </a:rPr>
-              <a:t>&lt;number&gt;</a:t>
+              <a:t>1</a:t>
             </a:fld>
             <a:endParaRPr b="0" lang="en-US" sz="1400" strike="noStrike" u="none">
               <a:solidFill>
@@ -7588,14 +7759,14 @@
               </a:solidFill>
               <a:effectLst/>
               <a:uFillTx/>
-              <a:latin typeface="FreeSerif"/>
-            </a:endParaRPr>
-          </a:p>
-        </p:txBody>
-      </p:sp>
-      <p:sp>
-        <p:nvSpPr>
-          <p:cNvPr id="109" name="PlaceHolder 2"/>
+              <a:latin typeface="Times New Roman"/>
+            </a:endParaRPr>
+          </a:p>
+        </p:txBody>
+      </p:sp>
+      <p:sp>
+        <p:nvSpPr>
+          <p:cNvPr id="111" name="PlaceHolder 2"/>
           <p:cNvSpPr>
             <a:spLocks noGrp="1"/>
           </p:cNvSpPr>
@@ -7631,7 +7802,7 @@
                 </a:solidFill>
                 <a:effectLst/>
                 <a:uFillTx/>
-                <a:latin typeface="FreeSerif"/>
+                <a:latin typeface="Times New Roman"/>
               </a:rPr>
               <a:t>Click to edit the title text format</a:t>
             </a:r>
@@ -7641,14 +7812,14 @@
               </a:solidFill>
               <a:effectLst/>
               <a:uFillTx/>
-              <a:latin typeface="FreeSerif"/>
-            </a:endParaRPr>
-          </a:p>
-        </p:txBody>
-      </p:sp>
-      <p:sp>
-        <p:nvSpPr>
-          <p:cNvPr id="110" name="PlaceHolder 3"/>
+              <a:latin typeface="Times New Roman"/>
+            </a:endParaRPr>
+          </a:p>
+        </p:txBody>
+      </p:sp>
+      <p:sp>
+        <p:nvSpPr>
+          <p:cNvPr id="112" name="PlaceHolder 3"/>
           <p:cNvSpPr>
             <a:spLocks noGrp="1"/>
           </p:cNvSpPr>
@@ -7692,7 +7863,7 @@
                 </a:solidFill>
                 <a:effectLst/>
                 <a:uFillTx/>
-                <a:latin typeface="FreeSerif"/>
+                <a:latin typeface="Times New Roman"/>
               </a:rPr>
               <a:t>Click to edit the outline text format</a:t>
             </a:r>
@@ -7702,7 +7873,7 @@
               </a:solidFill>
               <a:effectLst/>
               <a:uFillTx/>
-              <a:latin typeface="FreeSerif"/>
+              <a:latin typeface="Times New Roman"/>
             </a:endParaRPr>
           </a:p>
           <a:p>
@@ -7724,7 +7895,7 @@
                 </a:solidFill>
                 <a:effectLst/>
                 <a:uFillTx/>
-                <a:latin typeface="FreeSerif"/>
+                <a:latin typeface="Times New Roman"/>
               </a:rPr>
               <a:t>Second Outline Level</a:t>
             </a:r>
@@ -7734,7 +7905,7 @@
               </a:solidFill>
               <a:effectLst/>
               <a:uFillTx/>
-              <a:latin typeface="FreeSerif"/>
+              <a:latin typeface="Times New Roman"/>
             </a:endParaRPr>
           </a:p>
           <a:p>
@@ -7756,7 +7927,7 @@
                 </a:solidFill>
                 <a:effectLst/>
                 <a:uFillTx/>
-                <a:latin typeface="FreeSerif"/>
+                <a:latin typeface="Times New Roman"/>
               </a:rPr>
               <a:t>Third Outline Level</a:t>
             </a:r>
@@ -7766,7 +7937,7 @@
               </a:solidFill>
               <a:effectLst/>
               <a:uFillTx/>
-              <a:latin typeface="FreeSerif"/>
+              <a:latin typeface="Times New Roman"/>
             </a:endParaRPr>
           </a:p>
           <a:p>
@@ -7788,7 +7959,7 @@
                 </a:solidFill>
                 <a:effectLst/>
                 <a:uFillTx/>
-                <a:latin typeface="FreeSerif"/>
+                <a:latin typeface="Times New Roman"/>
               </a:rPr>
               <a:t>Fourth Outline Level</a:t>
             </a:r>
@@ -7798,7 +7969,7 @@
               </a:solidFill>
               <a:effectLst/>
               <a:uFillTx/>
-              <a:latin typeface="FreeSerif"/>
+              <a:latin typeface="Times New Roman"/>
             </a:endParaRPr>
           </a:p>
           <a:p>
@@ -7820,7 +7991,7 @@
                 </a:solidFill>
                 <a:effectLst/>
                 <a:uFillTx/>
-                <a:latin typeface="FreeSerif"/>
+                <a:latin typeface="Times New Roman"/>
               </a:rPr>
               <a:t>Fifth Outline Level</a:t>
             </a:r>
@@ -7830,7 +8001,7 @@
               </a:solidFill>
               <a:effectLst/>
               <a:uFillTx/>
-              <a:latin typeface="FreeSerif"/>
+              <a:latin typeface="Times New Roman"/>
             </a:endParaRPr>
           </a:p>
           <a:p>
@@ -7852,7 +8023,7 @@
                 </a:solidFill>
                 <a:effectLst/>
                 <a:uFillTx/>
-                <a:latin typeface="FreeSerif"/>
+                <a:latin typeface="Times New Roman"/>
               </a:rPr>
               <a:t>Sixth Outline Level</a:t>
             </a:r>
@@ -7862,7 +8033,7 @@
               </a:solidFill>
               <a:effectLst/>
               <a:uFillTx/>
-              <a:latin typeface="FreeSerif"/>
+              <a:latin typeface="Times New Roman"/>
             </a:endParaRPr>
           </a:p>
           <a:p>
@@ -7884,7 +8055,7 @@
                 </a:solidFill>
                 <a:effectLst/>
                 <a:uFillTx/>
-                <a:latin typeface="FreeSerif"/>
+                <a:latin typeface="Times New Roman"/>
               </a:rPr>
               <a:t>Seventh Outline Level</a:t>
             </a:r>
@@ -7894,7 +8065,7 @@
               </a:solidFill>
               <a:effectLst/>
               <a:uFillTx/>
-              <a:latin typeface="FreeSerif"/>
+              <a:latin typeface="Times New Roman"/>
             </a:endParaRPr>
           </a:p>
         </p:txBody>
@@ -7903,7 +8074,7 @@
   </p:cSld>
   <p:clrMap bg1="lt1" tx1="dk1" bg2="lt2" tx2="dk2" accent1="accent1" accent2="accent2" accent3="accent3" accent4="accent4" accent5="accent5" accent6="accent6" hlink="hlink" folHlink="folHlink"/>
   <p:sldLayoutIdLst>
-    <p:sldLayoutId id="2147483661" r:id="rId2"/>
+    <p:sldLayoutId id="2147483663" r:id="rId2"/>
   </p:sldLayoutIdLst>
 </p:sldMaster>
 </file>
@@ -7934,14 +8105,14 @@
       </p:grpSpPr>
       <p:sp>
         <p:nvSpPr>
-          <p:cNvPr id="111" name="Прямоугольник 5" hidden="1"/>
+          <p:cNvPr id="113" name="Прямоугольник 5" hidden="1"/>
           <p:cNvSpPr/>
           <p:nvPr/>
         </p:nvSpPr>
         <p:spPr>
           <a:xfrm>
             <a:off x="0" y="301680"/>
-            <a:ext cx="10078560" cy="1094040"/>
+            <a:ext cx="10078200" cy="1093680"/>
           </a:xfrm>
           <a:prstGeom prst="rect">
             <a:avLst/>
@@ -7983,14 +8154,14 @@
       </p:sp>
       <p:sp>
         <p:nvSpPr>
-          <p:cNvPr id="112" name="Прямоугольник 8"/>
+          <p:cNvPr id="114" name="Прямоугольник 8"/>
           <p:cNvSpPr/>
           <p:nvPr/>
         </p:nvSpPr>
         <p:spPr>
           <a:xfrm>
             <a:off x="360" y="360"/>
-            <a:ext cx="137880" cy="5668560"/>
+            <a:ext cx="137520" cy="5668200"/>
           </a:xfrm>
           <a:prstGeom prst="rect">
             <a:avLst/>
@@ -8032,14 +8203,14 @@
       </p:sp>
       <p:sp>
         <p:nvSpPr>
-          <p:cNvPr id="113" name="Прямоугольник 11"/>
+          <p:cNvPr id="115" name="Прямоугольник 11"/>
           <p:cNvSpPr/>
           <p:nvPr/>
         </p:nvSpPr>
         <p:spPr>
           <a:xfrm>
             <a:off x="9606240" y="433800"/>
-            <a:ext cx="472320" cy="496080"/>
+            <a:ext cx="471960" cy="495720"/>
           </a:xfrm>
           <a:prstGeom prst="rect">
             <a:avLst/>
@@ -8081,14 +8252,14 @@
       </p:sp>
       <p:sp>
         <p:nvSpPr>
-          <p:cNvPr id="114" name="Прямоугольник 12"/>
+          <p:cNvPr id="116" name="Прямоугольник 12"/>
           <p:cNvSpPr/>
           <p:nvPr/>
         </p:nvSpPr>
         <p:spPr>
           <a:xfrm>
             <a:off x="9073440" y="189720"/>
-            <a:ext cx="230400" cy="241920"/>
+            <a:ext cx="230040" cy="241560"/>
           </a:xfrm>
           <a:prstGeom prst="rect">
             <a:avLst/>
@@ -8130,14 +8301,14 @@
       </p:sp>
       <p:sp>
         <p:nvSpPr>
-          <p:cNvPr id="115" name="Прямоугольник 13"/>
+          <p:cNvPr id="117" name="Прямоугольник 13"/>
           <p:cNvSpPr/>
           <p:nvPr/>
         </p:nvSpPr>
         <p:spPr>
           <a:xfrm>
             <a:off x="304200" y="4889520"/>
-            <a:ext cx="318960" cy="334800"/>
+            <a:ext cx="318600" cy="334440"/>
           </a:xfrm>
           <a:prstGeom prst="rect">
             <a:avLst/>
@@ -8179,7 +8350,7 @@
       </p:sp>
       <p:sp>
         <p:nvSpPr>
-          <p:cNvPr id="116" name="PlaceHolder 1"/>
+          <p:cNvPr id="118" name="PlaceHolder 1"/>
           <p:cNvSpPr>
             <a:spLocks noGrp="1"/>
           </p:cNvSpPr>
@@ -8189,8 +8360,8 @@
         </p:nvSpPr>
         <p:spPr>
           <a:xfrm>
-            <a:off x="929520" y="433800"/>
-            <a:ext cx="3016440" cy="1694520"/>
+            <a:off x="929520" y="1143360"/>
+            <a:ext cx="3016080" cy="274680"/>
           </a:xfrm>
           <a:prstGeom prst="rect">
             <a:avLst/>
@@ -8202,7 +8373,7 @@
         </p:spPr>
         <p:txBody>
           <a:bodyPr lIns="0" rIns="0" tIns="0" bIns="0" anchor="ctr">
-            <a:noAutofit/>
+            <a:spAutoFit/>
           </a:bodyPr>
           <a:p>
             <a:pPr indent="0">
@@ -8215,7 +8386,7 @@
                 </a:solidFill>
                 <a:effectLst/>
                 <a:uFillTx/>
-                <a:latin typeface="FreeSerif"/>
+                <a:latin typeface="Times New Roman"/>
               </a:rPr>
               <a:t>Click to edit the title text format</a:t>
             </a:r>
@@ -8225,14 +8396,14 @@
               </a:solidFill>
               <a:effectLst/>
               <a:uFillTx/>
-              <a:latin typeface="FreeSerif"/>
-            </a:endParaRPr>
-          </a:p>
-        </p:txBody>
-      </p:sp>
-      <p:sp>
-        <p:nvSpPr>
-          <p:cNvPr id="117" name="PlaceHolder 2"/>
+              <a:latin typeface="Times New Roman"/>
+            </a:endParaRPr>
+          </a:p>
+        </p:txBody>
+      </p:sp>
+      <p:sp>
+        <p:nvSpPr>
+          <p:cNvPr id="119" name="PlaceHolder 2"/>
           <p:cNvSpPr>
             <a:spLocks noGrp="1"/>
           </p:cNvSpPr>
@@ -8276,7 +8447,7 @@
                 </a:solidFill>
                 <a:effectLst/>
                 <a:uFillTx/>
-                <a:latin typeface="FreeSerif"/>
+                <a:latin typeface="Times New Roman"/>
               </a:rPr>
               <a:t>Click to edit the outline text format</a:t>
             </a:r>
@@ -8286,7 +8457,7 @@
               </a:solidFill>
               <a:effectLst/>
               <a:uFillTx/>
-              <a:latin typeface="FreeSerif"/>
+              <a:latin typeface="Times New Roman"/>
             </a:endParaRPr>
           </a:p>
           <a:p>
@@ -8308,7 +8479,7 @@
                 </a:solidFill>
                 <a:effectLst/>
                 <a:uFillTx/>
-                <a:latin typeface="FreeSerif"/>
+                <a:latin typeface="Times New Roman"/>
               </a:rPr>
               <a:t>Second Outline Level</a:t>
             </a:r>
@@ -8318,7 +8489,7 @@
               </a:solidFill>
               <a:effectLst/>
               <a:uFillTx/>
-              <a:latin typeface="FreeSerif"/>
+              <a:latin typeface="Times New Roman"/>
             </a:endParaRPr>
           </a:p>
           <a:p>
@@ -8340,7 +8511,7 @@
                 </a:solidFill>
                 <a:effectLst/>
                 <a:uFillTx/>
-                <a:latin typeface="FreeSerif"/>
+                <a:latin typeface="Times New Roman"/>
               </a:rPr>
               <a:t>Third Outline Level</a:t>
             </a:r>
@@ -8350,7 +8521,7 @@
               </a:solidFill>
               <a:effectLst/>
               <a:uFillTx/>
-              <a:latin typeface="FreeSerif"/>
+              <a:latin typeface="Times New Roman"/>
             </a:endParaRPr>
           </a:p>
           <a:p>
@@ -8372,7 +8543,7 @@
                 </a:solidFill>
                 <a:effectLst/>
                 <a:uFillTx/>
-                <a:latin typeface="FreeSerif"/>
+                <a:latin typeface="Times New Roman"/>
               </a:rPr>
               <a:t>Fourth Outline Level</a:t>
             </a:r>
@@ -8382,7 +8553,7 @@
               </a:solidFill>
               <a:effectLst/>
               <a:uFillTx/>
-              <a:latin typeface="FreeSerif"/>
+              <a:latin typeface="Times New Roman"/>
             </a:endParaRPr>
           </a:p>
           <a:p>
@@ -8404,7 +8575,7 @@
                 </a:solidFill>
                 <a:effectLst/>
                 <a:uFillTx/>
-                <a:latin typeface="FreeSerif"/>
+                <a:latin typeface="Times New Roman"/>
               </a:rPr>
               <a:t>Fifth Outline Level</a:t>
             </a:r>
@@ -8414,7 +8585,7 @@
               </a:solidFill>
               <a:effectLst/>
               <a:uFillTx/>
-              <a:latin typeface="FreeSerif"/>
+              <a:latin typeface="Times New Roman"/>
             </a:endParaRPr>
           </a:p>
           <a:p>
@@ -8436,7 +8607,7 @@
                 </a:solidFill>
                 <a:effectLst/>
                 <a:uFillTx/>
-                <a:latin typeface="FreeSerif"/>
+                <a:latin typeface="Times New Roman"/>
               </a:rPr>
               <a:t>Sixth Outline Level</a:t>
             </a:r>
@@ -8446,7 +8617,7 @@
               </a:solidFill>
               <a:effectLst/>
               <a:uFillTx/>
-              <a:latin typeface="FreeSerif"/>
+              <a:latin typeface="Times New Roman"/>
             </a:endParaRPr>
           </a:p>
           <a:p>
@@ -8468,7 +8639,7 @@
                 </a:solidFill>
                 <a:effectLst/>
                 <a:uFillTx/>
-                <a:latin typeface="FreeSerif"/>
+                <a:latin typeface="Times New Roman"/>
               </a:rPr>
               <a:t>Seventh Outline Level</a:t>
             </a:r>
@@ -8478,14 +8649,14 @@
               </a:solidFill>
               <a:effectLst/>
               <a:uFillTx/>
-              <a:latin typeface="FreeSerif"/>
-            </a:endParaRPr>
-          </a:p>
-        </p:txBody>
-      </p:sp>
-      <p:sp>
-        <p:nvSpPr>
-          <p:cNvPr id="118" name="PlaceHolder 3"/>
+              <a:latin typeface="Times New Roman"/>
+            </a:endParaRPr>
+          </a:p>
+        </p:txBody>
+      </p:sp>
+      <p:sp>
+        <p:nvSpPr>
+          <p:cNvPr id="120" name="PlaceHolder 3"/>
           <p:cNvSpPr>
             <a:spLocks noGrp="1"/>
           </p:cNvSpPr>
@@ -8496,7 +8667,7 @@
         <p:spPr>
           <a:xfrm>
             <a:off x="7224120" y="5256000"/>
-            <a:ext cx="2350080" cy="302400"/>
+            <a:ext cx="2349720" cy="302040"/>
           </a:xfrm>
           <a:prstGeom prst="rect">
             <a:avLst/>
@@ -8539,7 +8710,7 @@
                 <a:tab algn="l" pos="0"/>
               </a:tabLst>
             </a:pPr>
-            <a:fld id="{E0E34B31-929A-4EFC-ADEC-895CF152A428}" type="slidenum">
+            <a:fld id="{63EE984D-64AB-4308-8A33-48AD66E942B5}" type="slidenum">
               <a:rPr b="0" lang="en-US" sz="1400" strike="noStrike" u="none">
                 <a:solidFill>
                   <a:srgbClr val="000000"/>
@@ -8556,7 +8727,7 @@
               </a:solidFill>
               <a:effectLst/>
               <a:uFillTx/>
-              <a:latin typeface="FreeSerif"/>
+              <a:latin typeface="Times New Roman"/>
             </a:endParaRPr>
           </a:p>
         </p:txBody>
@@ -8565,7 +8736,7 @@
   </p:cSld>
   <p:clrMap bg1="lt1" tx1="dk1" bg2="lt2" tx2="dk2" accent1="accent1" accent2="accent2" accent3="accent3" accent4="accent4" accent5="accent5" accent6="accent6" hlink="hlink" folHlink="folHlink"/>
   <p:sldLayoutIdLst>
-    <p:sldLayoutId id="2147483663" r:id="rId2"/>
+    <p:sldLayoutId id="2147483665" r:id="rId2"/>
   </p:sldLayoutIdLst>
 </p:sldMaster>
 </file>
@@ -8596,14 +8767,14 @@
       </p:grpSpPr>
       <p:sp>
         <p:nvSpPr>
-          <p:cNvPr id="121" name="Прямоугольник 5" hidden="1"/>
+          <p:cNvPr id="123" name="Прямоугольник 5" hidden="1"/>
           <p:cNvSpPr/>
           <p:nvPr/>
         </p:nvSpPr>
         <p:spPr>
           <a:xfrm>
             <a:off x="0" y="301680"/>
-            <a:ext cx="10078560" cy="1094040"/>
+            <a:ext cx="10078200" cy="1093680"/>
           </a:xfrm>
           <a:prstGeom prst="rect">
             <a:avLst/>
@@ -8645,14 +8816,14 @@
       </p:sp>
       <p:sp>
         <p:nvSpPr>
-          <p:cNvPr id="122" name="Прямоугольник 8"/>
+          <p:cNvPr id="124" name="Прямоугольник 8"/>
           <p:cNvSpPr/>
           <p:nvPr/>
         </p:nvSpPr>
         <p:spPr>
           <a:xfrm>
             <a:off x="360" y="360"/>
-            <a:ext cx="137880" cy="5668560"/>
+            <a:ext cx="137520" cy="5668200"/>
           </a:xfrm>
           <a:prstGeom prst="rect">
             <a:avLst/>
@@ -8694,14 +8865,14 @@
       </p:sp>
       <p:sp>
         <p:nvSpPr>
-          <p:cNvPr id="123" name="Прямоугольник 11"/>
+          <p:cNvPr id="125" name="Прямоугольник 11"/>
           <p:cNvSpPr/>
           <p:nvPr/>
         </p:nvSpPr>
         <p:spPr>
           <a:xfrm>
             <a:off x="9606240" y="433800"/>
-            <a:ext cx="472320" cy="496080"/>
+            <a:ext cx="471960" cy="495720"/>
           </a:xfrm>
           <a:prstGeom prst="rect">
             <a:avLst/>
@@ -8743,14 +8914,14 @@
       </p:sp>
       <p:sp>
         <p:nvSpPr>
-          <p:cNvPr id="124" name="Прямоугольник 12"/>
+          <p:cNvPr id="126" name="Прямоугольник 12"/>
           <p:cNvSpPr/>
           <p:nvPr/>
         </p:nvSpPr>
         <p:spPr>
           <a:xfrm>
             <a:off x="9073440" y="189720"/>
-            <a:ext cx="230400" cy="241920"/>
+            <a:ext cx="230040" cy="241560"/>
           </a:xfrm>
           <a:prstGeom prst="rect">
             <a:avLst/>
@@ -8792,14 +8963,14 @@
       </p:sp>
       <p:sp>
         <p:nvSpPr>
-          <p:cNvPr id="125" name="Прямоугольник 13"/>
+          <p:cNvPr id="127" name="Прямоугольник 13"/>
           <p:cNvSpPr/>
           <p:nvPr/>
         </p:nvSpPr>
         <p:spPr>
           <a:xfrm>
             <a:off x="304200" y="4889520"/>
-            <a:ext cx="318960" cy="334800"/>
+            <a:ext cx="318600" cy="334440"/>
           </a:xfrm>
           <a:prstGeom prst="rect">
             <a:avLst/>
@@ -8841,7 +9012,7 @@
       </p:sp>
       <p:sp>
         <p:nvSpPr>
-          <p:cNvPr id="126" name="PlaceHolder 1"/>
+          <p:cNvPr id="128" name="PlaceHolder 1"/>
           <p:cNvSpPr>
             <a:spLocks noGrp="1"/>
           </p:cNvSpPr>
@@ -8851,8 +9022,8 @@
         </p:nvSpPr>
         <p:spPr>
           <a:xfrm>
-            <a:off x="929520" y="433800"/>
-            <a:ext cx="3016440" cy="1694520"/>
+            <a:off x="929520" y="1143360"/>
+            <a:ext cx="3016080" cy="274680"/>
           </a:xfrm>
           <a:prstGeom prst="rect">
             <a:avLst/>
@@ -8864,7 +9035,7 @@
         </p:spPr>
         <p:txBody>
           <a:bodyPr lIns="0" rIns="0" tIns="0" bIns="0" anchor="ctr">
-            <a:noAutofit/>
+            <a:spAutoFit/>
           </a:bodyPr>
           <a:p>
             <a:pPr indent="0">
@@ -8877,7 +9048,7 @@
                 </a:solidFill>
                 <a:effectLst/>
                 <a:uFillTx/>
-                <a:latin typeface="FreeSerif"/>
+                <a:latin typeface="Times New Roman"/>
               </a:rPr>
               <a:t>Click to edit the title text format</a:t>
             </a:r>
@@ -8887,14 +9058,14 @@
               </a:solidFill>
               <a:effectLst/>
               <a:uFillTx/>
-              <a:latin typeface="FreeSerif"/>
-            </a:endParaRPr>
-          </a:p>
-        </p:txBody>
-      </p:sp>
-      <p:sp>
-        <p:nvSpPr>
-          <p:cNvPr id="127" name="PlaceHolder 2"/>
+              <a:latin typeface="Times New Roman"/>
+            </a:endParaRPr>
+          </a:p>
+        </p:txBody>
+      </p:sp>
+      <p:sp>
+        <p:nvSpPr>
+          <p:cNvPr id="129" name="PlaceHolder 2"/>
           <p:cNvSpPr>
             <a:spLocks noGrp="1"/>
           </p:cNvSpPr>
@@ -8905,7 +9076,7 @@
         <p:spPr>
           <a:xfrm>
             <a:off x="7224120" y="5256000"/>
-            <a:ext cx="2350080" cy="302400"/>
+            <a:ext cx="2349720" cy="302040"/>
           </a:xfrm>
           <a:prstGeom prst="rect">
             <a:avLst/>
@@ -8948,7 +9119,7 @@
                 <a:tab algn="l" pos="0"/>
               </a:tabLst>
             </a:pPr>
-            <a:fld id="{F579A1DD-A2B4-413C-BDF4-8BA7FE170440}" type="slidenum">
+            <a:fld id="{09EA99C8-B1FF-473A-9300-C4F73042168B}" type="slidenum">
               <a:rPr b="0" lang="en-US" sz="1400" strike="noStrike" u="none">
                 <a:solidFill>
                   <a:srgbClr val="000000"/>
@@ -8957,7 +9128,7 @@
                 <a:uFillTx/>
                 <a:latin typeface="Times New Roman"/>
               </a:rPr>
-              <a:t>&lt;number&gt;</a:t>
+              <a:t>1</a:t>
             </a:fld>
             <a:endParaRPr b="0" lang="en-US" sz="1400" strike="noStrike" u="none">
               <a:solidFill>
@@ -8965,7 +9136,7 @@
               </a:solidFill>
               <a:effectLst/>
               <a:uFillTx/>
-              <a:latin typeface="FreeSerif"/>
+              <a:latin typeface="Times New Roman"/>
             </a:endParaRPr>
           </a:p>
         </p:txBody>
@@ -8974,7 +9145,7 @@
   </p:cSld>
   <p:clrMap bg1="lt1" tx1="dk1" bg2="lt2" tx2="dk2" accent1="accent1" accent2="accent2" accent3="accent3" accent4="accent4" accent5="accent5" accent6="accent6" hlink="hlink" folHlink="folHlink"/>
   <p:sldLayoutIdLst>
-    <p:sldLayoutId id="2147483665" r:id="rId2"/>
+    <p:sldLayoutId id="2147483667" r:id="rId2"/>
   </p:sldLayoutIdLst>
 </p:sldMaster>
 </file>
@@ -8998,7 +9169,7 @@
       </p:grpSpPr>
       <p:sp>
         <p:nvSpPr>
-          <p:cNvPr id="136" name="PlaceHolder 1"/>
+          <p:cNvPr id="138" name="PlaceHolder 1"/>
           <p:cNvSpPr>
             <a:spLocks noGrp="1"/>
           </p:cNvSpPr>
@@ -9009,7 +9180,7 @@
         <p:spPr>
           <a:xfrm>
             <a:off x="1027440" y="2057400"/>
-            <a:ext cx="8571600" cy="1682280"/>
+            <a:ext cx="8571240" cy="1681920"/>
           </a:xfrm>
           <a:prstGeom prst="rect">
             <a:avLst/>
@@ -9066,14 +9237,14 @@
               </a:solidFill>
               <a:effectLst/>
               <a:uFillTx/>
-              <a:latin typeface="FreeSerif"/>
-            </a:endParaRPr>
-          </a:p>
-        </p:txBody>
-      </p:sp>
-      <p:sp>
-        <p:nvSpPr>
-          <p:cNvPr id="137" name="PlaceHolder 2"/>
+              <a:latin typeface="Times New Roman"/>
+            </a:endParaRPr>
+          </a:p>
+        </p:txBody>
+      </p:sp>
+      <p:sp>
+        <p:nvSpPr>
+          <p:cNvPr id="139" name="PlaceHolder 2"/>
           <p:cNvSpPr>
             <a:spLocks noGrp="1"/>
           </p:cNvSpPr>
@@ -9084,7 +9255,7 @@
         <p:spPr>
           <a:xfrm>
             <a:off x="1027440" y="3886200"/>
-            <a:ext cx="7557480" cy="558720"/>
+            <a:ext cx="7557120" cy="558360"/>
           </a:xfrm>
           <a:prstGeom prst="rect">
             <a:avLst/>
@@ -9129,21 +9300,21 @@
               </a:solidFill>
               <a:effectLst/>
               <a:uFillTx/>
-              <a:latin typeface="FreeSerif"/>
-            </a:endParaRPr>
-          </a:p>
-        </p:txBody>
-      </p:sp>
-      <p:sp>
-        <p:nvSpPr>
-          <p:cNvPr id="138" name=""/>
+              <a:latin typeface="Times New Roman"/>
+            </a:endParaRPr>
+          </a:p>
+        </p:txBody>
+      </p:sp>
+      <p:sp>
+        <p:nvSpPr>
+          <p:cNvPr id="140" name=""/>
           <p:cNvSpPr/>
           <p:nvPr/>
         </p:nvSpPr>
         <p:spPr>
           <a:xfrm>
             <a:off x="9601200" y="5258160"/>
-            <a:ext cx="455400" cy="411120"/>
+            <a:ext cx="455040" cy="410760"/>
           </a:xfrm>
           <a:prstGeom prst="rect">
             <a:avLst/>
@@ -9187,155 +9358,7 @@
               </a:solidFill>
               <a:effectLst/>
               <a:uFillTx/>
-              <a:latin typeface="FreeSerif"/>
-            </a:endParaRPr>
-          </a:p>
-        </p:txBody>
-      </p:sp>
-    </p:spTree>
-  </p:cSld>
-  <mc:AlternateContent>
-    <mc:Choice Requires="p14">
-      <p:transition spd="slow" p14:dur="2000"/>
-    </mc:Choice>
-    <mc:Fallback>
-      <p:transition spd="slow"/>
-    </mc:Fallback>
-  </mc:AlternateContent>
-</p:sld>
-</file>
-
-<file path=ppt/slides/slide10.xml><?xml version="1.0" encoding="utf-8"?>
-<p:sld xmlns:a="http://schemas.openxmlformats.org/drawingml/2006/main" xmlns:p="http://schemas.openxmlformats.org/presentationml/2006/main" xmlns:r="http://schemas.openxmlformats.org/officeDocument/2006/relationships" xmlns:p14="http://schemas.microsoft.com/office/powerpoint/2010/main" xmlns:p15="http://schemas.microsoft.com/office/powerpoint/2012/main" xmlns:mc="http://schemas.openxmlformats.org/markup-compatibility/2006">
-  <p:cSld>
-    <p:spTree>
-      <p:nvGrpSpPr>
-        <p:cNvPr id="1" name=""/>
-        <p:cNvGrpSpPr/>
-        <p:nvPr/>
-      </p:nvGrpSpPr>
-      <p:grpSpPr>
-        <a:xfrm>
-          <a:off x="0" y="0"/>
-          <a:ext cx="0" cy="0"/>
-          <a:chOff x="0" y="0"/>
-          <a:chExt cx="0" cy="0"/>
-        </a:xfrm>
-      </p:grpSpPr>
-      <p:sp>
-        <p:nvSpPr>
-          <p:cNvPr id="165" name="PlaceHolder 1"/>
-          <p:cNvSpPr>
-            <a:spLocks noGrp="1"/>
-          </p:cNvSpPr>
-          <p:nvPr>
-            <p:ph type="title"/>
-          </p:nvPr>
-        </p:nvSpPr>
-        <p:spPr>
-          <a:xfrm>
-            <a:off x="1027440" y="2057400"/>
-            <a:ext cx="8571600" cy="1682280"/>
-          </a:xfrm>
-          <a:prstGeom prst="rect">
-            <a:avLst/>
-          </a:prstGeom>
-          <a:noFill/>
-          <a:ln w="12600">
-            <a:noFill/>
-          </a:ln>
-        </p:spPr>
-        <p:txBody>
-          <a:bodyPr lIns="45720" rIns="45720" tIns="45000" bIns="45000" anchor="b">
-            <a:noAutofit/>
-          </a:bodyPr>
-          <a:p>
-            <a:pPr indent="0" defTabSz="740520">
-              <a:lnSpc>
-                <a:spcPct val="100000"/>
-              </a:lnSpc>
-              <a:buNone/>
-              <a:tabLst>
-                <a:tab algn="l" pos="0"/>
-              </a:tabLst>
-            </a:pPr>
-            <a:r>
-              <a:rPr b="0" lang="en-US" sz="3240" strike="noStrike" u="none">
-                <a:solidFill>
-                  <a:srgbClr val="ffffff"/>
-                </a:solidFill>
-                <a:effectLst/>
-                <a:uFillTx/>
-                <a:latin typeface="Bahnschrift"/>
-                <a:ea typeface="PermianSerifTypeface"/>
-              </a:rPr>
-              <a:t>Спасибо за внимание!</a:t>
-            </a:r>
-            <a:endParaRPr b="0" lang="en-US" sz="3240" strike="noStrike" u="none">
-              <a:solidFill>
-                <a:srgbClr val="000000"/>
-              </a:solidFill>
-              <a:effectLst/>
-              <a:uFillTx/>
-              <a:latin typeface="FreeSerif"/>
-            </a:endParaRPr>
-          </a:p>
-        </p:txBody>
-      </p:sp>
-      <p:sp>
-        <p:nvSpPr>
-          <p:cNvPr id="166" name=""/>
-          <p:cNvSpPr/>
-          <p:nvPr/>
-        </p:nvSpPr>
-        <p:spPr>
-          <a:xfrm>
-            <a:off x="9601200" y="5258160"/>
-            <a:ext cx="455400" cy="411120"/>
-          </a:xfrm>
-          <a:prstGeom prst="rect">
-            <a:avLst/>
-          </a:prstGeom>
-          <a:noFill/>
-          <a:ln w="0">
-            <a:noFill/>
-          </a:ln>
-        </p:spPr>
-        <p:style>
-          <a:lnRef idx="0"/>
-          <a:fillRef idx="0"/>
-          <a:effectRef idx="0"/>
-          <a:fontRef idx="minor"/>
-        </p:style>
-        <p:txBody>
-          <a:bodyPr lIns="90000" rIns="90000" tIns="45000" bIns="45000" anchor="ctr">
-            <a:noAutofit/>
-          </a:bodyPr>
-          <a:p>
-            <a:pPr algn="ctr">
-              <a:lnSpc>
-                <a:spcPct val="100000"/>
-              </a:lnSpc>
-            </a:pPr>
-            <a:r>
-              <a:rPr b="0" lang="en-US" sz="2400" strike="noStrike" u="none">
-                <a:solidFill>
-                  <a:srgbClr val="ffffff"/>
-                </a:solidFill>
-                <a:effectLst/>
-                <a:uFillTx/>
-                <a:latin typeface="Bahnschrift"/>
-                <a:ea typeface="Arial"/>
-              </a:rPr>
-              <a:t>11</a:t>
-            </a:r>
-            <a:endParaRPr b="0" lang="en-US" sz="2400" strike="noStrike" u="none">
-              <a:solidFill>
-                <a:srgbClr val="000000"/>
-              </a:solidFill>
-              <a:effectLst/>
-              <a:uFillTx/>
-              <a:latin typeface="FreeSerif"/>
+              <a:latin typeface="Times New Roman"/>
             </a:endParaRPr>
           </a:p>
         </p:txBody>
@@ -9372,14 +9395,14 @@
       </p:grpSpPr>
       <p:sp>
         <p:nvSpPr>
-          <p:cNvPr id="139" name=""/>
+          <p:cNvPr id="141" name=""/>
           <p:cNvSpPr/>
           <p:nvPr/>
         </p:nvSpPr>
         <p:spPr>
           <a:xfrm>
             <a:off x="228600" y="0"/>
-            <a:ext cx="9850320" cy="912600"/>
+            <a:ext cx="9849960" cy="912240"/>
           </a:xfrm>
           <a:prstGeom prst="rect">
             <a:avLst/>
@@ -9423,21 +9446,21 @@
               </a:solidFill>
               <a:effectLst/>
               <a:uFillTx/>
-              <a:latin typeface="FreeSerif"/>
-            </a:endParaRPr>
-          </a:p>
-        </p:txBody>
-      </p:sp>
-      <p:sp>
-        <p:nvSpPr>
-          <p:cNvPr id="140" name=""/>
+              <a:latin typeface="Times New Roman"/>
+            </a:endParaRPr>
+          </a:p>
+        </p:txBody>
+      </p:sp>
+      <p:sp>
+        <p:nvSpPr>
+          <p:cNvPr id="142" name=""/>
           <p:cNvSpPr/>
           <p:nvPr/>
         </p:nvSpPr>
         <p:spPr>
           <a:xfrm>
             <a:off x="457200" y="2514600"/>
-            <a:ext cx="9142200" cy="684000"/>
+            <a:ext cx="9141840" cy="683640"/>
           </a:xfrm>
           <a:prstGeom prst="rect">
             <a:avLst/>
@@ -9470,20 +9493,21 @@
               <a:effectLst/>
               <a:uFillTx/>
               <a:latin typeface="FreeSerif"/>
-            </a:endParaRPr>
-          </a:p>
-        </p:txBody>
-      </p:sp>
-      <p:sp>
-        <p:nvSpPr>
-          <p:cNvPr id="141" name=""/>
+              <a:ea typeface="Arial"/>
+            </a:endParaRPr>
+          </a:p>
+        </p:txBody>
+      </p:sp>
+      <p:sp>
+        <p:nvSpPr>
+          <p:cNvPr id="143" name=""/>
           <p:cNvSpPr/>
           <p:nvPr/>
         </p:nvSpPr>
         <p:spPr>
           <a:xfrm>
             <a:off x="9601200" y="5257800"/>
-            <a:ext cx="455400" cy="411120"/>
+            <a:ext cx="455040" cy="410760"/>
           </a:xfrm>
           <a:prstGeom prst="rect">
             <a:avLst/>
@@ -9527,7 +9551,64 @@
               </a:solidFill>
               <a:effectLst/>
               <a:uFillTx/>
-              <a:latin typeface="FreeSerif"/>
+              <a:latin typeface="Times New Roman"/>
+            </a:endParaRPr>
+          </a:p>
+        </p:txBody>
+      </p:sp>
+      <p:sp>
+        <p:nvSpPr>
+          <p:cNvPr id="144" name=""/>
+          <p:cNvSpPr txBox="1"/>
+          <p:nvPr/>
+        </p:nvSpPr>
+        <p:spPr>
+          <a:xfrm>
+            <a:off x="457200" y="1143000"/>
+            <a:ext cx="9372600" cy="3429000"/>
+          </a:xfrm>
+          <a:prstGeom prst="rect">
+            <a:avLst/>
+          </a:prstGeom>
+          <a:noFill/>
+          <a:ln w="0">
+            <a:noFill/>
+          </a:ln>
+        </p:spPr>
+        <p:txBody>
+          <a:bodyPr lIns="90000" rIns="90000" tIns="45000" bIns="45000" anchor="t">
+            <a:spAutoFit/>
+          </a:bodyPr>
+          <a:p>
+            <a:r>
+              <a:rPr b="0" lang="en-US" sz="1800" strike="noStrike" u="none">
+                <a:solidFill>
+                  <a:srgbClr val="000000"/>
+                </a:solidFill>
+                <a:effectLst/>
+                <a:uFillTx/>
+                <a:latin typeface="Bahnschrift"/>
+              </a:rPr>
+              <a:t>	</a:t>
+            </a:r>
+            <a:r>
+              <a:rPr b="0" lang="en-US" sz="1800" strike="noStrike" u="none">
+                <a:solidFill>
+                  <a:srgbClr val="000000"/>
+                </a:solidFill>
+                <a:effectLst/>
+                <a:uFillTx/>
+                <a:latin typeface="Bahnschrift"/>
+              </a:rPr>
+              <a:t>Игрок выставляет в линию шарики разных цветов. Когда образуется непрерывная цепочка из трех и более шариков одного цвета, она удаляется из линии. Все шарики при этом сдвигаются друг к другу, и ситуация может повториться. Написать программу, которая по данной ситуации определяет, сколько шариков будет сейчас уничтожено. Непрерывных цепочек из трех и более одноцветных шаров в начальный момент может быть не более одной. Даны количество шариков в цепочке (не более 105) и цвета шариков (от 0 до 9, каждому цвету соответствует свое целое число). Требуется вывести количество шариков, которое будет уничтожено.</a:t>
+            </a:r>
+            <a:endParaRPr b="0" lang="en-US" sz="1800" strike="noStrike" u="none">
+              <a:solidFill>
+                <a:srgbClr val="000000"/>
+              </a:solidFill>
+              <a:effectLst/>
+              <a:uFillTx/>
+              <a:latin typeface="Bahnschrift"/>
             </a:endParaRPr>
           </a:p>
         </p:txBody>
@@ -9564,7 +9645,7 @@
       </p:grpSpPr>
       <p:sp>
         <p:nvSpPr>
-          <p:cNvPr id="142" name="PlaceHolder 1"/>
+          <p:cNvPr id="145" name="PlaceHolder 1"/>
           <p:cNvSpPr>
             <a:spLocks noGrp="1"/>
           </p:cNvSpPr>
@@ -9575,7 +9656,7 @@
         <p:spPr>
           <a:xfrm>
             <a:off x="692640" y="275760"/>
-            <a:ext cx="8692560" cy="1094040"/>
+            <a:ext cx="8692200" cy="1093680"/>
           </a:xfrm>
           <a:prstGeom prst="rect">
             <a:avLst/>
@@ -9617,21 +9698,21 @@
               </a:solidFill>
               <a:effectLst/>
               <a:uFillTx/>
-              <a:latin typeface="FreeSerif"/>
-            </a:endParaRPr>
-          </a:p>
-        </p:txBody>
-      </p:sp>
-      <p:sp>
-        <p:nvSpPr>
-          <p:cNvPr id="143" name=""/>
+              <a:latin typeface="Times New Roman"/>
+            </a:endParaRPr>
+          </a:p>
+        </p:txBody>
+      </p:sp>
+      <p:sp>
+        <p:nvSpPr>
+          <p:cNvPr id="146" name=""/>
           <p:cNvSpPr/>
           <p:nvPr/>
         </p:nvSpPr>
         <p:spPr>
           <a:xfrm>
             <a:off x="9601200" y="5258160"/>
-            <a:ext cx="455400" cy="411120"/>
+            <a:ext cx="455040" cy="410760"/>
           </a:xfrm>
           <a:prstGeom prst="rect">
             <a:avLst/>
@@ -9675,21 +9756,21 @@
               </a:solidFill>
               <a:effectLst/>
               <a:uFillTx/>
-              <a:latin typeface="FreeSerif"/>
-            </a:endParaRPr>
-          </a:p>
-        </p:txBody>
-      </p:sp>
-      <p:sp>
-        <p:nvSpPr>
-          <p:cNvPr id="144" name=""/>
+              <a:latin typeface="Times New Roman"/>
+            </a:endParaRPr>
+          </a:p>
+        </p:txBody>
+      </p:sp>
+      <p:sp>
+        <p:nvSpPr>
+          <p:cNvPr id="147" name=""/>
           <p:cNvSpPr/>
           <p:nvPr/>
         </p:nvSpPr>
         <p:spPr>
           <a:xfrm>
             <a:off x="4800600" y="1600200"/>
-            <a:ext cx="4570920" cy="3885120"/>
+            <a:ext cx="4570560" cy="3884760"/>
           </a:xfrm>
           <a:prstGeom prst="rect">
             <a:avLst/>
@@ -9728,10 +9809,197 @@
               <a:effectLst/>
               <a:uFillTx/>
               <a:latin typeface="FreeSerif"/>
-            </a:endParaRPr>
-          </a:p>
-        </p:txBody>
-      </p:sp>
+              <a:ea typeface="Arial"/>
+            </a:endParaRPr>
+          </a:p>
+        </p:txBody>
+      </p:sp>
+      <p:sp>
+        <p:nvSpPr>
+          <p:cNvPr id="148" name=""/>
+          <p:cNvSpPr txBox="1"/>
+          <p:nvPr/>
+        </p:nvSpPr>
+        <p:spPr>
+          <a:xfrm>
+            <a:off x="4800600" y="1369440"/>
+            <a:ext cx="5029200" cy="4223520"/>
+          </a:xfrm>
+          <a:prstGeom prst="rect">
+            <a:avLst/>
+          </a:prstGeom>
+          <a:noFill/>
+          <a:ln w="0">
+            <a:noFill/>
+          </a:ln>
+        </p:spPr>
+        <p:txBody>
+          <a:bodyPr lIns="90000" rIns="90000" tIns="45000" bIns="45000" anchor="t">
+            <a:spAutoFit/>
+          </a:bodyPr>
+          <a:p>
+            <a:r>
+              <a:rPr b="0" lang="en-US" sz="1400" strike="noStrike" u="none">
+                <a:solidFill>
+                  <a:srgbClr val="000000"/>
+                </a:solidFill>
+                <a:effectLst/>
+                <a:uFillTx/>
+                <a:latin typeface="Bahnscrift"/>
+              </a:rPr>
+              <a:t>Для решения задачи было решено использовать связные списки,</a:t>
+            </a:r>
+            <a:r>
+              <a:rPr b="0" lang="en-US" sz="1400" strike="noStrike" u="none">
+                <a:solidFill>
+                  <a:srgbClr val="000000"/>
+                </a:solidFill>
+                <a:effectLst/>
+                <a:uFillTx/>
+                <a:latin typeface="Bahnscrift"/>
+              </a:rPr>
+              <a:t> поскольку они позволяют удалять</a:t>
+            </a:r>
+            <a:endParaRPr b="0" lang="en-US" sz="1400" strike="noStrike" u="none">
+              <a:solidFill>
+                <a:srgbClr val="000000"/>
+              </a:solidFill>
+              <a:effectLst/>
+              <a:uFillTx/>
+              <a:latin typeface="Bahnscrift"/>
+            </a:endParaRPr>
+          </a:p>
+          <a:p>
+            <a:r>
+              <a:rPr b="0" lang="en-US" sz="1400" strike="noStrike" u="none">
+                <a:solidFill>
+                  <a:srgbClr val="000000"/>
+                </a:solidFill>
+                <a:effectLst/>
+                <a:uFillTx/>
+                <a:latin typeface="Bahnscrift"/>
+              </a:rPr>
+              <a:t>последовательности элементов без необходимости сдвига оставшихся </a:t>
+            </a:r>
+            <a:r>
+              <a:rPr b="0" lang="en-US" sz="1400" strike="noStrike" u="none">
+                <a:solidFill>
+                  <a:srgbClr val="000000"/>
+                </a:solidFill>
+                <a:effectLst/>
+                <a:uFillTx/>
+                <a:latin typeface="Bahnschrift"/>
+              </a:rPr>
+              <a:t>элементов</a:t>
+            </a:r>
+            <a:r>
+              <a:rPr b="0" lang="en-US" sz="1400" strike="noStrike" u="none">
+                <a:solidFill>
+                  <a:srgbClr val="000000"/>
+                </a:solidFill>
+                <a:effectLst/>
+                <a:uFillTx/>
+                <a:latin typeface="Bahnscrift"/>
+              </a:rPr>
+              <a:t>, как, например, в массиве или векторе.</a:t>
+            </a:r>
+            <a:endParaRPr b="0" lang="en-US" sz="1400" strike="noStrike" u="none">
+              <a:solidFill>
+                <a:srgbClr val="000000"/>
+              </a:solidFill>
+              <a:effectLst/>
+              <a:uFillTx/>
+              <a:latin typeface="Bahnscrift"/>
+            </a:endParaRPr>
+          </a:p>
+          <a:p>
+            <a:endParaRPr b="0" lang="en-US" sz="1400" strike="noStrike" u="none">
+              <a:solidFill>
+                <a:srgbClr val="000000"/>
+              </a:solidFill>
+              <a:effectLst/>
+              <a:uFillTx/>
+              <a:latin typeface="Bahnscrift"/>
+            </a:endParaRPr>
+          </a:p>
+          <a:p>
+            <a:r>
+              <a:rPr b="0" lang="en-US" sz="1400" strike="noStrike" u="none">
+                <a:solidFill>
+                  <a:srgbClr val="000000"/>
+                </a:solidFill>
+                <a:effectLst/>
+                <a:uFillTx/>
+                <a:latin typeface="Bahnscrift"/>
+              </a:rPr>
+              <a:t>В методе main программа запрашивает количество шариков n, проверяя ввод на корректность. Затем пользователь вводит сами шарики (цифры от 0 до 9), которые добавляются в связный список с помощью метода PushBack. Когда все шарики введены, вызывается функция DestroySeq.</a:t>
+            </a:r>
+            <a:endParaRPr b="0" lang="en-US" sz="1400" strike="noStrike" u="none">
+              <a:solidFill>
+                <a:srgbClr val="000000"/>
+              </a:solidFill>
+              <a:effectLst/>
+              <a:uFillTx/>
+              <a:latin typeface="Bahnscrift"/>
+            </a:endParaRPr>
+          </a:p>
+          <a:p>
+            <a:endParaRPr b="0" lang="en-US" sz="1400" strike="noStrike" u="none">
+              <a:solidFill>
+                <a:srgbClr val="000000"/>
+              </a:solidFill>
+              <a:effectLst/>
+              <a:uFillTx/>
+              <a:latin typeface="Bahnscrift"/>
+            </a:endParaRPr>
+          </a:p>
+          <a:p>
+            <a:r>
+              <a:rPr b="0" lang="en-US" sz="1400" strike="noStrike" u="none">
+                <a:solidFill>
+                  <a:srgbClr val="000000"/>
+                </a:solidFill>
+                <a:effectLst/>
+                <a:uFillTx/>
+                <a:latin typeface="Bahnscrift"/>
+              </a:rPr>
+              <a:t>DestroySeq ищет последовательности из трех или более одинаковых цифр подряд пробегаясь по элементам в списке. Если такие последовательности найдены, они убираются из списка с помощью Erase. Erase удаляет узлы в диапазоне, начиная с узла start и заканчивая узлом перед end. Если удаление затрагивает начало или конец списка, обновляются указатели _head и _tail.</a:t>
+            </a:r>
+            <a:endParaRPr b="0" lang="en-US" sz="1400" strike="noStrike" u="none">
+              <a:solidFill>
+                <a:srgbClr val="000000"/>
+              </a:solidFill>
+              <a:effectLst/>
+              <a:uFillTx/>
+              <a:latin typeface="Bahnscrift"/>
+            </a:endParaRPr>
+          </a:p>
+        </p:txBody>
+      </p:sp>
+      <p:pic>
+        <p:nvPicPr>
+          <p:cNvPr id="149" name="" descr=""/>
+          <p:cNvPicPr/>
+          <p:nvPr/>
+        </p:nvPicPr>
+        <p:blipFill>
+          <a:blip r:embed="rId1"/>
+          <a:stretch/>
+        </p:blipFill>
+        <p:spPr>
+          <a:xfrm>
+            <a:off x="228600" y="1653120"/>
+            <a:ext cx="4572000" cy="3513600"/>
+          </a:xfrm>
+          <a:prstGeom prst="rect">
+            <a:avLst/>
+          </a:prstGeom>
+          <a:noFill/>
+          <a:ln w="0">
+            <a:noFill/>
+          </a:ln>
+        </p:spPr>
+      </p:pic>
     </p:spTree>
   </p:cSld>
   <mc:AlternateContent>
@@ -9764,14 +10032,14 @@
       </p:grpSpPr>
       <p:sp>
         <p:nvSpPr>
-          <p:cNvPr id="145" name=""/>
+          <p:cNvPr id="150" name=""/>
           <p:cNvSpPr/>
           <p:nvPr/>
         </p:nvSpPr>
         <p:spPr>
           <a:xfrm>
             <a:off x="228600" y="0"/>
-            <a:ext cx="9850320" cy="912600"/>
+            <a:ext cx="9849960" cy="912240"/>
           </a:xfrm>
           <a:prstGeom prst="rect">
             <a:avLst/>
@@ -9815,21 +10083,21 @@
               </a:solidFill>
               <a:effectLst/>
               <a:uFillTx/>
-              <a:latin typeface="FreeSerif"/>
-            </a:endParaRPr>
-          </a:p>
-        </p:txBody>
-      </p:sp>
-      <p:sp>
-        <p:nvSpPr>
-          <p:cNvPr id="146" name=""/>
+              <a:latin typeface="Times New Roman"/>
+            </a:endParaRPr>
+          </a:p>
+        </p:txBody>
+      </p:sp>
+      <p:sp>
+        <p:nvSpPr>
+          <p:cNvPr id="151" name=""/>
           <p:cNvSpPr/>
           <p:nvPr/>
         </p:nvSpPr>
         <p:spPr>
           <a:xfrm>
             <a:off x="0" y="2590200"/>
-            <a:ext cx="10078920" cy="1065600"/>
+            <a:ext cx="10078560" cy="1065240"/>
           </a:xfrm>
           <a:prstGeom prst="rect">
             <a:avLst/>
@@ -9862,20 +10130,21 @@
               <a:effectLst/>
               <a:uFillTx/>
               <a:latin typeface="FreeSerif"/>
-            </a:endParaRPr>
-          </a:p>
-        </p:txBody>
-      </p:sp>
-      <p:sp>
-        <p:nvSpPr>
-          <p:cNvPr id="147" name=""/>
+              <a:ea typeface="Arial"/>
+            </a:endParaRPr>
+          </a:p>
+        </p:txBody>
+      </p:sp>
+      <p:sp>
+        <p:nvSpPr>
+          <p:cNvPr id="152" name=""/>
           <p:cNvSpPr/>
           <p:nvPr/>
         </p:nvSpPr>
         <p:spPr>
           <a:xfrm>
             <a:off x="9601200" y="5257800"/>
-            <a:ext cx="455400" cy="411120"/>
+            <a:ext cx="455040" cy="410760"/>
           </a:xfrm>
           <a:prstGeom prst="rect">
             <a:avLst/>
@@ -9911,7 +10180,7 @@
                 <a:latin typeface="Bahnschrift"/>
                 <a:ea typeface="Arial"/>
               </a:rPr>
-              <a:t>5</a:t>
+              <a:t>3</a:t>
             </a:r>
             <a:endParaRPr b="0" lang="en-US" sz="2400" strike="noStrike" u="none">
               <a:solidFill>
@@ -9919,21 +10188,21 @@
               </a:solidFill>
               <a:effectLst/>
               <a:uFillTx/>
-              <a:latin typeface="FreeSerif"/>
-            </a:endParaRPr>
-          </a:p>
-        </p:txBody>
-      </p:sp>
-      <p:sp>
-        <p:nvSpPr>
-          <p:cNvPr id="148" name=""/>
+              <a:latin typeface="Times New Roman"/>
+            </a:endParaRPr>
+          </a:p>
+        </p:txBody>
+      </p:sp>
+      <p:sp>
+        <p:nvSpPr>
+          <p:cNvPr id="153" name=""/>
           <p:cNvSpPr/>
           <p:nvPr/>
         </p:nvSpPr>
         <p:spPr>
           <a:xfrm>
             <a:off x="0" y="532800"/>
-            <a:ext cx="10078920" cy="1065600"/>
+            <a:ext cx="10078560" cy="1065240"/>
           </a:xfrm>
           <a:prstGeom prst="rect">
             <a:avLst/>
@@ -9966,6 +10235,122 @@
               <a:effectLst/>
               <a:uFillTx/>
               <a:latin typeface="FreeSerif"/>
+              <a:ea typeface="Arial"/>
+            </a:endParaRPr>
+          </a:p>
+        </p:txBody>
+      </p:sp>
+      <p:pic>
+        <p:nvPicPr>
+          <p:cNvPr id="154" name="" descr=""/>
+          <p:cNvPicPr/>
+          <p:nvPr/>
+        </p:nvPicPr>
+        <p:blipFill>
+          <a:blip r:embed="rId1"/>
+          <a:stretch/>
+        </p:blipFill>
+        <p:spPr>
+          <a:xfrm>
+            <a:off x="228600" y="939240"/>
+            <a:ext cx="5640480" cy="660960"/>
+          </a:xfrm>
+          <a:prstGeom prst="rect">
+            <a:avLst/>
+          </a:prstGeom>
+          <a:noFill/>
+          <a:ln w="0">
+            <a:noFill/>
+          </a:ln>
+        </p:spPr>
+      </p:pic>
+      <p:pic>
+        <p:nvPicPr>
+          <p:cNvPr id="155" name="" descr=""/>
+          <p:cNvPicPr/>
+          <p:nvPr/>
+        </p:nvPicPr>
+        <p:blipFill>
+          <a:blip r:embed="rId2"/>
+          <a:stretch/>
+        </p:blipFill>
+        <p:spPr>
+          <a:xfrm>
+            <a:off x="228600" y="1658160"/>
+            <a:ext cx="4343400" cy="1177920"/>
+          </a:xfrm>
+          <a:prstGeom prst="rect">
+            <a:avLst/>
+          </a:prstGeom>
+          <a:noFill/>
+          <a:ln w="0">
+            <a:noFill/>
+          </a:ln>
+        </p:spPr>
+      </p:pic>
+      <p:sp>
+        <p:nvSpPr>
+          <p:cNvPr id="156" name=""/>
+          <p:cNvSpPr txBox="1"/>
+          <p:nvPr/>
+        </p:nvSpPr>
+        <p:spPr>
+          <a:xfrm>
+            <a:off x="5029200" y="2057400"/>
+            <a:ext cx="4800600" cy="3200400"/>
+          </a:xfrm>
+          <a:prstGeom prst="rect">
+            <a:avLst/>
+          </a:prstGeom>
+          <a:noFill/>
+          <a:ln w="0">
+            <a:noFill/>
+          </a:ln>
+        </p:spPr>
+        <p:txBody>
+          <a:bodyPr lIns="90000" rIns="90000" tIns="45000" bIns="45000" anchor="t">
+            <a:spAutoFit/>
+          </a:bodyPr>
+          <a:p>
+            <a:r>
+              <a:rPr b="0" lang="en-US" sz="1800" strike="noStrike" u="none">
+                <a:solidFill>
+                  <a:srgbClr val="000000"/>
+                </a:solidFill>
+                <a:effectLst/>
+                <a:uFillTx/>
+                <a:latin typeface="Bahnscrift"/>
+              </a:rPr>
+              <a:t>В программе присутствует дружественный интерфейс и “защита от дурака”, которая</a:t>
+            </a:r>
+            <a:endParaRPr b="0" lang="en-US" sz="1800" strike="noStrike" u="none">
+              <a:solidFill>
+                <a:srgbClr val="000000"/>
+              </a:solidFill>
+              <a:effectLst/>
+              <a:uFillTx/>
+              <a:latin typeface="Bahnscrift"/>
+            </a:endParaRPr>
+          </a:p>
+          <a:p>
+            <a:r>
+              <a:rPr b="0" lang="en-US" sz="1800" strike="noStrike" u="none">
+                <a:solidFill>
+                  <a:srgbClr val="000000"/>
+                </a:solidFill>
+                <a:effectLst/>
+                <a:uFillTx/>
+                <a:latin typeface="Bahnscrift"/>
+              </a:rPr>
+              <a:t>не дает пользователю вводить ничего кроме цифр. Так же не принимаются значения, которые не соответствуют условиям задачи или вне диапазона.</a:t>
+            </a:r>
+            <a:endParaRPr b="0" lang="en-US" sz="1800" strike="noStrike" u="none">
+              <a:solidFill>
+                <a:srgbClr val="000000"/>
+              </a:solidFill>
+              <a:effectLst/>
+              <a:uFillTx/>
+              <a:latin typeface="Bahnscrift"/>
             </a:endParaRPr>
           </a:p>
         </p:txBody>
@@ -10002,14 +10387,14 @@
       </p:grpSpPr>
       <p:sp>
         <p:nvSpPr>
-          <p:cNvPr id="149" name=""/>
+          <p:cNvPr id="157" name=""/>
           <p:cNvSpPr/>
           <p:nvPr/>
         </p:nvSpPr>
         <p:spPr>
           <a:xfrm>
             <a:off x="228600" y="0"/>
-            <a:ext cx="9850320" cy="912600"/>
+            <a:ext cx="9849960" cy="912240"/>
           </a:xfrm>
           <a:prstGeom prst="rect">
             <a:avLst/>
@@ -10053,21 +10438,21 @@
               </a:solidFill>
               <a:effectLst/>
               <a:uFillTx/>
-              <a:latin typeface="FreeSerif"/>
-            </a:endParaRPr>
-          </a:p>
-        </p:txBody>
-      </p:sp>
-      <p:sp>
-        <p:nvSpPr>
-          <p:cNvPr id="150" name=""/>
+              <a:latin typeface="Times New Roman"/>
+            </a:endParaRPr>
+          </a:p>
+        </p:txBody>
+      </p:sp>
+      <p:sp>
+        <p:nvSpPr>
+          <p:cNvPr id="158" name=""/>
           <p:cNvSpPr/>
           <p:nvPr/>
         </p:nvSpPr>
         <p:spPr>
           <a:xfrm>
             <a:off x="9601200" y="5257800"/>
-            <a:ext cx="455400" cy="411120"/>
+            <a:ext cx="455040" cy="410760"/>
           </a:xfrm>
           <a:prstGeom prst="rect">
             <a:avLst/>
@@ -10103,7 +10488,7 @@
                 <a:latin typeface="Bahnschrift"/>
                 <a:ea typeface="Arial"/>
               </a:rPr>
-              <a:t>6</a:t>
+              <a:t>4</a:t>
             </a:r>
             <a:endParaRPr b="0" lang="en-US" sz="2400" strike="noStrike" u="none">
               <a:solidFill>
@@ -10111,21 +10496,21 @@
               </a:solidFill>
               <a:effectLst/>
               <a:uFillTx/>
-              <a:latin typeface="FreeSerif"/>
-            </a:endParaRPr>
-          </a:p>
-        </p:txBody>
-      </p:sp>
-      <p:sp>
-        <p:nvSpPr>
-          <p:cNvPr id="151" name=""/>
+              <a:latin typeface="Times New Roman"/>
+            </a:endParaRPr>
+          </a:p>
+        </p:txBody>
+      </p:sp>
+      <p:sp>
+        <p:nvSpPr>
+          <p:cNvPr id="159" name=""/>
           <p:cNvSpPr/>
           <p:nvPr/>
         </p:nvSpPr>
         <p:spPr>
           <a:xfrm>
             <a:off x="0" y="532800"/>
-            <a:ext cx="10078920" cy="1294200"/>
+            <a:ext cx="10078560" cy="1293840"/>
           </a:xfrm>
           <a:prstGeom prst="rect">
             <a:avLst/>
@@ -10158,20 +10543,21 @@
               <a:effectLst/>
               <a:uFillTx/>
               <a:latin typeface="FreeSerif"/>
-            </a:endParaRPr>
-          </a:p>
-        </p:txBody>
-      </p:sp>
-      <p:sp>
-        <p:nvSpPr>
-          <p:cNvPr id="152" name=""/>
+              <a:ea typeface="Arial"/>
+            </a:endParaRPr>
+          </a:p>
+        </p:txBody>
+      </p:sp>
+      <p:sp>
+        <p:nvSpPr>
+          <p:cNvPr id="160" name=""/>
           <p:cNvSpPr/>
           <p:nvPr/>
         </p:nvSpPr>
         <p:spPr>
           <a:xfrm>
             <a:off x="0" y="2286000"/>
-            <a:ext cx="10078920" cy="1294200"/>
+            <a:ext cx="10078560" cy="1293840"/>
           </a:xfrm>
           <a:prstGeom prst="rect">
             <a:avLst/>
@@ -10204,10 +10590,242 @@
               <a:effectLst/>
               <a:uFillTx/>
               <a:latin typeface="FreeSerif"/>
-            </a:endParaRPr>
-          </a:p>
-        </p:txBody>
-      </p:sp>
+              <a:ea typeface="Arial"/>
+            </a:endParaRPr>
+          </a:p>
+        </p:txBody>
+      </p:sp>
+      <p:sp>
+        <p:nvSpPr>
+          <p:cNvPr id="161" name=""/>
+          <p:cNvSpPr txBox="1"/>
+          <p:nvPr/>
+        </p:nvSpPr>
+        <p:spPr>
+          <a:xfrm>
+            <a:off x="457200" y="912240"/>
+            <a:ext cx="7315200" cy="3431160"/>
+          </a:xfrm>
+          <a:prstGeom prst="rect">
+            <a:avLst/>
+          </a:prstGeom>
+          <a:noFill/>
+          <a:ln w="0">
+            <a:noFill/>
+          </a:ln>
+        </p:spPr>
+        <p:txBody>
+          <a:bodyPr lIns="90000" rIns="90000" tIns="45000" bIns="45000" anchor="t">
+            <a:spAutoFit/>
+          </a:bodyPr>
+          <a:p>
+            <a:r>
+              <a:rPr b="0" lang="en-US" sz="1800" strike="noStrike" u="none">
+                <a:solidFill>
+                  <a:srgbClr val="000000"/>
+                </a:solidFill>
+                <a:effectLst/>
+                <a:uFillTx/>
+                <a:latin typeface="Bahnscrift"/>
+              </a:rPr>
+              <a:t>Для начального тестирования возьмем значения, которые были предоставлены в задании в качестве примера:</a:t>
+            </a:r>
+            <a:endParaRPr b="0" lang="en-US" sz="1800" strike="noStrike" u="none">
+              <a:solidFill>
+                <a:srgbClr val="000000"/>
+              </a:solidFill>
+              <a:effectLst/>
+              <a:uFillTx/>
+              <a:latin typeface="Bahnscrift"/>
+            </a:endParaRPr>
+          </a:p>
+          <a:p>
+            <a:r>
+              <a:rPr b="1" lang="en-US" sz="1800" strike="noStrike" u="none">
+                <a:solidFill>
+                  <a:srgbClr val="000000"/>
+                </a:solidFill>
+                <a:effectLst/>
+                <a:uFillTx/>
+                <a:latin typeface="Bahnscrift"/>
+              </a:rPr>
+              <a:t>1 3 3 3 2</a:t>
+            </a:r>
+            <a:endParaRPr b="0" lang="en-US" sz="1800" strike="noStrike" u="none">
+              <a:solidFill>
+                <a:srgbClr val="000000"/>
+              </a:solidFill>
+              <a:effectLst/>
+              <a:uFillTx/>
+              <a:latin typeface="Bahnscrift"/>
+            </a:endParaRPr>
+          </a:p>
+          <a:p>
+            <a:r>
+              <a:rPr b="0" lang="en-US" sz="1800" strike="noStrike" u="none">
+                <a:solidFill>
+                  <a:srgbClr val="000000"/>
+                </a:solidFill>
+                <a:effectLst/>
+                <a:uFillTx/>
+                <a:latin typeface="Bahnscrift"/>
+              </a:rPr>
+              <a:t>Ожидаемые выходные данные: </a:t>
+            </a:r>
+            <a:r>
+              <a:rPr b="1" lang="en-US" sz="1800" strike="noStrike" u="none">
+                <a:solidFill>
+                  <a:srgbClr val="000000"/>
+                </a:solidFill>
+                <a:effectLst/>
+                <a:uFillTx/>
+                <a:latin typeface="Bahnscrift"/>
+              </a:rPr>
+              <a:t>3</a:t>
+            </a:r>
+            <a:endParaRPr b="0" lang="en-US" sz="1800" strike="noStrike" u="none">
+              <a:solidFill>
+                <a:srgbClr val="000000"/>
+              </a:solidFill>
+              <a:effectLst/>
+              <a:uFillTx/>
+              <a:latin typeface="Bahnscrift"/>
+            </a:endParaRPr>
+          </a:p>
+          <a:p>
+            <a:r>
+              <a:rPr b="1" lang="en-US" sz="1800" strike="noStrike" u="none">
+                <a:solidFill>
+                  <a:srgbClr val="000000"/>
+                </a:solidFill>
+                <a:effectLst/>
+                <a:uFillTx/>
+                <a:latin typeface="Bahnscrift"/>
+              </a:rPr>
+              <a:t>3 3 2 1 1 1 2 2 3 3</a:t>
+            </a:r>
+            <a:endParaRPr b="0" lang="en-US" sz="1800" strike="noStrike" u="none">
+              <a:solidFill>
+                <a:srgbClr val="000000"/>
+              </a:solidFill>
+              <a:effectLst/>
+              <a:uFillTx/>
+              <a:latin typeface="Bahnscrift"/>
+            </a:endParaRPr>
+          </a:p>
+          <a:p>
+            <a:r>
+              <a:rPr b="0" lang="en-US" sz="1800" strike="noStrike" u="none">
+                <a:solidFill>
+                  <a:srgbClr val="000000"/>
+                </a:solidFill>
+                <a:effectLst/>
+                <a:uFillTx/>
+                <a:latin typeface="Bahnscrift"/>
+              </a:rPr>
+              <a:t>Ожидаемые выходные данные: </a:t>
+            </a:r>
+            <a:r>
+              <a:rPr b="1" lang="en-US" sz="1800" strike="noStrike" u="none">
+                <a:solidFill>
+                  <a:srgbClr val="000000"/>
+                </a:solidFill>
+                <a:effectLst/>
+                <a:uFillTx/>
+                <a:latin typeface="Bahnscrift"/>
+              </a:rPr>
+              <a:t>10</a:t>
+            </a:r>
+            <a:endParaRPr b="0" lang="en-US" sz="1800" strike="noStrike" u="none">
+              <a:solidFill>
+                <a:srgbClr val="000000"/>
+              </a:solidFill>
+              <a:effectLst/>
+              <a:uFillTx/>
+              <a:latin typeface="Bahnscrift"/>
+            </a:endParaRPr>
+          </a:p>
+          <a:p>
+            <a:endParaRPr b="0" lang="en-US" sz="1800" strike="noStrike" u="none">
+              <a:solidFill>
+                <a:srgbClr val="000000"/>
+              </a:solidFill>
+              <a:effectLst/>
+              <a:uFillTx/>
+              <a:latin typeface="Bahnscrift"/>
+            </a:endParaRPr>
+          </a:p>
+          <a:p>
+            <a:r>
+              <a:rPr b="0" lang="en-US" sz="1800" strike="noStrike" u="none">
+                <a:solidFill>
+                  <a:srgbClr val="000000"/>
+                </a:solidFill>
+                <a:effectLst/>
+                <a:uFillTx/>
+                <a:latin typeface="Bahnscrift"/>
+              </a:rPr>
+              <a:t>Пробуем вписать их в программу:</a:t>
+            </a:r>
+            <a:endParaRPr b="0" lang="en-US" sz="1800" strike="noStrike" u="none">
+              <a:solidFill>
+                <a:srgbClr val="000000"/>
+              </a:solidFill>
+              <a:effectLst/>
+              <a:uFillTx/>
+              <a:latin typeface="Bahnscrift"/>
+            </a:endParaRPr>
+          </a:p>
+        </p:txBody>
+      </p:sp>
+      <p:pic>
+        <p:nvPicPr>
+          <p:cNvPr id="162" name="" descr=""/>
+          <p:cNvPicPr/>
+          <p:nvPr/>
+        </p:nvPicPr>
+        <p:blipFill>
+          <a:blip r:embed="rId1"/>
+          <a:stretch/>
+        </p:blipFill>
+        <p:spPr>
+          <a:xfrm>
+            <a:off x="413640" y="3147480"/>
+            <a:ext cx="6215760" cy="967320"/>
+          </a:xfrm>
+          <a:prstGeom prst="rect">
+            <a:avLst/>
+          </a:prstGeom>
+          <a:noFill/>
+          <a:ln w="0">
+            <a:noFill/>
+          </a:ln>
+        </p:spPr>
+      </p:pic>
+      <p:pic>
+        <p:nvPicPr>
+          <p:cNvPr id="163" name="" descr=""/>
+          <p:cNvPicPr/>
+          <p:nvPr/>
+        </p:nvPicPr>
+        <p:blipFill>
+          <a:blip r:embed="rId2"/>
+          <a:stretch/>
+        </p:blipFill>
+        <p:spPr>
+          <a:xfrm>
+            <a:off x="914400" y="4343400"/>
+            <a:ext cx="7086600" cy="1076760"/>
+          </a:xfrm>
+          <a:prstGeom prst="rect">
+            <a:avLst/>
+          </a:prstGeom>
+          <a:noFill/>
+          <a:ln w="0">
+            <a:noFill/>
+          </a:ln>
+        </p:spPr>
+      </p:pic>
     </p:spTree>
   </p:cSld>
   <mc:AlternateContent>
@@ -10240,14 +10858,14 @@
       </p:grpSpPr>
       <p:sp>
         <p:nvSpPr>
-          <p:cNvPr id="153" name=""/>
+          <p:cNvPr id="164" name=""/>
           <p:cNvSpPr/>
           <p:nvPr/>
         </p:nvSpPr>
         <p:spPr>
           <a:xfrm>
             <a:off x="228600" y="0"/>
-            <a:ext cx="9850320" cy="912600"/>
+            <a:ext cx="9849960" cy="912240"/>
           </a:xfrm>
           <a:prstGeom prst="rect">
             <a:avLst/>
@@ -10291,21 +10909,21 @@
               </a:solidFill>
               <a:effectLst/>
               <a:uFillTx/>
-              <a:latin typeface="FreeSerif"/>
-            </a:endParaRPr>
-          </a:p>
-        </p:txBody>
-      </p:sp>
-      <p:sp>
-        <p:nvSpPr>
-          <p:cNvPr id="154" name=""/>
+              <a:latin typeface="Times New Roman"/>
+            </a:endParaRPr>
+          </a:p>
+        </p:txBody>
+      </p:sp>
+      <p:sp>
+        <p:nvSpPr>
+          <p:cNvPr id="165" name=""/>
           <p:cNvSpPr/>
           <p:nvPr/>
         </p:nvSpPr>
         <p:spPr>
           <a:xfrm>
             <a:off x="9601200" y="5257800"/>
-            <a:ext cx="455400" cy="411120"/>
+            <a:ext cx="455040" cy="410760"/>
           </a:xfrm>
           <a:prstGeom prst="rect">
             <a:avLst/>
@@ -10341,7 +10959,7 @@
                 <a:latin typeface="Bahnschrift"/>
                 <a:ea typeface="Arial"/>
               </a:rPr>
-              <a:t>7</a:t>
+              <a:t>5</a:t>
             </a:r>
             <a:endParaRPr b="0" lang="en-US" sz="2400" strike="noStrike" u="none">
               <a:solidFill>
@@ -10349,21 +10967,21 @@
               </a:solidFill>
               <a:effectLst/>
               <a:uFillTx/>
-              <a:latin typeface="FreeSerif"/>
-            </a:endParaRPr>
-          </a:p>
-        </p:txBody>
-      </p:sp>
-      <p:sp>
-        <p:nvSpPr>
-          <p:cNvPr id="155" name=""/>
+              <a:latin typeface="Times New Roman"/>
+            </a:endParaRPr>
+          </a:p>
+        </p:txBody>
+      </p:sp>
+      <p:sp>
+        <p:nvSpPr>
+          <p:cNvPr id="166" name=""/>
           <p:cNvSpPr/>
           <p:nvPr/>
         </p:nvSpPr>
         <p:spPr>
           <a:xfrm>
             <a:off x="0" y="532800"/>
-            <a:ext cx="10078920" cy="1294200"/>
+            <a:ext cx="10078560" cy="1293840"/>
           </a:xfrm>
           <a:prstGeom prst="rect">
             <a:avLst/>
@@ -10396,20 +11014,21 @@
               <a:effectLst/>
               <a:uFillTx/>
               <a:latin typeface="FreeSerif"/>
-            </a:endParaRPr>
-          </a:p>
-        </p:txBody>
-      </p:sp>
-      <p:sp>
-        <p:nvSpPr>
-          <p:cNvPr id="156" name=""/>
+              <a:ea typeface="Arial"/>
+            </a:endParaRPr>
+          </a:p>
+        </p:txBody>
+      </p:sp>
+      <p:sp>
+        <p:nvSpPr>
+          <p:cNvPr id="167" name=""/>
           <p:cNvSpPr/>
           <p:nvPr/>
         </p:nvSpPr>
         <p:spPr>
           <a:xfrm>
             <a:off x="0" y="2286000"/>
-            <a:ext cx="10078920" cy="1294200"/>
+            <a:ext cx="10078560" cy="1293840"/>
           </a:xfrm>
           <a:prstGeom prst="rect">
             <a:avLst/>
@@ -10442,6 +11061,165 @@
               <a:effectLst/>
               <a:uFillTx/>
               <a:latin typeface="FreeSerif"/>
+              <a:ea typeface="Arial"/>
+            </a:endParaRPr>
+          </a:p>
+        </p:txBody>
+      </p:sp>
+      <p:sp>
+        <p:nvSpPr>
+          <p:cNvPr id="168" name=""/>
+          <p:cNvSpPr txBox="1"/>
+          <p:nvPr/>
+        </p:nvSpPr>
+        <p:spPr>
+          <a:xfrm>
+            <a:off x="914400" y="914400"/>
+            <a:ext cx="7086600" cy="2514600"/>
+          </a:xfrm>
+          <a:prstGeom prst="rect">
+            <a:avLst/>
+          </a:prstGeom>
+          <a:noFill/>
+          <a:ln w="0">
+            <a:noFill/>
+          </a:ln>
+        </p:spPr>
+        <p:txBody>
+          <a:bodyPr lIns="90000" rIns="90000" tIns="45000" bIns="45000" anchor="t">
+            <a:spAutoFit/>
+          </a:bodyPr>
+          <a:p>
+            <a:r>
+              <a:rPr b="0" lang="en-US" sz="1800" strike="noStrike" u="none">
+                <a:solidFill>
+                  <a:srgbClr val="000000"/>
+                </a:solidFill>
+                <a:effectLst/>
+                <a:uFillTx/>
+                <a:latin typeface="Banschrift"/>
+              </a:rPr>
+              <a:t>В условии подмечатеся, что изначально цепочек из трех или более шариков может быть не более одной, но в случае, где их все-таки несколько, они будут обрабатываться</a:t>
+            </a:r>
+            <a:endParaRPr b="0" lang="en-US" sz="1800" strike="noStrike" u="none">
+              <a:solidFill>
+                <a:srgbClr val="000000"/>
+              </a:solidFill>
+              <a:effectLst/>
+              <a:uFillTx/>
+              <a:latin typeface="Banschrift"/>
+            </a:endParaRPr>
+          </a:p>
+          <a:p>
+            <a:r>
+              <a:rPr b="0" lang="en-US" sz="1800" strike="noStrike" u="none">
+                <a:solidFill>
+                  <a:srgbClr val="000000"/>
+                </a:solidFill>
+                <a:effectLst/>
+                <a:uFillTx/>
+                <a:latin typeface="Banschrift"/>
+              </a:rPr>
+              <a:t>последовательно:</a:t>
+            </a:r>
+            <a:endParaRPr b="0" lang="en-US" sz="1800" strike="noStrike" u="none">
+              <a:solidFill>
+                <a:srgbClr val="000000"/>
+              </a:solidFill>
+              <a:effectLst/>
+              <a:uFillTx/>
+              <a:latin typeface="Banschrift"/>
+            </a:endParaRPr>
+          </a:p>
+        </p:txBody>
+      </p:sp>
+      <p:pic>
+        <p:nvPicPr>
+          <p:cNvPr id="169" name="" descr=""/>
+          <p:cNvPicPr/>
+          <p:nvPr/>
+        </p:nvPicPr>
+        <p:blipFill>
+          <a:blip r:embed="rId1"/>
+          <a:stretch/>
+        </p:blipFill>
+        <p:spPr>
+          <a:xfrm>
+            <a:off x="952200" y="2197440"/>
+            <a:ext cx="3848400" cy="774360"/>
+          </a:xfrm>
+          <a:prstGeom prst="rect">
+            <a:avLst/>
+          </a:prstGeom>
+          <a:noFill/>
+          <a:ln w="0">
+            <a:noFill/>
+          </a:ln>
+        </p:spPr>
+      </p:pic>
+      <p:sp>
+        <p:nvSpPr>
+          <p:cNvPr id="170" name=""/>
+          <p:cNvSpPr txBox="1"/>
+          <p:nvPr/>
+        </p:nvSpPr>
+        <p:spPr>
+          <a:xfrm>
+            <a:off x="914400" y="3429000"/>
+            <a:ext cx="7772400" cy="1371600"/>
+          </a:xfrm>
+          <a:prstGeom prst="rect">
+            <a:avLst/>
+          </a:prstGeom>
+          <a:noFill/>
+          <a:ln w="0">
+            <a:noFill/>
+          </a:ln>
+        </p:spPr>
+        <p:txBody>
+          <a:bodyPr lIns="90000" rIns="90000" tIns="45000" bIns="45000" anchor="t">
+            <a:spAutoFit/>
+          </a:bodyPr>
+          <a:p>
+            <a:r>
+              <a:rPr b="0" lang="en-US" sz="1800" strike="noStrike" u="none">
+                <a:solidFill>
+                  <a:srgbClr val="000000"/>
+                </a:solidFill>
+                <a:effectLst/>
+                <a:uFillTx/>
+                <a:latin typeface="Banschrift"/>
+              </a:rPr>
+              <a:t>Здесь сначала уничтожаются цепочки из троек, затем из шестерок. </a:t>
+            </a:r>
+            <a:endParaRPr b="0" lang="en-US" sz="1800" strike="noStrike" u="none">
+              <a:solidFill>
+                <a:srgbClr val="000000"/>
+              </a:solidFill>
+              <a:effectLst/>
+              <a:uFillTx/>
+              <a:latin typeface="Banschrift"/>
+            </a:endParaRPr>
+          </a:p>
+          <a:p>
+            <a:r>
+              <a:rPr b="0" lang="en-US" sz="1800" strike="noStrike" u="none">
+                <a:solidFill>
+                  <a:srgbClr val="000000"/>
+                </a:solidFill>
+                <a:effectLst/>
+                <a:uFillTx/>
+                <a:latin typeface="Banschrift"/>
+              </a:rPr>
+              <a:t>Итого уничтожено 5 троек и 3 шестерки, всего 8, что и показывает программа.</a:t>
+            </a:r>
+            <a:endParaRPr b="0" lang="en-US" sz="1800" strike="noStrike" u="none">
+              <a:solidFill>
+                <a:srgbClr val="000000"/>
+              </a:solidFill>
+              <a:effectLst/>
+              <a:uFillTx/>
+              <a:latin typeface="Banschrift"/>
             </a:endParaRPr>
           </a:p>
         </p:txBody>
@@ -10478,14 +11256,14 @@
       </p:grpSpPr>
       <p:sp>
         <p:nvSpPr>
-          <p:cNvPr id="157" name=""/>
+          <p:cNvPr id="171" name=""/>
           <p:cNvSpPr/>
           <p:nvPr/>
         </p:nvSpPr>
         <p:spPr>
           <a:xfrm>
             <a:off x="228600" y="0"/>
-            <a:ext cx="9850320" cy="912600"/>
+            <a:ext cx="9849960" cy="912240"/>
           </a:xfrm>
           <a:prstGeom prst="rect">
             <a:avLst/>
@@ -10521,7 +11299,7 @@
                 <a:latin typeface="Bahnschrift"/>
                 <a:ea typeface="Arial"/>
               </a:rPr>
-              <a:t>Тестирование</a:t>
+              <a:t>Код</a:t>
             </a:r>
             <a:endParaRPr b="0" lang="en-US" sz="3600" strike="noStrike" u="none">
               <a:solidFill>
@@ -10529,21 +11307,21 @@
               </a:solidFill>
               <a:effectLst/>
               <a:uFillTx/>
-              <a:latin typeface="FreeSerif"/>
-            </a:endParaRPr>
-          </a:p>
-        </p:txBody>
-      </p:sp>
-      <p:sp>
-        <p:nvSpPr>
-          <p:cNvPr id="158" name=""/>
+              <a:latin typeface="Times New Roman"/>
+            </a:endParaRPr>
+          </a:p>
+        </p:txBody>
+      </p:sp>
+      <p:sp>
+        <p:nvSpPr>
+          <p:cNvPr id="172" name=""/>
           <p:cNvSpPr/>
           <p:nvPr/>
         </p:nvSpPr>
         <p:spPr>
           <a:xfrm>
             <a:off x="9601200" y="5257800"/>
-            <a:ext cx="455400" cy="411120"/>
+            <a:ext cx="455040" cy="410760"/>
           </a:xfrm>
           <a:prstGeom prst="rect">
             <a:avLst/>
@@ -10579,7 +11357,7 @@
                 <a:latin typeface="Bahnschrift"/>
                 <a:ea typeface="Arial"/>
               </a:rPr>
-              <a:t>8</a:t>
+              <a:t>6</a:t>
             </a:r>
             <a:endParaRPr b="0" lang="en-US" sz="2400" strike="noStrike" u="none">
               <a:solidFill>
@@ -10587,21 +11365,25 @@
               </a:solidFill>
               <a:effectLst/>
               <a:uFillTx/>
-              <a:latin typeface="FreeSerif"/>
-            </a:endParaRPr>
-          </a:p>
-        </p:txBody>
-      </p:sp>
-      <p:sp>
-        <p:nvSpPr>
-          <p:cNvPr id="159" name=""/>
-          <p:cNvSpPr/>
+              <a:latin typeface="Times New Roman"/>
+            </a:endParaRPr>
+          </a:p>
+        </p:txBody>
+      </p:sp>
+      <p:pic>
+        <p:nvPicPr>
+          <p:cNvPr id="173" name="" descr=""/>
+          <p:cNvPicPr/>
           <p:nvPr/>
-        </p:nvSpPr>
-        <p:spPr>
-          <a:xfrm>
-            <a:off x="0" y="457200"/>
-            <a:ext cx="10078920" cy="1294200"/>
+        </p:nvPicPr>
+        <p:blipFill>
+          <a:blip r:embed="rId1"/>
+          <a:stretch/>
+        </p:blipFill>
+        <p:spPr>
+          <a:xfrm>
+            <a:off x="3772080" y="2171880"/>
+            <a:ext cx="2857320" cy="2857320"/>
           </a:xfrm>
           <a:prstGeom prst="rect">
             <a:avLst/>
@@ -10611,29 +11393,72 @@
             <a:noFill/>
           </a:ln>
         </p:spPr>
-        <p:style>
-          <a:lnRef idx="0"/>
-          <a:fillRef idx="0"/>
-          <a:effectRef idx="0"/>
-          <a:fontRef idx="minor"/>
-        </p:style>
-        <p:txBody>
-          <a:bodyPr lIns="90000" rIns="90000" tIns="45000" bIns="45000" anchor="ctr">
-            <a:noAutofit/>
-          </a:bodyPr>
-          <a:p>
-            <a:pPr algn="ctr">
-              <a:lnSpc>
-                <a:spcPct val="100000"/>
-              </a:lnSpc>
-            </a:pPr>
-            <a:endParaRPr b="0" lang="en-US" sz="1800" strike="noStrike" u="none">
-              <a:solidFill>
-                <a:srgbClr val="000000"/>
-              </a:solidFill>
-              <a:effectLst/>
-              <a:uFillTx/>
-              <a:latin typeface="FreeSerif"/>
+      </p:pic>
+      <p:sp>
+        <p:nvSpPr>
+          <p:cNvPr id="174" name=""/>
+          <p:cNvSpPr txBox="1"/>
+          <p:nvPr/>
+        </p:nvSpPr>
+        <p:spPr>
+          <a:xfrm>
+            <a:off x="1600200" y="1369440"/>
+            <a:ext cx="7315200" cy="1145160"/>
+          </a:xfrm>
+          <a:prstGeom prst="rect">
+            <a:avLst/>
+          </a:prstGeom>
+          <a:noFill/>
+          <a:ln w="0">
+            <a:noFill/>
+          </a:ln>
+        </p:spPr>
+        <p:txBody>
+          <a:bodyPr lIns="90000" rIns="90000" tIns="45000" bIns="45000" anchor="t" anchorCtr="1">
+            <a:spAutoFit/>
+          </a:bodyPr>
+          <a:p>
+            <a:pPr algn="ctr"/>
+            <a:r>
+              <a:rPr b="1" lang="en-US" sz="1800" strike="noStrike" u="none">
+                <a:solidFill>
+                  <a:srgbClr val="000000"/>
+                </a:solidFill>
+                <a:effectLst/>
+                <a:uFillTx/>
+                <a:latin typeface="Bahnscrift"/>
+              </a:rPr>
+              <a:t>Код программы и все материалы были опубликованы на GitHub.</a:t>
+            </a:r>
+            <a:endParaRPr b="1" lang="en-US" sz="1800" strike="noStrike" u="none">
+              <a:solidFill>
+                <a:srgbClr val="000000"/>
+              </a:solidFill>
+              <a:effectLst/>
+              <a:uFillTx/>
+              <a:latin typeface="Bahnscrift"/>
+            </a:endParaRPr>
+          </a:p>
+          <a:p>
+            <a:pPr algn="ctr"/>
+            <a:r>
+              <a:rPr b="1" lang="en-US" sz="1800" strike="noStrike" u="none">
+                <a:solidFill>
+                  <a:srgbClr val="000000"/>
+                </a:solidFill>
+                <a:effectLst/>
+                <a:uFillTx/>
+                <a:latin typeface="Bahnscrift"/>
+              </a:rPr>
+              <a:t>https://github.com/GoldSDK/CPP-IKM-2Sem</a:t>
+            </a:r>
+            <a:endParaRPr b="1" lang="en-US" sz="1800" strike="noStrike" u="none">
+              <a:solidFill>
+                <a:srgbClr val="000000"/>
+              </a:solidFill>
+              <a:effectLst/>
+              <a:uFillTx/>
+              <a:latin typeface="Bahnscrift"/>
             </a:endParaRPr>
           </a:p>
         </p:txBody>
@@ -10670,14 +11495,74 @@
       </p:grpSpPr>
       <p:sp>
         <p:nvSpPr>
-          <p:cNvPr id="160" name=""/>
+          <p:cNvPr id="175" name="PlaceHolder 1"/>
+          <p:cNvSpPr>
+            <a:spLocks noGrp="1"/>
+          </p:cNvSpPr>
+          <p:nvPr>
+            <p:ph type="title"/>
+          </p:nvPr>
+        </p:nvSpPr>
+        <p:spPr>
+          <a:xfrm>
+            <a:off x="1027440" y="2057400"/>
+            <a:ext cx="8571240" cy="1681920"/>
+          </a:xfrm>
+          <a:prstGeom prst="rect">
+            <a:avLst/>
+          </a:prstGeom>
+          <a:noFill/>
+          <a:ln w="12600">
+            <a:noFill/>
+          </a:ln>
+        </p:spPr>
+        <p:txBody>
+          <a:bodyPr lIns="45720" rIns="45720" tIns="45000" bIns="45000" anchor="b">
+            <a:noAutofit/>
+          </a:bodyPr>
+          <a:p>
+            <a:pPr indent="0" defTabSz="740520">
+              <a:lnSpc>
+                <a:spcPct val="100000"/>
+              </a:lnSpc>
+              <a:buNone/>
+              <a:tabLst>
+                <a:tab algn="l" pos="0"/>
+              </a:tabLst>
+            </a:pPr>
+            <a:r>
+              <a:rPr b="0" lang="en-US" sz="3240" strike="noStrike" u="none">
+                <a:solidFill>
+                  <a:srgbClr val="ffffff"/>
+                </a:solidFill>
+                <a:effectLst/>
+                <a:uFillTx/>
+                <a:latin typeface="Bahnschrift"/>
+                <a:ea typeface="PermianSerifTypeface"/>
+              </a:rPr>
+              <a:t>Спасибо за внимание!</a:t>
+            </a:r>
+            <a:endParaRPr b="0" lang="en-US" sz="3240" strike="noStrike" u="none">
+              <a:solidFill>
+                <a:srgbClr val="000000"/>
+              </a:solidFill>
+              <a:effectLst/>
+              <a:uFillTx/>
+              <a:latin typeface="Times New Roman"/>
+            </a:endParaRPr>
+          </a:p>
+        </p:txBody>
+      </p:sp>
+      <p:sp>
+        <p:nvSpPr>
+          <p:cNvPr id="176" name=""/>
           <p:cNvSpPr/>
           <p:nvPr/>
         </p:nvSpPr>
         <p:spPr>
           <a:xfrm>
-            <a:off x="228600" y="0"/>
-            <a:ext cx="9850320" cy="912600"/>
+            <a:off x="9601200" y="5258160"/>
+            <a:ext cx="455040" cy="410760"/>
           </a:xfrm>
           <a:prstGeom prst="rect">
             <a:avLst/>
@@ -10698,80 +11583,22 @@
             <a:noAutofit/>
           </a:bodyPr>
           <a:p>
-            <a:pPr>
+            <a:pPr algn="ctr">
               <a:lnSpc>
                 <a:spcPct val="100000"/>
               </a:lnSpc>
             </a:pPr>
             <a:r>
-              <a:rPr b="0" lang="en-US" sz="3600" strike="noStrike" u="none">
+              <a:rPr b="0" lang="en-US" sz="2400" strike="noStrike" u="none">
                 <a:solidFill>
-                  <a:srgbClr val="000000"/>
+                  <a:srgbClr val="ffffff"/>
                 </a:solidFill>
                 <a:effectLst/>
                 <a:uFillTx/>
                 <a:latin typeface="Bahnschrift"/>
                 <a:ea typeface="Arial"/>
               </a:rPr>
-              <a:t>Тестирование</a:t>
-            </a:r>
-            <a:endParaRPr b="0" lang="en-US" sz="3600" strike="noStrike" u="none">
-              <a:solidFill>
-                <a:srgbClr val="000000"/>
-              </a:solidFill>
-              <a:effectLst/>
-              <a:uFillTx/>
-              <a:latin typeface="FreeSerif"/>
-            </a:endParaRPr>
-          </a:p>
-        </p:txBody>
-      </p:sp>
-      <p:sp>
-        <p:nvSpPr>
-          <p:cNvPr id="161" name=""/>
-          <p:cNvSpPr/>
-          <p:nvPr/>
-        </p:nvSpPr>
-        <p:spPr>
-          <a:xfrm>
-            <a:off x="9601200" y="5257800"/>
-            <a:ext cx="455400" cy="411120"/>
-          </a:xfrm>
-          <a:prstGeom prst="rect">
-            <a:avLst/>
-          </a:prstGeom>
-          <a:noFill/>
-          <a:ln w="0">
-            <a:noFill/>
-          </a:ln>
-        </p:spPr>
-        <p:style>
-          <a:lnRef idx="0"/>
-          <a:fillRef idx="0"/>
-          <a:effectRef idx="0"/>
-          <a:fontRef idx="minor"/>
-        </p:style>
-        <p:txBody>
-          <a:bodyPr lIns="90000" rIns="90000" tIns="45000" bIns="45000" anchor="ctr">
-            <a:noAutofit/>
-          </a:bodyPr>
-          <a:p>
-            <a:pPr algn="ctr">
-              <a:lnSpc>
-                <a:spcPct val="100000"/>
-              </a:lnSpc>
-            </a:pPr>
-            <a:r>
-              <a:rPr b="0" lang="en-US" sz="2400" strike="noStrike" u="none">
-                <a:solidFill>
-                  <a:srgbClr val="000000"/>
-                </a:solidFill>
-                <a:effectLst/>
-                <a:uFillTx/>
-                <a:latin typeface="Bahnschrift"/>
-                <a:ea typeface="Arial"/>
-              </a:rPr>
-              <a:t>9</a:t>
+              <a:t>7</a:t>
             </a:r>
             <a:endParaRPr b="0" lang="en-US" sz="2400" strike="noStrike" u="none">
               <a:solidFill>
@@ -10779,199 +11606,7 @@
               </a:solidFill>
               <a:effectLst/>
               <a:uFillTx/>
-              <a:latin typeface="FreeSerif"/>
-            </a:endParaRPr>
-          </a:p>
-        </p:txBody>
-      </p:sp>
-      <p:sp>
-        <p:nvSpPr>
-          <p:cNvPr id="162" name=""/>
-          <p:cNvSpPr/>
-          <p:nvPr/>
-        </p:nvSpPr>
-        <p:spPr>
-          <a:xfrm>
-            <a:off x="0" y="457200"/>
-            <a:ext cx="10078920" cy="1294200"/>
-          </a:xfrm>
-          <a:prstGeom prst="rect">
-            <a:avLst/>
-          </a:prstGeom>
-          <a:noFill/>
-          <a:ln w="0">
-            <a:noFill/>
-          </a:ln>
-        </p:spPr>
-        <p:style>
-          <a:lnRef idx="0"/>
-          <a:fillRef idx="0"/>
-          <a:effectRef idx="0"/>
-          <a:fontRef idx="minor"/>
-        </p:style>
-        <p:txBody>
-          <a:bodyPr lIns="90000" rIns="90000" tIns="45000" bIns="45000" anchor="ctr">
-            <a:noAutofit/>
-          </a:bodyPr>
-          <a:p>
-            <a:pPr algn="ctr">
-              <a:lnSpc>
-                <a:spcPct val="100000"/>
-              </a:lnSpc>
-            </a:pPr>
-            <a:endParaRPr b="0" lang="en-US" sz="1800" strike="noStrike" u="none">
-              <a:solidFill>
-                <a:srgbClr val="000000"/>
-              </a:solidFill>
-              <a:effectLst/>
-              <a:uFillTx/>
-              <a:latin typeface="FreeSerif"/>
-            </a:endParaRPr>
-          </a:p>
-        </p:txBody>
-      </p:sp>
-    </p:spTree>
-  </p:cSld>
-  <mc:AlternateContent>
-    <mc:Choice Requires="p14">
-      <p:transition spd="slow" p14:dur="2000"/>
-    </mc:Choice>
-    <mc:Fallback>
-      <p:transition spd="slow"/>
-    </mc:Fallback>
-  </mc:AlternateContent>
-</p:sld>
-</file>
-
-<file path=ppt/slides/slide9.xml><?xml version="1.0" encoding="utf-8"?>
-<p:sld xmlns:a="http://schemas.openxmlformats.org/drawingml/2006/main" xmlns:p="http://schemas.openxmlformats.org/presentationml/2006/main" xmlns:r="http://schemas.openxmlformats.org/officeDocument/2006/relationships" xmlns:p14="http://schemas.microsoft.com/office/powerpoint/2010/main" xmlns:p15="http://schemas.microsoft.com/office/powerpoint/2012/main" xmlns:mc="http://schemas.openxmlformats.org/markup-compatibility/2006">
-  <p:cSld>
-    <p:spTree>
-      <p:nvGrpSpPr>
-        <p:cNvPr id="1" name=""/>
-        <p:cNvGrpSpPr/>
-        <p:nvPr/>
-      </p:nvGrpSpPr>
-      <p:grpSpPr>
-        <a:xfrm>
-          <a:off x="0" y="0"/>
-          <a:ext cx="0" cy="0"/>
-          <a:chOff x="0" y="0"/>
-          <a:chExt cx="0" cy="0"/>
-        </a:xfrm>
-      </p:grpSpPr>
-      <p:sp>
-        <p:nvSpPr>
-          <p:cNvPr id="163" name=""/>
-          <p:cNvSpPr/>
-          <p:nvPr/>
-        </p:nvSpPr>
-        <p:spPr>
-          <a:xfrm>
-            <a:off x="228600" y="0"/>
-            <a:ext cx="9850320" cy="912600"/>
-          </a:xfrm>
-          <a:prstGeom prst="rect">
-            <a:avLst/>
-          </a:prstGeom>
-          <a:noFill/>
-          <a:ln w="0">
-            <a:noFill/>
-          </a:ln>
-        </p:spPr>
-        <p:style>
-          <a:lnRef idx="0"/>
-          <a:fillRef idx="0"/>
-          <a:effectRef idx="0"/>
-          <a:fontRef idx="minor"/>
-        </p:style>
-        <p:txBody>
-          <a:bodyPr lIns="90000" rIns="90000" tIns="45000" bIns="45000" anchor="ctr">
-            <a:noAutofit/>
-          </a:bodyPr>
-          <a:p>
-            <a:pPr>
-              <a:lnSpc>
-                <a:spcPct val="100000"/>
-              </a:lnSpc>
-            </a:pPr>
-            <a:r>
-              <a:rPr b="0" lang="en-US" sz="3600" strike="noStrike" u="none">
-                <a:solidFill>
-                  <a:srgbClr val="000000"/>
-                </a:solidFill>
-                <a:effectLst/>
-                <a:uFillTx/>
-                <a:latin typeface="Bahnschrift"/>
-                <a:ea typeface="Arial"/>
-              </a:rPr>
-              <a:t>Код</a:t>
-            </a:r>
-            <a:endParaRPr b="0" lang="en-US" sz="3600" strike="noStrike" u="none">
-              <a:solidFill>
-                <a:srgbClr val="000000"/>
-              </a:solidFill>
-              <a:effectLst/>
-              <a:uFillTx/>
-              <a:latin typeface="FreeSerif"/>
-            </a:endParaRPr>
-          </a:p>
-        </p:txBody>
-      </p:sp>
-      <p:sp>
-        <p:nvSpPr>
-          <p:cNvPr id="164" name=""/>
-          <p:cNvSpPr/>
-          <p:nvPr/>
-        </p:nvSpPr>
-        <p:spPr>
-          <a:xfrm>
-            <a:off x="9601200" y="5257800"/>
-            <a:ext cx="455400" cy="411120"/>
-          </a:xfrm>
-          <a:prstGeom prst="rect">
-            <a:avLst/>
-          </a:prstGeom>
-          <a:noFill/>
-          <a:ln w="0">
-            <a:noFill/>
-          </a:ln>
-        </p:spPr>
-        <p:style>
-          <a:lnRef idx="0"/>
-          <a:fillRef idx="0"/>
-          <a:effectRef idx="0"/>
-          <a:fontRef idx="minor"/>
-        </p:style>
-        <p:txBody>
-          <a:bodyPr lIns="90000" rIns="90000" tIns="45000" bIns="45000" anchor="ctr">
-            <a:noAutofit/>
-          </a:bodyPr>
-          <a:p>
-            <a:pPr algn="ctr">
-              <a:lnSpc>
-                <a:spcPct val="100000"/>
-              </a:lnSpc>
-            </a:pPr>
-            <a:r>
-              <a:rPr b="0" lang="en-US" sz="2400" strike="noStrike" u="none">
-                <a:solidFill>
-                  <a:srgbClr val="000000"/>
-                </a:solidFill>
-                <a:effectLst/>
-                <a:uFillTx/>
-                <a:latin typeface="Bahnschrift"/>
-                <a:ea typeface="Arial"/>
-              </a:rPr>
-              <a:t>10</a:t>
-            </a:r>
-            <a:endParaRPr b="0" lang="en-US" sz="2400" strike="noStrike" u="none">
-              <a:solidFill>
-                <a:srgbClr val="000000"/>
-              </a:solidFill>
-              <a:effectLst/>
-              <a:uFillTx/>
-              <a:latin typeface="FreeSerif"/>
+              <a:latin typeface="Times New Roman"/>
             </a:endParaRPr>
           </a:p>
         </p:txBody>
